--- a/LSL-2/lsl-2.pptx
+++ b/LSL-2/lsl-2.pptx
@@ -5,42 +5,43 @@
     <p:sldMasterId id="2147483763" r:id="rId1"/>
   </p:sldMasterIdLst>
   <p:notesMasterIdLst>
-    <p:notesMasterId r:id="rId32"/>
+    <p:notesMasterId r:id="rId33"/>
   </p:notesMasterIdLst>
   <p:handoutMasterIdLst>
-    <p:handoutMasterId r:id="rId33"/>
+    <p:handoutMasterId r:id="rId34"/>
   </p:handoutMasterIdLst>
   <p:sldIdLst>
     <p:sldId id="257" r:id="rId2"/>
-    <p:sldId id="259" r:id="rId3"/>
-    <p:sldId id="258" r:id="rId4"/>
-    <p:sldId id="260" r:id="rId5"/>
-    <p:sldId id="262" r:id="rId6"/>
-    <p:sldId id="263" r:id="rId7"/>
-    <p:sldId id="264" r:id="rId8"/>
-    <p:sldId id="265" r:id="rId9"/>
-    <p:sldId id="266" r:id="rId10"/>
-    <p:sldId id="267" r:id="rId11"/>
-    <p:sldId id="268" r:id="rId12"/>
-    <p:sldId id="269" r:id="rId13"/>
-    <p:sldId id="270" r:id="rId14"/>
-    <p:sldId id="271" r:id="rId15"/>
-    <p:sldId id="272" r:id="rId16"/>
-    <p:sldId id="273" r:id="rId17"/>
-    <p:sldId id="274" r:id="rId18"/>
-    <p:sldId id="275" r:id="rId19"/>
-    <p:sldId id="276" r:id="rId20"/>
-    <p:sldId id="277" r:id="rId21"/>
-    <p:sldId id="278" r:id="rId22"/>
-    <p:sldId id="279" r:id="rId23"/>
-    <p:sldId id="280" r:id="rId24"/>
-    <p:sldId id="281" r:id="rId25"/>
-    <p:sldId id="282" r:id="rId26"/>
-    <p:sldId id="283" r:id="rId27"/>
-    <p:sldId id="284" r:id="rId28"/>
-    <p:sldId id="285" r:id="rId29"/>
-    <p:sldId id="286" r:id="rId30"/>
-    <p:sldId id="287" r:id="rId31"/>
+    <p:sldId id="309" r:id="rId3"/>
+    <p:sldId id="259" r:id="rId4"/>
+    <p:sldId id="258" r:id="rId5"/>
+    <p:sldId id="260" r:id="rId6"/>
+    <p:sldId id="262" r:id="rId7"/>
+    <p:sldId id="263" r:id="rId8"/>
+    <p:sldId id="264" r:id="rId9"/>
+    <p:sldId id="265" r:id="rId10"/>
+    <p:sldId id="266" r:id="rId11"/>
+    <p:sldId id="267" r:id="rId12"/>
+    <p:sldId id="268" r:id="rId13"/>
+    <p:sldId id="269" r:id="rId14"/>
+    <p:sldId id="270" r:id="rId15"/>
+    <p:sldId id="271" r:id="rId16"/>
+    <p:sldId id="272" r:id="rId17"/>
+    <p:sldId id="273" r:id="rId18"/>
+    <p:sldId id="274" r:id="rId19"/>
+    <p:sldId id="275" r:id="rId20"/>
+    <p:sldId id="276" r:id="rId21"/>
+    <p:sldId id="277" r:id="rId22"/>
+    <p:sldId id="278" r:id="rId23"/>
+    <p:sldId id="279" r:id="rId24"/>
+    <p:sldId id="280" r:id="rId25"/>
+    <p:sldId id="281" r:id="rId26"/>
+    <p:sldId id="282" r:id="rId27"/>
+    <p:sldId id="283" r:id="rId28"/>
+    <p:sldId id="284" r:id="rId29"/>
+    <p:sldId id="285" r:id="rId30"/>
+    <p:sldId id="286" r:id="rId31"/>
+    <p:sldId id="287" r:id="rId32"/>
   </p:sldIdLst>
   <p:sldSz cx="12192000" cy="6858000"/>
   <p:notesSz cx="6858000" cy="9144000"/>
@@ -241,7 +242,7 @@
           <a:p>
             <a:fld id="{7CCBBFEB-6D1B-41B2-932D-3707C62D1843}" type="datetimeFigureOut">
               <a:rPr lang="en-DE" smtClean="0"/>
-              <a:t>15/10/2021</a:t>
+              <a:t>20/10/2021</a:t>
             </a:fld>
             <a:endParaRPr lang="en-DE"/>
           </a:p>
@@ -419,7 +420,7 @@
           <a:p>
             <a:fld id="{4F3C5A69-068F-400D-BC3A-3C7A1FE12347}" type="datetimeFigureOut">
               <a:rPr lang="en-DE" smtClean="0"/>
-              <a:t>15/10/2021</a:t>
+              <a:t>20/10/2021</a:t>
             </a:fld>
             <a:endParaRPr lang="en-DE"/>
           </a:p>
@@ -837,7 +838,7 @@
           <a:p>
             <a:fld id="{976831FE-27B5-4B7F-B7FB-C195E2EADA32}" type="datetime1">
               <a:rPr lang="en-US" smtClean="0"/>
-              <a:t>10/15/2021</a:t>
+              <a:t>10/20/2021</a:t>
             </a:fld>
             <a:endParaRPr lang="en-US"/>
           </a:p>
@@ -1037,7 +1038,7 @@
           <a:p>
             <a:fld id="{51E9096B-1EDC-47A5-B3C7-4756B80AA3D0}" type="datetime1">
               <a:rPr lang="en-US" smtClean="0"/>
-              <a:t>10/15/2021</a:t>
+              <a:t>10/20/2021</a:t>
             </a:fld>
             <a:endParaRPr lang="en-US"/>
           </a:p>
@@ -1247,7 +1248,7 @@
           <a:p>
             <a:fld id="{B5C097C1-5F4A-466D-8BBC-33320F819450}" type="datetime1">
               <a:rPr lang="en-US" smtClean="0"/>
-              <a:t>10/15/2021</a:t>
+              <a:t>10/20/2021</a:t>
             </a:fld>
             <a:endParaRPr lang="en-US"/>
           </a:p>
@@ -1447,7 +1448,7 @@
           <a:p>
             <a:fld id="{705E9D30-B319-4881-8496-2E0BD184997D}" type="datetime1">
               <a:rPr lang="en-US" smtClean="0"/>
-              <a:t>10/15/2021</a:t>
+              <a:t>10/20/2021</a:t>
             </a:fld>
             <a:endParaRPr lang="en-US" dirty="0"/>
           </a:p>
@@ -1723,7 +1724,7 @@
           <a:p>
             <a:fld id="{C8DCCA87-D330-453B-BA1C-1CC8517B9EC6}" type="datetime1">
               <a:rPr lang="en-US" smtClean="0"/>
-              <a:t>10/15/2021</a:t>
+              <a:t>10/20/2021</a:t>
             </a:fld>
             <a:endParaRPr lang="en-US"/>
           </a:p>
@@ -1991,7 +1992,7 @@
           <a:p>
             <a:fld id="{6463F708-77B3-43F3-8213-EE9D6808B6CE}" type="datetime1">
               <a:rPr lang="en-US" smtClean="0"/>
-              <a:t>10/15/2021</a:t>
+              <a:t>10/20/2021</a:t>
             </a:fld>
             <a:endParaRPr lang="en-US"/>
           </a:p>
@@ -2406,7 +2407,7 @@
           <a:p>
             <a:fld id="{E1780A9D-C419-4057-91AD-14A2B5333FC0}" type="datetime1">
               <a:rPr lang="en-US" smtClean="0"/>
-              <a:t>10/15/2021</a:t>
+              <a:t>10/20/2021</a:t>
             </a:fld>
             <a:endParaRPr lang="en-US"/>
           </a:p>
@@ -2548,7 +2549,7 @@
           <a:p>
             <a:fld id="{2D0FC035-B3C6-4D6C-B814-FC42F30BB17B}" type="datetime1">
               <a:rPr lang="en-US" smtClean="0"/>
-              <a:t>10/15/2021</a:t>
+              <a:t>10/20/2021</a:t>
             </a:fld>
             <a:endParaRPr lang="en-US"/>
           </a:p>
@@ -2661,7 +2662,7 @@
           <a:p>
             <a:fld id="{E3EF373D-65D1-41D3-A46A-820B4942555E}" type="datetime1">
               <a:rPr lang="en-US" smtClean="0"/>
-              <a:t>10/15/2021</a:t>
+              <a:t>10/20/2021</a:t>
             </a:fld>
             <a:endParaRPr lang="en-US"/>
           </a:p>
@@ -2974,7 +2975,7 @@
           <a:p>
             <a:fld id="{07619638-727C-412D-B725-F933B4D6483A}" type="datetime1">
               <a:rPr lang="en-US" smtClean="0"/>
-              <a:t>10/15/2021</a:t>
+              <a:t>10/20/2021</a:t>
             </a:fld>
             <a:endParaRPr lang="en-US"/>
           </a:p>
@@ -3263,7 +3264,7 @@
           <a:p>
             <a:fld id="{B83EAE46-6039-4AB5-B0BB-567F8EFB51A9}" type="datetime1">
               <a:rPr lang="en-US" smtClean="0"/>
-              <a:t>10/15/2021</a:t>
+              <a:t>10/20/2021</a:t>
             </a:fld>
             <a:endParaRPr lang="en-US"/>
           </a:p>
@@ -3506,7 +3507,7 @@
           <a:p>
             <a:fld id="{F0C59C5B-CE7F-4B7D-8F40-D1A7F9D937ED}" type="datetime1">
               <a:rPr lang="en-US" smtClean="0"/>
-              <a:t>10/15/2021</a:t>
+              <a:t>10/20/2021</a:t>
             </a:fld>
             <a:endParaRPr lang="en-US"/>
           </a:p>
@@ -4138,7 +4139,7 @@
         <p:spPr/>
         <p:txBody>
           <a:bodyPr>
-            <a:normAutofit fontScale="92500" lnSpcReduction="10000"/>
+            <a:normAutofit lnSpcReduction="10000"/>
           </a:bodyPr>
           <a:lstStyle/>
           <a:p>
@@ -4149,15 +4150,15 @@
               <a:rPr lang="en-US" dirty="0">
                 <a:latin typeface="Univers" panose="020B0503020202020204" pitchFamily="34" charset="0"/>
               </a:rPr>
-              <a:t>‘Continuous Time’ Rebase Sync</a:t>
-            </a:r>
-          </a:p>
-          <a:p>
-            <a:r>
-              <a:rPr lang="en-US" dirty="0">
-                <a:latin typeface="Univers" panose="020B0503020202020204" pitchFamily="34" charset="0"/>
-              </a:rPr>
-              <a:t>Pros:</a:t>
+              <a:t>Grid-like Sync</a:t>
+            </a:r>
+          </a:p>
+          <a:p>
+            <a:r>
+              <a:rPr lang="en-US" dirty="0">
+                <a:latin typeface="Univers" panose="020B0503020202020204" pitchFamily="34" charset="0"/>
+              </a:rPr>
+              <a:t>Pros</a:t>
             </a:r>
           </a:p>
           <a:p>
@@ -4166,7 +4167,15 @@
               <a:rPr lang="en-US" dirty="0">
                 <a:latin typeface="Univers" panose="020B0503020202020204" pitchFamily="34" charset="0"/>
               </a:rPr>
-              <a:t>extremely flexible</a:t>
+              <a:t>very exact</a:t>
+            </a:r>
+          </a:p>
+          <a:p>
+            <a:r>
+              <a:rPr lang="en-US" dirty="0">
+                <a:latin typeface="Univers" panose="020B0503020202020204" pitchFamily="34" charset="0"/>
+              </a:rPr>
+              <a:t>Cons:</a:t>
             </a:r>
           </a:p>
           <a:p>
@@ -4175,7 +4184,7 @@
               <a:rPr lang="en-US" dirty="0">
                 <a:latin typeface="Univers" panose="020B0503020202020204" pitchFamily="34" charset="0"/>
               </a:rPr>
-              <a:t>exact sampling rate of devices/data suppliers is irrelevant</a:t>
+              <a:t>very constrained</a:t>
             </a:r>
           </a:p>
           <a:p>
@@ -4184,15 +4193,7 @@
               <a:rPr lang="en-US" dirty="0">
                 <a:latin typeface="Univers" panose="020B0503020202020204" pitchFamily="34" charset="0"/>
               </a:rPr>
-              <a:t>since it is sampling rate agnostic, any combination of devices is possible</a:t>
-            </a:r>
-          </a:p>
-          <a:p>
-            <a:r>
-              <a:rPr lang="en-US" dirty="0">
-                <a:latin typeface="Univers" panose="020B0503020202020204" pitchFamily="34" charset="0"/>
-              </a:rPr>
-              <a:t>Cons:</a:t>
+              <a:t>in reality, this always requires hardware triggers</a:t>
             </a:r>
           </a:p>
           <a:p>
@@ -4201,31 +4202,11 @@
               <a:rPr lang="en-US" dirty="0">
                 <a:latin typeface="Univers" panose="020B0503020202020204" pitchFamily="34" charset="0"/>
               </a:rPr>
-              <a:t>hard to understand</a:t>
+              <a:t>almost impossible to do in real-time</a:t>
             </a:r>
           </a:p>
           <a:p>
             <a:pPr lvl="1"/>
-            <a:r>
-              <a:rPr lang="en-US" dirty="0">
-                <a:latin typeface="Univers" panose="020B0503020202020204" pitchFamily="34" charset="0"/>
-              </a:rPr>
-              <a:t>requires interpolation for exactness</a:t>
-            </a:r>
-          </a:p>
-          <a:p>
-            <a:pPr lvl="1"/>
-            <a:r>
-              <a:rPr lang="en-US" dirty="0">
-                <a:latin typeface="Univers" panose="020B0503020202020204" pitchFamily="34" charset="0"/>
-              </a:rPr>
-              <a:t>things can go very wrong if care is not taken to make sure they don’t</a:t>
-            </a:r>
-          </a:p>
-          <a:p>
-            <a:pPr marL="457200" lvl="1" indent="0">
-              <a:buNone/>
-            </a:pPr>
             <a:endParaRPr lang="en-US" dirty="0">
               <a:latin typeface="Univers" panose="020B0503020202020204" pitchFamily="34" charset="0"/>
             </a:endParaRPr>
@@ -4238,8 +4219,25 @@
               <a:rPr lang="en-US" dirty="0">
                 <a:latin typeface="Univers" panose="020B0503020202020204" pitchFamily="34" charset="0"/>
               </a:rPr>
-              <a:t>This is LSL’s approach. </a:t>
-            </a:r>
+              <a:t>Snapping samples to a quantized grid can only be done reliably in an offline scenario </a:t>
+            </a:r>
+            <a:r>
+              <a:rPr lang="en-US" i="1" dirty="0">
+                <a:latin typeface="Univers" panose="020B0503020202020204" pitchFamily="34" charset="0"/>
+              </a:rPr>
+              <a:t>and</a:t>
+            </a:r>
+            <a:r>
+              <a:rPr lang="en-US" dirty="0">
+                <a:latin typeface="Univers" panose="020B0503020202020204" pitchFamily="34" charset="0"/>
+              </a:rPr>
+              <a:t> when the sampling rate of the hardware is very reliable.</a:t>
+            </a:r>
+          </a:p>
+          <a:p>
+            <a:endParaRPr lang="en-US" dirty="0">
+              <a:latin typeface="Univers" panose="020B0503020202020204" pitchFamily="34" charset="0"/>
+            </a:endParaRPr>
           </a:p>
         </p:txBody>
       </p:sp>
@@ -4282,7 +4280,7 @@
     </p:spTree>
     <p:extLst>
       <p:ext uri="{BB962C8B-B14F-4D97-AF65-F5344CB8AC3E}">
-        <p14:creationId xmlns:p14="http://schemas.microsoft.com/office/powerpoint/2010/main" val="1286971534"/>
+        <p14:creationId xmlns:p14="http://schemas.microsoft.com/office/powerpoint/2010/main" val="3534920980"/>
       </p:ext>
     </p:extLst>
   </p:cSld>
@@ -4311,51 +4309,168 @@
       </p:grpSpPr>
       <p:sp>
         <p:nvSpPr>
-          <p:cNvPr id="4" name="TextBox 3">
-            <a:extLst>
-              <a:ext uri="{FF2B5EF4-FFF2-40B4-BE49-F238E27FC236}">
-                <a16:creationId xmlns:a16="http://schemas.microsoft.com/office/drawing/2014/main" id="{484BAC70-94B9-41FC-BE47-84025A671DD7}"/>
-              </a:ext>
-            </a:extLst>
-          </p:cNvPr>
-          <p:cNvSpPr txBox="1"/>
-          <p:nvPr/>
-        </p:nvSpPr>
-        <p:spPr>
-          <a:xfrm>
-            <a:off x="1101089" y="2413337"/>
-            <a:ext cx="9989820" cy="1938992"/>
-          </a:xfrm>
-          <a:prstGeom prst="rect">
-            <a:avLst/>
-          </a:prstGeom>
-          <a:noFill/>
-        </p:spPr>
-        <p:txBody>
-          <a:bodyPr wrap="square" rtlCol="0">
-            <a:spAutoFit/>
+          <p:cNvPr id="2" name="Title 1">
+            <a:extLst>
+              <a:ext uri="{FF2B5EF4-FFF2-40B4-BE49-F238E27FC236}">
+                <a16:creationId xmlns:a16="http://schemas.microsoft.com/office/drawing/2014/main" id="{B67D80A9-3352-49BD-8B13-67E5655619A8}"/>
+              </a:ext>
+            </a:extLst>
+          </p:cNvPr>
+          <p:cNvSpPr>
+            <a:spLocks noGrp="1"/>
+          </p:cNvSpPr>
+          <p:nvPr>
+            <p:ph type="title"/>
+          </p:nvPr>
+        </p:nvSpPr>
+        <p:spPr>
+          <a:xfrm>
+            <a:off x="838200" y="365125"/>
+            <a:ext cx="8957310" cy="1325563"/>
+          </a:xfrm>
+        </p:spPr>
+        <p:txBody>
+          <a:bodyPr/>
+          <a:lstStyle/>
+          <a:p>
+            <a:r>
+              <a:rPr lang="en-US" dirty="0"/>
+              <a:t>Approaches to Digital Data Sync</a:t>
+            </a:r>
+            <a:endParaRPr lang="en-DE" dirty="0"/>
+          </a:p>
+        </p:txBody>
+      </p:sp>
+      <p:sp>
+        <p:nvSpPr>
+          <p:cNvPr id="3" name="Content Placeholder 2">
+            <a:extLst>
+              <a:ext uri="{FF2B5EF4-FFF2-40B4-BE49-F238E27FC236}">
+                <a16:creationId xmlns:a16="http://schemas.microsoft.com/office/drawing/2014/main" id="{117AA472-BE32-4274-AC6A-90CA53C6C9DD}"/>
+              </a:ext>
+            </a:extLst>
+          </p:cNvPr>
+          <p:cNvSpPr>
+            <a:spLocks noGrp="1"/>
+          </p:cNvSpPr>
+          <p:nvPr>
+            <p:ph idx="1"/>
+          </p:nvPr>
+        </p:nvSpPr>
+        <p:spPr/>
+        <p:txBody>
+          <a:bodyPr>
+            <a:normAutofit fontScale="92500" lnSpcReduction="10000"/>
           </a:bodyPr>
           <a:lstStyle/>
           <a:p>
-            <a:pPr algn="ctr"/>
-            <a:r>
-              <a:rPr lang="en-US" sz="6000" dirty="0">
-                <a:latin typeface="Univers" panose="020B0503020202020204" pitchFamily="34" charset="0"/>
-              </a:rPr>
-              <a:t>LSL (Offline) Synchronization Overview</a:t>
-            </a:r>
-            <a:endParaRPr lang="en-DE" sz="6000" dirty="0">
+            <a:pPr marL="0" indent="0">
+              <a:buNone/>
+            </a:pPr>
+            <a:r>
+              <a:rPr lang="en-US" dirty="0">
+                <a:latin typeface="Univers" panose="020B0503020202020204" pitchFamily="34" charset="0"/>
+              </a:rPr>
+              <a:t>‘Continuous Time’ Rebase Sync</a:t>
+            </a:r>
+          </a:p>
+          <a:p>
+            <a:r>
+              <a:rPr lang="en-US" dirty="0">
+                <a:latin typeface="Univers" panose="020B0503020202020204" pitchFamily="34" charset="0"/>
+              </a:rPr>
+              <a:t>Pros:</a:t>
+            </a:r>
+          </a:p>
+          <a:p>
+            <a:pPr lvl="1"/>
+            <a:r>
+              <a:rPr lang="en-US" dirty="0">
+                <a:latin typeface="Univers" panose="020B0503020202020204" pitchFamily="34" charset="0"/>
+              </a:rPr>
+              <a:t>extremely flexible</a:t>
+            </a:r>
+          </a:p>
+          <a:p>
+            <a:pPr lvl="1"/>
+            <a:r>
+              <a:rPr lang="en-US" dirty="0">
+                <a:latin typeface="Univers" panose="020B0503020202020204" pitchFamily="34" charset="0"/>
+              </a:rPr>
+              <a:t>exact sampling rate of devices/data suppliers is irrelevant</a:t>
+            </a:r>
+          </a:p>
+          <a:p>
+            <a:pPr lvl="1"/>
+            <a:r>
+              <a:rPr lang="en-US" dirty="0">
+                <a:latin typeface="Univers" panose="020B0503020202020204" pitchFamily="34" charset="0"/>
+              </a:rPr>
+              <a:t>since it is sampling rate agnostic, any combination of devices is possible</a:t>
+            </a:r>
+          </a:p>
+          <a:p>
+            <a:r>
+              <a:rPr lang="en-US" dirty="0">
+                <a:latin typeface="Univers" panose="020B0503020202020204" pitchFamily="34" charset="0"/>
+              </a:rPr>
+              <a:t>Cons:</a:t>
+            </a:r>
+          </a:p>
+          <a:p>
+            <a:pPr lvl="1"/>
+            <a:r>
+              <a:rPr lang="en-US" dirty="0">
+                <a:latin typeface="Univers" panose="020B0503020202020204" pitchFamily="34" charset="0"/>
+              </a:rPr>
+              <a:t>hard to understand</a:t>
+            </a:r>
+          </a:p>
+          <a:p>
+            <a:pPr lvl="1"/>
+            <a:r>
+              <a:rPr lang="en-US" dirty="0">
+                <a:latin typeface="Univers" panose="020B0503020202020204" pitchFamily="34" charset="0"/>
+              </a:rPr>
+              <a:t>requires interpolation for exactness</a:t>
+            </a:r>
+          </a:p>
+          <a:p>
+            <a:pPr lvl="1"/>
+            <a:r>
+              <a:rPr lang="en-US" dirty="0">
+                <a:latin typeface="Univers" panose="020B0503020202020204" pitchFamily="34" charset="0"/>
+              </a:rPr>
+              <a:t>things can go very wrong if care is not taken to make sure they don’t</a:t>
+            </a:r>
+          </a:p>
+          <a:p>
+            <a:pPr marL="457200" lvl="1" indent="0">
+              <a:buNone/>
+            </a:pPr>
+            <a:endParaRPr lang="en-US" dirty="0">
               <a:latin typeface="Univers" panose="020B0503020202020204" pitchFamily="34" charset="0"/>
             </a:endParaRPr>
           </a:p>
+          <a:p>
+            <a:pPr marL="0" indent="0" algn="r">
+              <a:buNone/>
+            </a:pPr>
+            <a:r>
+              <a:rPr lang="en-US" dirty="0">
+                <a:latin typeface="Univers" panose="020B0503020202020204" pitchFamily="34" charset="0"/>
+              </a:rPr>
+              <a:t>This is LSL’s approach. </a:t>
+            </a:r>
+          </a:p>
         </p:txBody>
       </p:sp>
       <p:pic>
         <p:nvPicPr>
-          <p:cNvPr id="14" name="Picture 13" descr="Logo&#10;&#10;Description automatically generated">
-            <a:extLst>
-              <a:ext uri="{FF2B5EF4-FFF2-40B4-BE49-F238E27FC236}">
-                <a16:creationId xmlns:a16="http://schemas.microsoft.com/office/drawing/2014/main" id="{29BF7DF9-AE0A-4485-A1FE-AF17ADC1784F}"/>
+          <p:cNvPr id="5" name="Picture 4" descr="A picture containing text, sign, outdoor, close&#10;&#10;Description automatically generated">
+            <a:extLst>
+              <a:ext uri="{FF2B5EF4-FFF2-40B4-BE49-F238E27FC236}">
+                <a16:creationId xmlns:a16="http://schemas.microsoft.com/office/drawing/2014/main" id="{47842863-62C2-468D-BC9B-637CD0603B00}"/>
               </a:ext>
             </a:extLst>
           </p:cNvPr>
@@ -4378,8 +4493,8 @@
         </p:blipFill>
         <p:spPr>
           <a:xfrm>
-            <a:off x="396079" y="5331315"/>
-            <a:ext cx="1410021" cy="1270289"/>
+            <a:off x="9909810" y="365125"/>
+            <a:ext cx="1443990" cy="1325563"/>
           </a:xfrm>
           <a:prstGeom prst="rect">
             <a:avLst/>
@@ -4389,7 +4504,7 @@
     </p:spTree>
     <p:extLst>
       <p:ext uri="{BB962C8B-B14F-4D97-AF65-F5344CB8AC3E}">
-        <p14:creationId xmlns:p14="http://schemas.microsoft.com/office/powerpoint/2010/main" val="1343086080"/>
+        <p14:creationId xmlns:p14="http://schemas.microsoft.com/office/powerpoint/2010/main" val="1286971534"/>
       </p:ext>
     </p:extLst>
   </p:cSld>
@@ -4418,175 +4533,51 @@
       </p:grpSpPr>
       <p:sp>
         <p:nvSpPr>
-          <p:cNvPr id="2" name="Title 1">
-            <a:extLst>
-              <a:ext uri="{FF2B5EF4-FFF2-40B4-BE49-F238E27FC236}">
-                <a16:creationId xmlns:a16="http://schemas.microsoft.com/office/drawing/2014/main" id="{B67D80A9-3352-49BD-8B13-67E5655619A8}"/>
-              </a:ext>
-            </a:extLst>
-          </p:cNvPr>
-          <p:cNvSpPr>
-            <a:spLocks noGrp="1"/>
-          </p:cNvSpPr>
-          <p:nvPr>
-            <p:ph type="title"/>
-          </p:nvPr>
-        </p:nvSpPr>
-        <p:spPr>
-          <a:xfrm>
-            <a:off x="838200" y="365125"/>
-            <a:ext cx="8957310" cy="1325563"/>
-          </a:xfrm>
-        </p:spPr>
-        <p:txBody>
-          <a:bodyPr/>
-          <a:lstStyle/>
-          <a:p>
-            <a:r>
-              <a:rPr lang="en-US" dirty="0"/>
-              <a:t>LSL Synchronization Overview</a:t>
-            </a:r>
-            <a:endParaRPr lang="en-DE" dirty="0"/>
-          </a:p>
-        </p:txBody>
-      </p:sp>
-      <p:sp>
-        <p:nvSpPr>
-          <p:cNvPr id="3" name="Content Placeholder 2">
-            <a:extLst>
-              <a:ext uri="{FF2B5EF4-FFF2-40B4-BE49-F238E27FC236}">
-                <a16:creationId xmlns:a16="http://schemas.microsoft.com/office/drawing/2014/main" id="{117AA472-BE32-4274-AC6A-90CA53C6C9DD}"/>
-              </a:ext>
-            </a:extLst>
-          </p:cNvPr>
-          <p:cNvSpPr>
-            <a:spLocks noGrp="1"/>
-          </p:cNvSpPr>
-          <p:nvPr>
-            <p:ph idx="1"/>
-          </p:nvPr>
-        </p:nvSpPr>
-        <p:spPr>
-          <a:xfrm>
-            <a:off x="3312367" y="1834014"/>
-            <a:ext cx="8041432" cy="4351338"/>
-          </a:xfrm>
-        </p:spPr>
-        <p:txBody>
-          <a:bodyPr>
-            <a:normAutofit fontScale="92500"/>
+          <p:cNvPr id="4" name="TextBox 3">
+            <a:extLst>
+              <a:ext uri="{FF2B5EF4-FFF2-40B4-BE49-F238E27FC236}">
+                <a16:creationId xmlns:a16="http://schemas.microsoft.com/office/drawing/2014/main" id="{484BAC70-94B9-41FC-BE47-84025A671DD7}"/>
+              </a:ext>
+            </a:extLst>
+          </p:cNvPr>
+          <p:cNvSpPr txBox="1"/>
+          <p:nvPr/>
+        </p:nvSpPr>
+        <p:spPr>
+          <a:xfrm>
+            <a:off x="1101089" y="2413337"/>
+            <a:ext cx="9989820" cy="1938992"/>
+          </a:xfrm>
+          <a:prstGeom prst="rect">
+            <a:avLst/>
+          </a:prstGeom>
+          <a:noFill/>
+        </p:spPr>
+        <p:txBody>
+          <a:bodyPr wrap="square" rtlCol="0">
+            <a:spAutoFit/>
           </a:bodyPr>
           <a:lstStyle/>
           <a:p>
-            <a:r>
-              <a:rPr lang="en-US" dirty="0">
-                <a:latin typeface="Univers" panose="020B0503020202020204" pitchFamily="34" charset="0"/>
-              </a:rPr>
-              <a:t>LabRecorder records not only data and their timestamps, it also measures and records clock offsets between CPUs </a:t>
-            </a:r>
-            <a:r>
-              <a:rPr lang="en-US" i="1" dirty="0">
-                <a:latin typeface="Univers" panose="020B0503020202020204" pitchFamily="34" charset="0"/>
-              </a:rPr>
-              <a:t>and</a:t>
-            </a:r>
-            <a:r>
-              <a:rPr lang="en-US" dirty="0">
-                <a:latin typeface="Univers" panose="020B0503020202020204" pitchFamily="34" charset="0"/>
-              </a:rPr>
-              <a:t>  the local timestamps when those measurements are taken.</a:t>
-            </a:r>
-            <a:endParaRPr lang="en-US" dirty="0">
+            <a:pPr algn="ctr"/>
+            <a:r>
+              <a:rPr lang="en-US" sz="6000" dirty="0">
+                <a:latin typeface="Univers" panose="020B0503020202020204" pitchFamily="34" charset="0"/>
+              </a:rPr>
+              <a:t>LSL (Offline) Synchronization Overview</a:t>
+            </a:r>
+            <a:endParaRPr lang="en-DE" sz="6000" dirty="0">
               <a:latin typeface="Univers" panose="020B0503020202020204" pitchFamily="34" charset="0"/>
-              <a:hlinkClick r:id="rId2"/>
             </a:endParaRPr>
-          </a:p>
-          <a:p>
-            <a:r>
-              <a:rPr lang="en-US" dirty="0">
-                <a:latin typeface="Univers" panose="020B0503020202020204" pitchFamily="34" charset="0"/>
-              </a:rPr>
-              <a:t>Using this information </a:t>
-            </a:r>
-            <a:r>
-              <a:rPr lang="en-US" dirty="0">
-                <a:latin typeface="Univers" panose="020B0503020202020204" pitchFamily="34" charset="0"/>
-                <a:hlinkClick r:id="rId2"/>
-              </a:rPr>
-              <a:t>XDF loaders </a:t>
-            </a:r>
-            <a:r>
-              <a:rPr lang="en-US" dirty="0">
-                <a:latin typeface="Univers" panose="020B0503020202020204" pitchFamily="34" charset="0"/>
-              </a:rPr>
-              <a:t>(</a:t>
-            </a:r>
-            <a:r>
-              <a:rPr lang="en-US" dirty="0" err="1">
-                <a:latin typeface="Courier New" panose="02070309020205020404" pitchFamily="49" charset="0"/>
-                <a:cs typeface="Courier New" panose="02070309020205020404" pitchFamily="49" charset="0"/>
-              </a:rPr>
-              <a:t>load_xdf.m</a:t>
-            </a:r>
-            <a:r>
-              <a:rPr lang="en-US" dirty="0">
-                <a:latin typeface="Univers" panose="020B0503020202020204" pitchFamily="34" charset="0"/>
-              </a:rPr>
-              <a:t>/</a:t>
-            </a:r>
-            <a:r>
-              <a:rPr lang="en-US" dirty="0" err="1">
-                <a:latin typeface="Courier New" panose="02070309020205020404" pitchFamily="49" charset="0"/>
-                <a:cs typeface="Courier New" panose="02070309020205020404" pitchFamily="49" charset="0"/>
-              </a:rPr>
-              <a:t>pyxdf</a:t>
-            </a:r>
-            <a:r>
-              <a:rPr lang="en-US" dirty="0">
-                <a:latin typeface="Univers" panose="020B0503020202020204" pitchFamily="34" charset="0"/>
-              </a:rPr>
-              <a:t>/</a:t>
-            </a:r>
-            <a:r>
-              <a:rPr lang="en-US" dirty="0" err="1">
-                <a:latin typeface="Courier New" panose="02070309020205020404" pitchFamily="49" charset="0"/>
-                <a:cs typeface="Courier New" panose="02070309020205020404" pitchFamily="49" charset="0"/>
-              </a:rPr>
-              <a:t>XDF.jl</a:t>
-            </a:r>
-            <a:r>
-              <a:rPr lang="en-US" dirty="0">
-                <a:latin typeface="Univers" panose="020B0503020202020204" pitchFamily="34" charset="0"/>
-              </a:rPr>
-              <a:t>) can correct for 2 things:</a:t>
-            </a:r>
-          </a:p>
-          <a:p>
-            <a:pPr lvl="1"/>
-            <a:r>
-              <a:rPr lang="en-US" dirty="0">
-                <a:latin typeface="Univers" panose="020B0503020202020204" pitchFamily="34" charset="0"/>
-              </a:rPr>
-              <a:t>Clock offsets (slowly drifting differences between the CPU sending the data and the CPU recording the data)</a:t>
-            </a:r>
-          </a:p>
-          <a:p>
-            <a:pPr lvl="1"/>
-            <a:r>
-              <a:rPr lang="en-US" dirty="0">
-                <a:latin typeface="Univers" panose="020B0503020202020204" pitchFamily="34" charset="0"/>
-              </a:rPr>
-              <a:t>Jitter (random noise added to the timestamps due to minutely varying processing times)</a:t>
-            </a:r>
           </a:p>
         </p:txBody>
       </p:sp>
       <p:pic>
         <p:nvPicPr>
-          <p:cNvPr id="5" name="Picture 4" descr="A picture containing text, sign, outdoor, close&#10;&#10;Description automatically generated">
-            <a:extLst>
-              <a:ext uri="{FF2B5EF4-FFF2-40B4-BE49-F238E27FC236}">
-                <a16:creationId xmlns:a16="http://schemas.microsoft.com/office/drawing/2014/main" id="{47842863-62C2-468D-BC9B-637CD0603B00}"/>
+          <p:cNvPr id="14" name="Picture 13" descr="Logo&#10;&#10;Description automatically generated">
+            <a:extLst>
+              <a:ext uri="{FF2B5EF4-FFF2-40B4-BE49-F238E27FC236}">
+                <a16:creationId xmlns:a16="http://schemas.microsoft.com/office/drawing/2014/main" id="{29BF7DF9-AE0A-4485-A1FE-AF17ADC1784F}"/>
               </a:ext>
             </a:extLst>
           </p:cNvPr>
@@ -4596,7 +4587,7 @@
           <p:nvPr/>
         </p:nvPicPr>
         <p:blipFill>
-          <a:blip r:embed="rId3">
+          <a:blip r:embed="rId2">
             <a:extLst>
               <a:ext uri="{28A0092B-C50C-407E-A947-70E740481C1C}">
                 <a14:useLocalDpi xmlns:a14="http://schemas.microsoft.com/office/drawing/2010/main" val="0"/>
@@ -4609,44 +4600,8 @@
         </p:blipFill>
         <p:spPr>
           <a:xfrm>
-            <a:off x="9909810" y="365125"/>
-            <a:ext cx="1443990" cy="1325563"/>
-          </a:xfrm>
-          <a:prstGeom prst="rect">
-            <a:avLst/>
-          </a:prstGeom>
-        </p:spPr>
-      </p:pic>
-      <p:pic>
-        <p:nvPicPr>
-          <p:cNvPr id="7" name="Picture 6" descr="Diagram&#10;&#10;Description automatically generated">
-            <a:extLst>
-              <a:ext uri="{FF2B5EF4-FFF2-40B4-BE49-F238E27FC236}">
-                <a16:creationId xmlns:a16="http://schemas.microsoft.com/office/drawing/2014/main" id="{9ABF71D2-4619-4235-947E-C9C2FD5B584E}"/>
-              </a:ext>
-            </a:extLst>
-          </p:cNvPr>
-          <p:cNvPicPr>
-            <a:picLocks noChangeAspect="1"/>
-          </p:cNvPicPr>
-          <p:nvPr/>
-        </p:nvPicPr>
-        <p:blipFill>
-          <a:blip r:embed="rId4">
-            <a:extLst>
-              <a:ext uri="{28A0092B-C50C-407E-A947-70E740481C1C}">
-                <a14:useLocalDpi xmlns:a14="http://schemas.microsoft.com/office/drawing/2010/main" val="0"/>
-              </a:ext>
-            </a:extLst>
-          </a:blip>
-          <a:stretch>
-            <a:fillRect/>
-          </a:stretch>
-        </p:blipFill>
-        <p:spPr>
-          <a:xfrm>
-            <a:off x="510075" y="2175537"/>
-            <a:ext cx="2569028" cy="2506926"/>
+            <a:off x="396079" y="5331315"/>
+            <a:ext cx="1410021" cy="1270289"/>
           </a:xfrm>
           <a:prstGeom prst="rect">
             <a:avLst/>
@@ -4656,7 +4611,7 @@
     </p:spTree>
     <p:extLst>
       <p:ext uri="{BB962C8B-B14F-4D97-AF65-F5344CB8AC3E}">
-        <p14:creationId xmlns:p14="http://schemas.microsoft.com/office/powerpoint/2010/main" val="252115476"/>
+        <p14:creationId xmlns:p14="http://schemas.microsoft.com/office/powerpoint/2010/main" val="1343086080"/>
       </p:ext>
     </p:extLst>
   </p:cSld>
@@ -4735,13 +4690,13 @@
         </p:nvSpPr>
         <p:spPr>
           <a:xfrm>
-            <a:off x="3392429" y="1905835"/>
-            <a:ext cx="8367907" cy="4587040"/>
+            <a:off x="3312367" y="1834014"/>
+            <a:ext cx="8041432" cy="4351338"/>
           </a:xfrm>
         </p:spPr>
         <p:txBody>
           <a:bodyPr>
-            <a:normAutofit/>
+            <a:normAutofit fontScale="92500"/>
           </a:bodyPr>
           <a:lstStyle/>
           <a:p>
@@ -4749,36 +4704,83 @@
               <a:rPr lang="en-US" dirty="0">
                 <a:latin typeface="Univers" panose="020B0503020202020204" pitchFamily="34" charset="0"/>
               </a:rPr>
-              <a:t>Correcting for clock offsets:</a:t>
-            </a:r>
-          </a:p>
-          <a:p>
-            <a:pPr lvl="1"/>
-            <a:r>
-              <a:rPr lang="en-US" dirty="0">
-                <a:latin typeface="Univers" panose="020B0503020202020204" pitchFamily="34" charset="0"/>
-              </a:rPr>
-              <a:t>LabRecorder uses the LSL function </a:t>
+              <a:t>LabRecorder records not only data and their timestamps, it also measures and records clock offsets between CPUs </a:t>
+            </a:r>
+            <a:r>
+              <a:rPr lang="en-US" i="1" dirty="0">
+                <a:latin typeface="Univers" panose="020B0503020202020204" pitchFamily="34" charset="0"/>
+              </a:rPr>
+              <a:t>and</a:t>
+            </a:r>
+            <a:r>
+              <a:rPr lang="en-US" dirty="0">
+                <a:latin typeface="Univers" panose="020B0503020202020204" pitchFamily="34" charset="0"/>
+              </a:rPr>
+              <a:t>  the local timestamps when those measurements are taken.</a:t>
+            </a:r>
+            <a:endParaRPr lang="en-US" dirty="0">
+              <a:latin typeface="Univers" panose="020B0503020202020204" pitchFamily="34" charset="0"/>
+              <a:hlinkClick r:id="rId2"/>
+            </a:endParaRPr>
+          </a:p>
+          <a:p>
+            <a:r>
+              <a:rPr lang="en-US" dirty="0">
+                <a:latin typeface="Univers" panose="020B0503020202020204" pitchFamily="34" charset="0"/>
+              </a:rPr>
+              <a:t>Using this information </a:t>
+            </a:r>
+            <a:r>
+              <a:rPr lang="en-US" dirty="0">
+                <a:latin typeface="Univers" panose="020B0503020202020204" pitchFamily="34" charset="0"/>
+                <a:hlinkClick r:id="rId2"/>
+              </a:rPr>
+              <a:t>XDF loaders </a:t>
+            </a:r>
+            <a:r>
+              <a:rPr lang="en-US" dirty="0">
+                <a:latin typeface="Univers" panose="020B0503020202020204" pitchFamily="34" charset="0"/>
+              </a:rPr>
+              <a:t>(</a:t>
             </a:r>
             <a:r>
               <a:rPr lang="en-US" dirty="0" err="1">
                 <a:latin typeface="Courier New" panose="02070309020205020404" pitchFamily="49" charset="0"/>
                 <a:cs typeface="Courier New" panose="02070309020205020404" pitchFamily="49" charset="0"/>
               </a:rPr>
-              <a:t>time_correction</a:t>
-            </a:r>
-            <a:r>
-              <a:rPr lang="en-US" dirty="0">
+              <a:t>load_xdf.m</a:t>
+            </a:r>
+            <a:r>
+              <a:rPr lang="en-US" dirty="0">
+                <a:latin typeface="Univers" panose="020B0503020202020204" pitchFamily="34" charset="0"/>
+              </a:rPr>
+              <a:t>/</a:t>
+            </a:r>
+            <a:r>
+              <a:rPr lang="en-US" dirty="0" err="1">
                 <a:latin typeface="Courier New" panose="02070309020205020404" pitchFamily="49" charset="0"/>
                 <a:cs typeface="Courier New" panose="02070309020205020404" pitchFamily="49" charset="0"/>
               </a:rPr>
-              <a:t>()</a:t>
-            </a:r>
-            <a:r>
-              <a:rPr lang="en-US" dirty="0">
-                <a:latin typeface="Univers" panose="020B0503020202020204" pitchFamily="34" charset="0"/>
-              </a:rPr>
-              <a:t> to measure clock differences between PCs for each stream</a:t>
+              <a:t>pyxdf</a:t>
+            </a:r>
+            <a:r>
+              <a:rPr lang="en-US" dirty="0">
+                <a:latin typeface="Univers" panose="020B0503020202020204" pitchFamily="34" charset="0"/>
+              </a:rPr>
+              <a:t>/</a:t>
+            </a:r>
+            <a:r>
+              <a:rPr lang="en-US" dirty="0" err="1">
+                <a:latin typeface="Courier New" panose="02070309020205020404" pitchFamily="49" charset="0"/>
+                <a:cs typeface="Courier New" panose="02070309020205020404" pitchFamily="49" charset="0"/>
+              </a:rPr>
+              <a:t>XDF.jl</a:t>
+            </a:r>
+            <a:r>
+              <a:rPr lang="en-US" dirty="0">
+                <a:latin typeface="Univers" panose="020B0503020202020204" pitchFamily="34" charset="0"/>
+              </a:rPr>
+              <a:t>) can correct for 2 things:</a:t>
             </a:r>
           </a:p>
           <a:p>
@@ -4787,7 +4789,7 @@
               <a:rPr lang="en-US" dirty="0">
                 <a:latin typeface="Univers" panose="020B0503020202020204" pitchFamily="34" charset="0"/>
               </a:rPr>
-              <a:t>The default is to do this every 5s</a:t>
+              <a:t>Clock offsets (slowly drifting differences between the CPU sending the data and the CPU recording the data)</a:t>
             </a:r>
           </a:p>
           <a:p>
@@ -4796,16 +4798,7 @@
               <a:rPr lang="en-US" dirty="0">
                 <a:latin typeface="Univers" panose="020B0503020202020204" pitchFamily="34" charset="0"/>
               </a:rPr>
-              <a:t>This data is stored in the footer portion of an XDF file along with data write times</a:t>
-            </a:r>
-          </a:p>
-          <a:p>
-            <a:pPr lvl="1"/>
-            <a:r>
-              <a:rPr lang="en-US" dirty="0">
-                <a:latin typeface="Univers" panose="020B0503020202020204" pitchFamily="34" charset="0"/>
-              </a:rPr>
-              <a:t>Using this data, the timestamps from each stream can be put on the same time-base as the recording PC</a:t>
+              <a:t>Jitter (random noise added to the timestamps due to minutely varying processing times)</a:t>
             </a:r>
           </a:p>
         </p:txBody>
@@ -4816,42 +4809,6 @@
             <a:extLst>
               <a:ext uri="{FF2B5EF4-FFF2-40B4-BE49-F238E27FC236}">
                 <a16:creationId xmlns:a16="http://schemas.microsoft.com/office/drawing/2014/main" id="{47842863-62C2-468D-BC9B-637CD0603B00}"/>
-              </a:ext>
-            </a:extLst>
-          </p:cNvPr>
-          <p:cNvPicPr>
-            <a:picLocks noChangeAspect="1"/>
-          </p:cNvPicPr>
-          <p:nvPr/>
-        </p:nvPicPr>
-        <p:blipFill>
-          <a:blip r:embed="rId2">
-            <a:extLst>
-              <a:ext uri="{28A0092B-C50C-407E-A947-70E740481C1C}">
-                <a14:useLocalDpi xmlns:a14="http://schemas.microsoft.com/office/drawing/2010/main" val="0"/>
-              </a:ext>
-            </a:extLst>
-          </a:blip>
-          <a:stretch>
-            <a:fillRect/>
-          </a:stretch>
-        </p:blipFill>
-        <p:spPr>
-          <a:xfrm>
-            <a:off x="9909810" y="365125"/>
-            <a:ext cx="1443990" cy="1325563"/>
-          </a:xfrm>
-          <a:prstGeom prst="rect">
-            <a:avLst/>
-          </a:prstGeom>
-        </p:spPr>
-      </p:pic>
-      <p:pic>
-        <p:nvPicPr>
-          <p:cNvPr id="8" name="Picture 7" descr="Diagram&#10;&#10;Description automatically generated">
-            <a:extLst>
-              <a:ext uri="{FF2B5EF4-FFF2-40B4-BE49-F238E27FC236}">
-                <a16:creationId xmlns:a16="http://schemas.microsoft.com/office/drawing/2014/main" id="{64DDF1F6-D12F-473A-BE46-0B339D644C89}"/>
               </a:ext>
             </a:extLst>
           </p:cNvPr>
@@ -4874,8 +4831,44 @@
         </p:blipFill>
         <p:spPr>
           <a:xfrm>
-            <a:off x="304800" y="2400298"/>
-            <a:ext cx="3087630" cy="2057404"/>
+            <a:off x="9909810" y="365125"/>
+            <a:ext cx="1443990" cy="1325563"/>
+          </a:xfrm>
+          <a:prstGeom prst="rect">
+            <a:avLst/>
+          </a:prstGeom>
+        </p:spPr>
+      </p:pic>
+      <p:pic>
+        <p:nvPicPr>
+          <p:cNvPr id="7" name="Picture 6" descr="Diagram&#10;&#10;Description automatically generated">
+            <a:extLst>
+              <a:ext uri="{FF2B5EF4-FFF2-40B4-BE49-F238E27FC236}">
+                <a16:creationId xmlns:a16="http://schemas.microsoft.com/office/drawing/2014/main" id="{9ABF71D2-4619-4235-947E-C9C2FD5B584E}"/>
+              </a:ext>
+            </a:extLst>
+          </p:cNvPr>
+          <p:cNvPicPr>
+            <a:picLocks noChangeAspect="1"/>
+          </p:cNvPicPr>
+          <p:nvPr/>
+        </p:nvPicPr>
+        <p:blipFill>
+          <a:blip r:embed="rId4">
+            <a:extLst>
+              <a:ext uri="{28A0092B-C50C-407E-A947-70E740481C1C}">
+                <a14:useLocalDpi xmlns:a14="http://schemas.microsoft.com/office/drawing/2010/main" val="0"/>
+              </a:ext>
+            </a:extLst>
+          </a:blip>
+          <a:stretch>
+            <a:fillRect/>
+          </a:stretch>
+        </p:blipFill>
+        <p:spPr>
+          <a:xfrm>
+            <a:off x="510075" y="2175537"/>
+            <a:ext cx="2569028" cy="2506926"/>
           </a:xfrm>
           <a:prstGeom prst="rect">
             <a:avLst/>
@@ -4885,7 +4878,7 @@
     </p:spTree>
     <p:extLst>
       <p:ext uri="{BB962C8B-B14F-4D97-AF65-F5344CB8AC3E}">
-        <p14:creationId xmlns:p14="http://schemas.microsoft.com/office/powerpoint/2010/main" val="4040862420"/>
+        <p14:creationId xmlns:p14="http://schemas.microsoft.com/office/powerpoint/2010/main" val="252115476"/>
       </p:ext>
     </p:extLst>
   </p:cSld>
@@ -4964,8 +4957,8 @@
         </p:nvSpPr>
         <p:spPr>
           <a:xfrm>
-            <a:off x="3332019" y="1905835"/>
-            <a:ext cx="8428318" cy="4351338"/>
+            <a:off x="3392429" y="1905835"/>
+            <a:ext cx="8367907" cy="4587040"/>
           </a:xfrm>
         </p:spPr>
         <p:txBody>
@@ -4975,6 +4968,21 @@
           <a:lstStyle/>
           <a:p>
             <a:r>
+              <a:rPr lang="en-US" dirty="0">
+                <a:latin typeface="Univers" panose="020B0503020202020204" pitchFamily="34" charset="0"/>
+              </a:rPr>
+              <a:t>Correcting for clock offsets:</a:t>
+            </a:r>
+          </a:p>
+          <a:p>
+            <a:pPr lvl="1"/>
+            <a:r>
+              <a:rPr lang="en-US" dirty="0">
+                <a:latin typeface="Univers" panose="020B0503020202020204" pitchFamily="34" charset="0"/>
+              </a:rPr>
+              <a:t>LabRecorder uses the LSL function </a:t>
+            </a:r>
+            <a:r>
               <a:rPr lang="en-US" dirty="0" err="1">
                 <a:latin typeface="Courier New" panose="02070309020205020404" pitchFamily="49" charset="0"/>
                 <a:cs typeface="Courier New" panose="02070309020205020404" pitchFamily="49" charset="0"/>
@@ -4986,131 +4994,41 @@
                 <a:latin typeface="Courier New" panose="02070309020205020404" pitchFamily="49" charset="0"/>
                 <a:cs typeface="Courier New" panose="02070309020205020404" pitchFamily="49" charset="0"/>
               </a:rPr>
-              <a:t>() </a:t>
-            </a:r>
-            <a:r>
-              <a:rPr lang="en-US" dirty="0">
-                <a:latin typeface="Univers" panose="020B0503020202020204" pitchFamily="34" charset="0"/>
-              </a:rPr>
-              <a:t>uses the </a:t>
-            </a:r>
-            <a:r>
-              <a:rPr lang="en-US" dirty="0">
-                <a:latin typeface="Univers" panose="020B0503020202020204" pitchFamily="34" charset="0"/>
-                <a:hlinkClick r:id="rId2"/>
-              </a:rPr>
-              <a:t>clock synchronization algorithm</a:t>
-            </a:r>
-            <a:r>
-              <a:rPr lang="en-US" dirty="0">
-                <a:latin typeface="Univers" panose="020B0503020202020204" pitchFamily="34" charset="0"/>
-              </a:rPr>
-              <a:t> (part of the Network Time Protocol) to compute clock offsets:</a:t>
+              <a:t>()</a:t>
+            </a:r>
+            <a:r>
+              <a:rPr lang="en-US" dirty="0">
+                <a:latin typeface="Univers" panose="020B0503020202020204" pitchFamily="34" charset="0"/>
+              </a:rPr>
+              <a:t> to measure clock differences between PCs for each stream</a:t>
             </a:r>
           </a:p>
           <a:p>
             <a:pPr lvl="1"/>
             <a:r>
               <a:rPr lang="en-US" dirty="0">
-                <a:latin typeface="Courier New" panose="02070309020205020404" pitchFamily="49" charset="0"/>
-                <a:cs typeface="Courier New" panose="02070309020205020404" pitchFamily="49" charset="0"/>
-              </a:rPr>
-              <a:t>t0</a:t>
-            </a:r>
-            <a:r>
-              <a:rPr lang="en-US" dirty="0">
-                <a:latin typeface="Univers" panose="020B0503020202020204" pitchFamily="34" charset="0"/>
-              </a:rPr>
-              <a:t> send time of packet from LabRecorder to stream host</a:t>
+                <a:latin typeface="Univers" panose="020B0503020202020204" pitchFamily="34" charset="0"/>
+              </a:rPr>
+              <a:t>The default is to do this every 5s</a:t>
             </a:r>
           </a:p>
           <a:p>
             <a:pPr lvl="1"/>
             <a:r>
               <a:rPr lang="en-US" dirty="0">
-                <a:latin typeface="Courier New" panose="02070309020205020404" pitchFamily="49" charset="0"/>
-                <a:cs typeface="Courier New" panose="02070309020205020404" pitchFamily="49" charset="0"/>
-              </a:rPr>
-              <a:t>t1</a:t>
-            </a:r>
-            <a:r>
-              <a:rPr lang="en-US" dirty="0">
-                <a:latin typeface="Univers" panose="020B0503020202020204" pitchFamily="34" charset="0"/>
-              </a:rPr>
-              <a:t> receive time of packet from LabRecorder host</a:t>
+                <a:latin typeface="Univers" panose="020B0503020202020204" pitchFamily="34" charset="0"/>
+              </a:rPr>
+              <a:t>This data is stored in the footer portion of an XDF file along with data write times</a:t>
             </a:r>
           </a:p>
           <a:p>
             <a:pPr lvl="1"/>
             <a:r>
               <a:rPr lang="en-US" dirty="0">
-                <a:latin typeface="Courier New" panose="02070309020205020404" pitchFamily="49" charset="0"/>
-                <a:cs typeface="Courier New" panose="02070309020205020404" pitchFamily="49" charset="0"/>
-              </a:rPr>
-              <a:t>t2</a:t>
-            </a:r>
-            <a:r>
-              <a:rPr lang="en-US" dirty="0">
-                <a:latin typeface="Univers" panose="020B0503020202020204" pitchFamily="34" charset="0"/>
-              </a:rPr>
-              <a:t> send time of packet from stream host to LabRecorder</a:t>
-            </a:r>
-          </a:p>
-          <a:p>
-            <a:pPr lvl="1"/>
-            <a:r>
-              <a:rPr lang="en-US" dirty="0">
-                <a:latin typeface="Courier New" panose="02070309020205020404" pitchFamily="49" charset="0"/>
-                <a:cs typeface="Courier New" panose="02070309020205020404" pitchFamily="49" charset="0"/>
-              </a:rPr>
-              <a:t>t3</a:t>
-            </a:r>
-            <a:r>
-              <a:rPr lang="en-US" dirty="0">
-                <a:latin typeface="Univers" panose="020B0503020202020204" pitchFamily="34" charset="0"/>
-              </a:rPr>
-              <a:t> receive time of packet from stream host</a:t>
-            </a:r>
-          </a:p>
-          <a:p>
-            <a:pPr lvl="1"/>
-            <a:r>
-              <a:rPr lang="en-US" dirty="0">
-                <a:latin typeface="Courier New" panose="02070309020205020404" pitchFamily="49" charset="0"/>
-                <a:cs typeface="Courier New" panose="02070309020205020404" pitchFamily="49" charset="0"/>
-              </a:rPr>
-              <a:t>RTT = (t3-t0) - (t2-t1)</a:t>
-            </a:r>
-          </a:p>
-          <a:p>
-            <a:pPr lvl="1"/>
-            <a:r>
-              <a:rPr lang="en-US" dirty="0">
-                <a:latin typeface="Courier New" panose="02070309020205020404" pitchFamily="49" charset="0"/>
-                <a:cs typeface="Courier New" panose="02070309020205020404" pitchFamily="49" charset="0"/>
-              </a:rPr>
-              <a:t>OFS = ((t1-t0) + (t2-t3))/2 </a:t>
-            </a:r>
-            <a:r>
-              <a:rPr lang="en-US" dirty="0">
-                <a:latin typeface="Univers" panose="020B0503020202020204" pitchFamily="34" charset="0"/>
-                <a:cs typeface="Courier New" panose="02070309020205020404" pitchFamily="49" charset="0"/>
-              </a:rPr>
-              <a:t>for lowest </a:t>
-            </a:r>
-            <a:r>
-              <a:rPr lang="en-US" dirty="0">
-                <a:latin typeface="Courier New" panose="02070309020205020404" pitchFamily="49" charset="0"/>
-                <a:cs typeface="Courier New" panose="02070309020205020404" pitchFamily="49" charset="0"/>
-              </a:rPr>
-              <a:t>RTT</a:t>
-            </a:r>
-          </a:p>
-          <a:p>
-            <a:pPr lvl="1"/>
-            <a:endParaRPr lang="en-US" dirty="0">
-              <a:latin typeface="Univers" panose="020B0503020202020204" pitchFamily="34" charset="0"/>
-            </a:endParaRPr>
+                <a:latin typeface="Univers" panose="020B0503020202020204" pitchFamily="34" charset="0"/>
+              </a:rPr>
+              <a:t>Using this data, the timestamps from each stream can be put on the same time-base as the recording PC</a:t>
+            </a:r>
           </a:p>
         </p:txBody>
       </p:sp>
@@ -5120,6 +5038,42 @@
             <a:extLst>
               <a:ext uri="{FF2B5EF4-FFF2-40B4-BE49-F238E27FC236}">
                 <a16:creationId xmlns:a16="http://schemas.microsoft.com/office/drawing/2014/main" id="{47842863-62C2-468D-BC9B-637CD0603B00}"/>
+              </a:ext>
+            </a:extLst>
+          </p:cNvPr>
+          <p:cNvPicPr>
+            <a:picLocks noChangeAspect="1"/>
+          </p:cNvPicPr>
+          <p:nvPr/>
+        </p:nvPicPr>
+        <p:blipFill>
+          <a:blip r:embed="rId2">
+            <a:extLst>
+              <a:ext uri="{28A0092B-C50C-407E-A947-70E740481C1C}">
+                <a14:useLocalDpi xmlns:a14="http://schemas.microsoft.com/office/drawing/2010/main" val="0"/>
+              </a:ext>
+            </a:extLst>
+          </a:blip>
+          <a:stretch>
+            <a:fillRect/>
+          </a:stretch>
+        </p:blipFill>
+        <p:spPr>
+          <a:xfrm>
+            <a:off x="9909810" y="365125"/>
+            <a:ext cx="1443990" cy="1325563"/>
+          </a:xfrm>
+          <a:prstGeom prst="rect">
+            <a:avLst/>
+          </a:prstGeom>
+        </p:spPr>
+      </p:pic>
+      <p:pic>
+        <p:nvPicPr>
+          <p:cNvPr id="8" name="Picture 7" descr="Diagram&#10;&#10;Description automatically generated">
+            <a:extLst>
+              <a:ext uri="{FF2B5EF4-FFF2-40B4-BE49-F238E27FC236}">
+                <a16:creationId xmlns:a16="http://schemas.microsoft.com/office/drawing/2014/main" id="{64DDF1F6-D12F-473A-BE46-0B339D644C89}"/>
               </a:ext>
             </a:extLst>
           </p:cNvPr>
@@ -5142,44 +5096,8 @@
         </p:blipFill>
         <p:spPr>
           <a:xfrm>
-            <a:off x="9909810" y="365125"/>
-            <a:ext cx="1443990" cy="1325563"/>
-          </a:xfrm>
-          <a:prstGeom prst="rect">
-            <a:avLst/>
-          </a:prstGeom>
-        </p:spPr>
-      </p:pic>
-      <p:pic>
-        <p:nvPicPr>
-          <p:cNvPr id="6" name="Picture 5" descr="Diagram&#10;&#10;Description automatically generated">
-            <a:extLst>
-              <a:ext uri="{FF2B5EF4-FFF2-40B4-BE49-F238E27FC236}">
-                <a16:creationId xmlns:a16="http://schemas.microsoft.com/office/drawing/2014/main" id="{7BF99036-DB89-4CAE-9E94-855351063976}"/>
-              </a:ext>
-            </a:extLst>
-          </p:cNvPr>
-          <p:cNvPicPr>
-            <a:picLocks noChangeAspect="1"/>
-          </p:cNvPicPr>
-          <p:nvPr/>
-        </p:nvPicPr>
-        <p:blipFill>
-          <a:blip r:embed="rId4">
-            <a:extLst>
-              <a:ext uri="{28A0092B-C50C-407E-A947-70E740481C1C}">
-                <a14:useLocalDpi xmlns:a14="http://schemas.microsoft.com/office/drawing/2010/main" val="0"/>
-              </a:ext>
-            </a:extLst>
-          </a:blip>
-          <a:stretch>
-            <a:fillRect/>
-          </a:stretch>
-        </p:blipFill>
-        <p:spPr>
-          <a:xfrm>
-            <a:off x="244389" y="2799586"/>
-            <a:ext cx="3087630" cy="1258827"/>
+            <a:off x="304800" y="2400298"/>
+            <a:ext cx="3087630" cy="2057404"/>
           </a:xfrm>
           <a:prstGeom prst="rect">
             <a:avLst/>
@@ -5189,7 +5107,7 @@
     </p:spTree>
     <p:extLst>
       <p:ext uri="{BB962C8B-B14F-4D97-AF65-F5344CB8AC3E}">
-        <p14:creationId xmlns:p14="http://schemas.microsoft.com/office/powerpoint/2010/main" val="1847503698"/>
+        <p14:creationId xmlns:p14="http://schemas.microsoft.com/office/powerpoint/2010/main" val="4040862420"/>
       </p:ext>
     </p:extLst>
   </p:cSld>
@@ -5268,6 +5186,310 @@
         </p:nvSpPr>
         <p:spPr>
           <a:xfrm>
+            <a:off x="3332019" y="1905835"/>
+            <a:ext cx="8428318" cy="4351338"/>
+          </a:xfrm>
+        </p:spPr>
+        <p:txBody>
+          <a:bodyPr>
+            <a:normAutofit/>
+          </a:bodyPr>
+          <a:lstStyle/>
+          <a:p>
+            <a:r>
+              <a:rPr lang="en-US" dirty="0" err="1">
+                <a:latin typeface="Courier New" panose="02070309020205020404" pitchFamily="49" charset="0"/>
+                <a:cs typeface="Courier New" panose="02070309020205020404" pitchFamily="49" charset="0"/>
+              </a:rPr>
+              <a:t>time_correction</a:t>
+            </a:r>
+            <a:r>
+              <a:rPr lang="en-US" dirty="0">
+                <a:latin typeface="Courier New" panose="02070309020205020404" pitchFamily="49" charset="0"/>
+                <a:cs typeface="Courier New" panose="02070309020205020404" pitchFamily="49" charset="0"/>
+              </a:rPr>
+              <a:t>() </a:t>
+            </a:r>
+            <a:r>
+              <a:rPr lang="en-US" dirty="0">
+                <a:latin typeface="Univers" panose="020B0503020202020204" pitchFamily="34" charset="0"/>
+              </a:rPr>
+              <a:t>uses the </a:t>
+            </a:r>
+            <a:r>
+              <a:rPr lang="en-US" dirty="0">
+                <a:latin typeface="Univers" panose="020B0503020202020204" pitchFamily="34" charset="0"/>
+                <a:hlinkClick r:id="rId2"/>
+              </a:rPr>
+              <a:t>clock synchronization algorithm</a:t>
+            </a:r>
+            <a:r>
+              <a:rPr lang="en-US" dirty="0">
+                <a:latin typeface="Univers" panose="020B0503020202020204" pitchFamily="34" charset="0"/>
+              </a:rPr>
+              <a:t> (part of the Network Time Protocol) to compute clock offsets:</a:t>
+            </a:r>
+          </a:p>
+          <a:p>
+            <a:pPr lvl="1"/>
+            <a:r>
+              <a:rPr lang="en-US" dirty="0">
+                <a:latin typeface="Courier New" panose="02070309020205020404" pitchFamily="49" charset="0"/>
+                <a:cs typeface="Courier New" panose="02070309020205020404" pitchFamily="49" charset="0"/>
+              </a:rPr>
+              <a:t>t0</a:t>
+            </a:r>
+            <a:r>
+              <a:rPr lang="en-US" dirty="0">
+                <a:latin typeface="Univers" panose="020B0503020202020204" pitchFamily="34" charset="0"/>
+              </a:rPr>
+              <a:t> send time of packet from LabRecorder to stream host</a:t>
+            </a:r>
+          </a:p>
+          <a:p>
+            <a:pPr lvl="1"/>
+            <a:r>
+              <a:rPr lang="en-US" dirty="0">
+                <a:latin typeface="Courier New" panose="02070309020205020404" pitchFamily="49" charset="0"/>
+                <a:cs typeface="Courier New" panose="02070309020205020404" pitchFamily="49" charset="0"/>
+              </a:rPr>
+              <a:t>t1</a:t>
+            </a:r>
+            <a:r>
+              <a:rPr lang="en-US" dirty="0">
+                <a:latin typeface="Univers" panose="020B0503020202020204" pitchFamily="34" charset="0"/>
+              </a:rPr>
+              <a:t> receive time of packet from LabRecorder host</a:t>
+            </a:r>
+          </a:p>
+          <a:p>
+            <a:pPr lvl="1"/>
+            <a:r>
+              <a:rPr lang="en-US" dirty="0">
+                <a:latin typeface="Courier New" panose="02070309020205020404" pitchFamily="49" charset="0"/>
+                <a:cs typeface="Courier New" panose="02070309020205020404" pitchFamily="49" charset="0"/>
+              </a:rPr>
+              <a:t>t2</a:t>
+            </a:r>
+            <a:r>
+              <a:rPr lang="en-US" dirty="0">
+                <a:latin typeface="Univers" panose="020B0503020202020204" pitchFamily="34" charset="0"/>
+              </a:rPr>
+              <a:t> send time of packet from stream host to LabRecorder</a:t>
+            </a:r>
+          </a:p>
+          <a:p>
+            <a:pPr lvl="1"/>
+            <a:r>
+              <a:rPr lang="en-US" dirty="0">
+                <a:latin typeface="Courier New" panose="02070309020205020404" pitchFamily="49" charset="0"/>
+                <a:cs typeface="Courier New" panose="02070309020205020404" pitchFamily="49" charset="0"/>
+              </a:rPr>
+              <a:t>t3</a:t>
+            </a:r>
+            <a:r>
+              <a:rPr lang="en-US" dirty="0">
+                <a:latin typeface="Univers" panose="020B0503020202020204" pitchFamily="34" charset="0"/>
+              </a:rPr>
+              <a:t> receive time of packet from stream host</a:t>
+            </a:r>
+          </a:p>
+          <a:p>
+            <a:pPr lvl="1"/>
+            <a:r>
+              <a:rPr lang="en-US" dirty="0">
+                <a:latin typeface="Courier New" panose="02070309020205020404" pitchFamily="49" charset="0"/>
+                <a:cs typeface="Courier New" panose="02070309020205020404" pitchFamily="49" charset="0"/>
+              </a:rPr>
+              <a:t>RTT = (t3-t0) - (t2-t1)</a:t>
+            </a:r>
+          </a:p>
+          <a:p>
+            <a:pPr lvl="1"/>
+            <a:r>
+              <a:rPr lang="en-US" dirty="0">
+                <a:latin typeface="Courier New" panose="02070309020205020404" pitchFamily="49" charset="0"/>
+                <a:cs typeface="Courier New" panose="02070309020205020404" pitchFamily="49" charset="0"/>
+              </a:rPr>
+              <a:t>OFS = ((t1-t0) + (t2-t3))/2 </a:t>
+            </a:r>
+            <a:r>
+              <a:rPr lang="en-US" dirty="0">
+                <a:latin typeface="Univers" panose="020B0503020202020204" pitchFamily="34" charset="0"/>
+                <a:cs typeface="Courier New" panose="02070309020205020404" pitchFamily="49" charset="0"/>
+              </a:rPr>
+              <a:t>for lowest </a:t>
+            </a:r>
+            <a:r>
+              <a:rPr lang="en-US" dirty="0">
+                <a:latin typeface="Courier New" panose="02070309020205020404" pitchFamily="49" charset="0"/>
+                <a:cs typeface="Courier New" panose="02070309020205020404" pitchFamily="49" charset="0"/>
+              </a:rPr>
+              <a:t>RTT</a:t>
+            </a:r>
+          </a:p>
+          <a:p>
+            <a:pPr lvl="1"/>
+            <a:endParaRPr lang="en-US" dirty="0">
+              <a:latin typeface="Univers" panose="020B0503020202020204" pitchFamily="34" charset="0"/>
+            </a:endParaRPr>
+          </a:p>
+        </p:txBody>
+      </p:sp>
+      <p:pic>
+        <p:nvPicPr>
+          <p:cNvPr id="5" name="Picture 4" descr="A picture containing text, sign, outdoor, close&#10;&#10;Description automatically generated">
+            <a:extLst>
+              <a:ext uri="{FF2B5EF4-FFF2-40B4-BE49-F238E27FC236}">
+                <a16:creationId xmlns:a16="http://schemas.microsoft.com/office/drawing/2014/main" id="{47842863-62C2-468D-BC9B-637CD0603B00}"/>
+              </a:ext>
+            </a:extLst>
+          </p:cNvPr>
+          <p:cNvPicPr>
+            <a:picLocks noChangeAspect="1"/>
+          </p:cNvPicPr>
+          <p:nvPr/>
+        </p:nvPicPr>
+        <p:blipFill>
+          <a:blip r:embed="rId3">
+            <a:extLst>
+              <a:ext uri="{28A0092B-C50C-407E-A947-70E740481C1C}">
+                <a14:useLocalDpi xmlns:a14="http://schemas.microsoft.com/office/drawing/2010/main" val="0"/>
+              </a:ext>
+            </a:extLst>
+          </a:blip>
+          <a:stretch>
+            <a:fillRect/>
+          </a:stretch>
+        </p:blipFill>
+        <p:spPr>
+          <a:xfrm>
+            <a:off x="9909810" y="365125"/>
+            <a:ext cx="1443990" cy="1325563"/>
+          </a:xfrm>
+          <a:prstGeom prst="rect">
+            <a:avLst/>
+          </a:prstGeom>
+        </p:spPr>
+      </p:pic>
+      <p:pic>
+        <p:nvPicPr>
+          <p:cNvPr id="6" name="Picture 5" descr="Diagram&#10;&#10;Description automatically generated">
+            <a:extLst>
+              <a:ext uri="{FF2B5EF4-FFF2-40B4-BE49-F238E27FC236}">
+                <a16:creationId xmlns:a16="http://schemas.microsoft.com/office/drawing/2014/main" id="{7BF99036-DB89-4CAE-9E94-855351063976}"/>
+              </a:ext>
+            </a:extLst>
+          </p:cNvPr>
+          <p:cNvPicPr>
+            <a:picLocks noChangeAspect="1"/>
+          </p:cNvPicPr>
+          <p:nvPr/>
+        </p:nvPicPr>
+        <p:blipFill>
+          <a:blip r:embed="rId4">
+            <a:extLst>
+              <a:ext uri="{28A0092B-C50C-407E-A947-70E740481C1C}">
+                <a14:useLocalDpi xmlns:a14="http://schemas.microsoft.com/office/drawing/2010/main" val="0"/>
+              </a:ext>
+            </a:extLst>
+          </a:blip>
+          <a:stretch>
+            <a:fillRect/>
+          </a:stretch>
+        </p:blipFill>
+        <p:spPr>
+          <a:xfrm>
+            <a:off x="244389" y="2799586"/>
+            <a:ext cx="3087630" cy="1258827"/>
+          </a:xfrm>
+          <a:prstGeom prst="rect">
+            <a:avLst/>
+          </a:prstGeom>
+        </p:spPr>
+      </p:pic>
+    </p:spTree>
+    <p:extLst>
+      <p:ext uri="{BB962C8B-B14F-4D97-AF65-F5344CB8AC3E}">
+        <p14:creationId xmlns:p14="http://schemas.microsoft.com/office/powerpoint/2010/main" val="1847503698"/>
+      </p:ext>
+    </p:extLst>
+  </p:cSld>
+  <p:clrMapOvr>
+    <a:masterClrMapping/>
+  </p:clrMapOvr>
+</p:sld>
+</file>
+
+<file path=ppt/slides/slide16.xml><?xml version="1.0" encoding="utf-8"?>
+<p:sld xmlns:a="http://schemas.openxmlformats.org/drawingml/2006/main" xmlns:r="http://schemas.openxmlformats.org/officeDocument/2006/relationships" xmlns:p="http://schemas.openxmlformats.org/presentationml/2006/main">
+  <p:cSld>
+    <p:spTree>
+      <p:nvGrpSpPr>
+        <p:cNvPr id="1" name=""/>
+        <p:cNvGrpSpPr/>
+        <p:nvPr/>
+      </p:nvGrpSpPr>
+      <p:grpSpPr>
+        <a:xfrm>
+          <a:off x="0" y="0"/>
+          <a:ext cx="0" cy="0"/>
+          <a:chOff x="0" y="0"/>
+          <a:chExt cx="0" cy="0"/>
+        </a:xfrm>
+      </p:grpSpPr>
+      <p:sp>
+        <p:nvSpPr>
+          <p:cNvPr id="2" name="Title 1">
+            <a:extLst>
+              <a:ext uri="{FF2B5EF4-FFF2-40B4-BE49-F238E27FC236}">
+                <a16:creationId xmlns:a16="http://schemas.microsoft.com/office/drawing/2014/main" id="{B67D80A9-3352-49BD-8B13-67E5655619A8}"/>
+              </a:ext>
+            </a:extLst>
+          </p:cNvPr>
+          <p:cNvSpPr>
+            <a:spLocks noGrp="1"/>
+          </p:cNvSpPr>
+          <p:nvPr>
+            <p:ph type="title"/>
+          </p:nvPr>
+        </p:nvSpPr>
+        <p:spPr>
+          <a:xfrm>
+            <a:off x="838200" y="365125"/>
+            <a:ext cx="8957310" cy="1325563"/>
+          </a:xfrm>
+        </p:spPr>
+        <p:txBody>
+          <a:bodyPr/>
+          <a:lstStyle/>
+          <a:p>
+            <a:r>
+              <a:rPr lang="en-US" dirty="0"/>
+              <a:t>LSL Synchronization Overview</a:t>
+            </a:r>
+            <a:endParaRPr lang="en-DE" dirty="0"/>
+          </a:p>
+        </p:txBody>
+      </p:sp>
+      <p:sp>
+        <p:nvSpPr>
+          <p:cNvPr id="3" name="Content Placeholder 2">
+            <a:extLst>
+              <a:ext uri="{FF2B5EF4-FFF2-40B4-BE49-F238E27FC236}">
+                <a16:creationId xmlns:a16="http://schemas.microsoft.com/office/drawing/2014/main" id="{117AA472-BE32-4274-AC6A-90CA53C6C9DD}"/>
+              </a:ext>
+            </a:extLst>
+          </p:cNvPr>
+          <p:cNvSpPr>
+            <a:spLocks noGrp="1"/>
+          </p:cNvSpPr>
+          <p:nvPr>
+            <p:ph idx="1"/>
+          </p:nvPr>
+        </p:nvSpPr>
+        <p:spPr>
+          <a:xfrm>
             <a:off x="838200" y="1905835"/>
             <a:ext cx="10922137" cy="4351338"/>
           </a:xfrm>
@@ -5458,7 +5680,7 @@
 </p:sld>
 </file>
 
-<file path=ppt/slides/slide16.xml><?xml version="1.0" encoding="utf-8"?>
+<file path=ppt/slides/slide17.xml><?xml version="1.0" encoding="utf-8"?>
 <p:sld xmlns:a="http://schemas.openxmlformats.org/drawingml/2006/main" xmlns:r="http://schemas.openxmlformats.org/officeDocument/2006/relationships" xmlns:p="http://schemas.openxmlformats.org/presentationml/2006/main">
   <p:cSld>
     <p:spTree>
@@ -5908,7 +6130,7 @@
 </p:sld>
 </file>
 
-<file path=ppt/slides/slide17.xml><?xml version="1.0" encoding="utf-8"?>
+<file path=ppt/slides/slide18.xml><?xml version="1.0" encoding="utf-8"?>
 <p:sld xmlns:a="http://schemas.openxmlformats.org/drawingml/2006/main" xmlns:r="http://schemas.openxmlformats.org/officeDocument/2006/relationships" xmlns:p="http://schemas.openxmlformats.org/presentationml/2006/main">
   <p:cSld>
     <p:spTree>
@@ -6468,113 +6690,6 @@
 </p:sld>
 </file>
 
-<file path=ppt/slides/slide18.xml><?xml version="1.0" encoding="utf-8"?>
-<p:sld xmlns:a="http://schemas.openxmlformats.org/drawingml/2006/main" xmlns:r="http://schemas.openxmlformats.org/officeDocument/2006/relationships" xmlns:p="http://schemas.openxmlformats.org/presentationml/2006/main">
-  <p:cSld>
-    <p:spTree>
-      <p:nvGrpSpPr>
-        <p:cNvPr id="1" name=""/>
-        <p:cNvGrpSpPr/>
-        <p:nvPr/>
-      </p:nvGrpSpPr>
-      <p:grpSpPr>
-        <a:xfrm>
-          <a:off x="0" y="0"/>
-          <a:ext cx="0" cy="0"/>
-          <a:chOff x="0" y="0"/>
-          <a:chExt cx="0" cy="0"/>
-        </a:xfrm>
-      </p:grpSpPr>
-      <p:sp>
-        <p:nvSpPr>
-          <p:cNvPr id="4" name="TextBox 3">
-            <a:extLst>
-              <a:ext uri="{FF2B5EF4-FFF2-40B4-BE49-F238E27FC236}">
-                <a16:creationId xmlns:a16="http://schemas.microsoft.com/office/drawing/2014/main" id="{484BAC70-94B9-41FC-BE47-84025A671DD7}"/>
-              </a:ext>
-            </a:extLst>
-          </p:cNvPr>
-          <p:cNvSpPr txBox="1"/>
-          <p:nvPr/>
-        </p:nvSpPr>
-        <p:spPr>
-          <a:xfrm>
-            <a:off x="1101089" y="2413337"/>
-            <a:ext cx="9989820" cy="1015663"/>
-          </a:xfrm>
-          <a:prstGeom prst="rect">
-            <a:avLst/>
-          </a:prstGeom>
-          <a:noFill/>
-        </p:spPr>
-        <p:txBody>
-          <a:bodyPr wrap="square" rtlCol="0">
-            <a:spAutoFit/>
-          </a:bodyPr>
-          <a:lstStyle/>
-          <a:p>
-            <a:pPr algn="ctr"/>
-            <a:r>
-              <a:rPr lang="en-US" sz="6000" dirty="0">
-                <a:latin typeface="Univers" panose="020B0503020202020204" pitchFamily="34" charset="0"/>
-              </a:rPr>
-              <a:t>What Can Go Wrong?</a:t>
-            </a:r>
-            <a:endParaRPr lang="en-DE" sz="6000" dirty="0">
-              <a:latin typeface="Univers" panose="020B0503020202020204" pitchFamily="34" charset="0"/>
-            </a:endParaRPr>
-          </a:p>
-        </p:txBody>
-      </p:sp>
-      <p:pic>
-        <p:nvPicPr>
-          <p:cNvPr id="14" name="Picture 13" descr="Logo&#10;&#10;Description automatically generated">
-            <a:extLst>
-              <a:ext uri="{FF2B5EF4-FFF2-40B4-BE49-F238E27FC236}">
-                <a16:creationId xmlns:a16="http://schemas.microsoft.com/office/drawing/2014/main" id="{29BF7DF9-AE0A-4485-A1FE-AF17ADC1784F}"/>
-              </a:ext>
-            </a:extLst>
-          </p:cNvPr>
-          <p:cNvPicPr>
-            <a:picLocks noChangeAspect="1"/>
-          </p:cNvPicPr>
-          <p:nvPr/>
-        </p:nvPicPr>
-        <p:blipFill>
-          <a:blip r:embed="rId2">
-            <a:extLst>
-              <a:ext uri="{28A0092B-C50C-407E-A947-70E740481C1C}">
-                <a14:useLocalDpi xmlns:a14="http://schemas.microsoft.com/office/drawing/2010/main" val="0"/>
-              </a:ext>
-            </a:extLst>
-          </a:blip>
-          <a:stretch>
-            <a:fillRect/>
-          </a:stretch>
-        </p:blipFill>
-        <p:spPr>
-          <a:xfrm>
-            <a:off x="396079" y="5331315"/>
-            <a:ext cx="1410021" cy="1270289"/>
-          </a:xfrm>
-          <a:prstGeom prst="rect">
-            <a:avLst/>
-          </a:prstGeom>
-        </p:spPr>
-      </p:pic>
-    </p:spTree>
-    <p:extLst>
-      <p:ext uri="{BB962C8B-B14F-4D97-AF65-F5344CB8AC3E}">
-        <p14:creationId xmlns:p14="http://schemas.microsoft.com/office/powerpoint/2010/main" val="3036979245"/>
-      </p:ext>
-    </p:extLst>
-  </p:cSld>
-  <p:clrMapOvr>
-    <a:masterClrMapping/>
-  </p:clrMapOvr>
-</p:sld>
-</file>
-
 <file path=ppt/slides/slide19.xml><?xml version="1.0" encoding="utf-8"?>
 <p:sld xmlns:a="http://schemas.openxmlformats.org/drawingml/2006/main" xmlns:r="http://schemas.openxmlformats.org/officeDocument/2006/relationships" xmlns:p="http://schemas.openxmlformats.org/presentationml/2006/main">
   <p:cSld>
@@ -6594,128 +6709,40 @@
       </p:grpSpPr>
       <p:sp>
         <p:nvSpPr>
-          <p:cNvPr id="2" name="Title 1">
-            <a:extLst>
-              <a:ext uri="{FF2B5EF4-FFF2-40B4-BE49-F238E27FC236}">
-                <a16:creationId xmlns:a16="http://schemas.microsoft.com/office/drawing/2014/main" id="{B67D80A9-3352-49BD-8B13-67E5655619A8}"/>
-              </a:ext>
-            </a:extLst>
-          </p:cNvPr>
-          <p:cNvSpPr>
-            <a:spLocks noGrp="1"/>
-          </p:cNvSpPr>
-          <p:nvPr>
-            <p:ph type="title"/>
-          </p:nvPr>
-        </p:nvSpPr>
-        <p:spPr>
-          <a:xfrm>
-            <a:off x="838200" y="365125"/>
-            <a:ext cx="8957310" cy="1325563"/>
-          </a:xfrm>
-        </p:spPr>
-        <p:txBody>
-          <a:bodyPr/>
-          <a:lstStyle/>
-          <a:p>
-            <a:r>
-              <a:rPr lang="en-US" dirty="0"/>
-              <a:t>What Can Go Wrong </a:t>
-            </a:r>
-            <a:endParaRPr lang="en-DE" dirty="0"/>
-          </a:p>
-        </p:txBody>
-      </p:sp>
-      <p:sp>
-        <p:nvSpPr>
-          <p:cNvPr id="3" name="Content Placeholder 2">
-            <a:extLst>
-              <a:ext uri="{FF2B5EF4-FFF2-40B4-BE49-F238E27FC236}">
-                <a16:creationId xmlns:a16="http://schemas.microsoft.com/office/drawing/2014/main" id="{117AA472-BE32-4274-AC6A-90CA53C6C9DD}"/>
-              </a:ext>
-            </a:extLst>
-          </p:cNvPr>
-          <p:cNvSpPr>
-            <a:spLocks noGrp="1"/>
-          </p:cNvSpPr>
-          <p:nvPr>
-            <p:ph idx="1"/>
-          </p:nvPr>
-        </p:nvSpPr>
-        <p:spPr/>
-        <p:txBody>
-          <a:bodyPr>
-            <a:normAutofit/>
+          <p:cNvPr id="4" name="TextBox 3">
+            <a:extLst>
+              <a:ext uri="{FF2B5EF4-FFF2-40B4-BE49-F238E27FC236}">
+                <a16:creationId xmlns:a16="http://schemas.microsoft.com/office/drawing/2014/main" id="{484BAC70-94B9-41FC-BE47-84025A671DD7}"/>
+              </a:ext>
+            </a:extLst>
+          </p:cNvPr>
+          <p:cNvSpPr txBox="1"/>
+          <p:nvPr/>
+        </p:nvSpPr>
+        <p:spPr>
+          <a:xfrm>
+            <a:off x="1101089" y="2413337"/>
+            <a:ext cx="9989820" cy="1015663"/>
+          </a:xfrm>
+          <a:prstGeom prst="rect">
+            <a:avLst/>
+          </a:prstGeom>
+          <a:noFill/>
+        </p:spPr>
+        <p:txBody>
+          <a:bodyPr wrap="square" rtlCol="0">
+            <a:spAutoFit/>
           </a:bodyPr>
           <a:lstStyle/>
           <a:p>
-            <a:r>
-              <a:rPr lang="en-US" dirty="0">
-                <a:latin typeface="Univers" panose="020B0503020202020204" pitchFamily="34" charset="0"/>
-              </a:rPr>
-              <a:t>A changing sampling rate (or data that drops some, but not many samples) will cause the </a:t>
-            </a:r>
-            <a:r>
-              <a:rPr lang="en-US" dirty="0" err="1">
-                <a:latin typeface="Univers" panose="020B0503020202020204" pitchFamily="34" charset="0"/>
-              </a:rPr>
-              <a:t>dejittering</a:t>
-            </a:r>
-            <a:r>
-              <a:rPr lang="en-US" dirty="0">
-                <a:latin typeface="Univers" panose="020B0503020202020204" pitchFamily="34" charset="0"/>
-              </a:rPr>
-              <a:t> algorithm to produce terrible results.</a:t>
-            </a:r>
-          </a:p>
-          <a:p>
-            <a:r>
-              <a:rPr lang="en-US" dirty="0">
-                <a:latin typeface="Univers" panose="020B0503020202020204" pitchFamily="34" charset="0"/>
-              </a:rPr>
-              <a:t>If there are problems with calls to </a:t>
-            </a:r>
-            <a:r>
-              <a:rPr lang="en-US" dirty="0" err="1">
-                <a:latin typeface="Courier New" panose="02070309020205020404" pitchFamily="49" charset="0"/>
-                <a:cs typeface="Courier New" panose="02070309020205020404" pitchFamily="49" charset="0"/>
-              </a:rPr>
-              <a:t>time_correction</a:t>
-            </a:r>
-            <a:r>
-              <a:rPr lang="en-US" dirty="0">
-                <a:latin typeface="Courier New" panose="02070309020205020404" pitchFamily="49" charset="0"/>
-                <a:cs typeface="Courier New" panose="02070309020205020404" pitchFamily="49" charset="0"/>
-              </a:rPr>
-              <a:t>()</a:t>
-            </a:r>
-            <a:r>
-              <a:rPr lang="en-US" dirty="0">
-                <a:latin typeface="Univers" panose="020B0503020202020204" pitchFamily="34" charset="0"/>
-              </a:rPr>
-              <a:t>, the algorithm that corrects clock offsets will produce terrible results.</a:t>
-            </a:r>
-          </a:p>
-          <a:p>
-            <a:r>
-              <a:rPr lang="en-US" dirty="0">
-                <a:latin typeface="Univers" panose="020B0503020202020204" pitchFamily="34" charset="0"/>
-              </a:rPr>
-              <a:t>If everything is working properly, your data will </a:t>
-            </a:r>
-            <a:r>
-              <a:rPr lang="en-US" i="1" dirty="0">
-                <a:latin typeface="Univers" panose="020B0503020202020204" pitchFamily="34" charset="0"/>
-              </a:rPr>
-              <a:t>not </a:t>
-            </a:r>
-            <a:r>
-              <a:rPr lang="en-US" dirty="0">
-                <a:latin typeface="Univers" panose="020B0503020202020204" pitchFamily="34" charset="0"/>
-              </a:rPr>
-              <a:t> have these problems. Always pilot before doing a study---hearts have been broken by these two issues.</a:t>
-            </a:r>
-            <a:endParaRPr lang="en-DE" dirty="0">
+            <a:pPr algn="ctr"/>
+            <a:r>
+              <a:rPr lang="en-US" sz="6000" dirty="0">
+                <a:latin typeface="Univers" panose="020B0503020202020204" pitchFamily="34" charset="0"/>
+              </a:rPr>
+              <a:t>What Can Go Wrong?</a:t>
+            </a:r>
+            <a:endParaRPr lang="en-DE" sz="6000" dirty="0">
               <a:latin typeface="Univers" panose="020B0503020202020204" pitchFamily="34" charset="0"/>
             </a:endParaRPr>
           </a:p>
@@ -6723,10 +6750,10 @@
       </p:sp>
       <p:pic>
         <p:nvPicPr>
-          <p:cNvPr id="5" name="Picture 4" descr="A picture containing text, sign, outdoor, close&#10;&#10;Description automatically generated">
-            <a:extLst>
-              <a:ext uri="{FF2B5EF4-FFF2-40B4-BE49-F238E27FC236}">
-                <a16:creationId xmlns:a16="http://schemas.microsoft.com/office/drawing/2014/main" id="{47842863-62C2-468D-BC9B-637CD0603B00}"/>
+          <p:cNvPr id="14" name="Picture 13" descr="Logo&#10;&#10;Description automatically generated">
+            <a:extLst>
+              <a:ext uri="{FF2B5EF4-FFF2-40B4-BE49-F238E27FC236}">
+                <a16:creationId xmlns:a16="http://schemas.microsoft.com/office/drawing/2014/main" id="{29BF7DF9-AE0A-4485-A1FE-AF17ADC1784F}"/>
               </a:ext>
             </a:extLst>
           </p:cNvPr>
@@ -6749,8 +6776,8 @@
         </p:blipFill>
         <p:spPr>
           <a:xfrm>
-            <a:off x="9909810" y="365125"/>
-            <a:ext cx="1443990" cy="1325563"/>
+            <a:off x="396079" y="5331315"/>
+            <a:ext cx="1410021" cy="1270289"/>
           </a:xfrm>
           <a:prstGeom prst="rect">
             <a:avLst/>
@@ -6760,7 +6787,7 @@
     </p:spTree>
     <p:extLst>
       <p:ext uri="{BB962C8B-B14F-4D97-AF65-F5344CB8AC3E}">
-        <p14:creationId xmlns:p14="http://schemas.microsoft.com/office/powerpoint/2010/main" val="1440728713"/>
+        <p14:creationId xmlns:p14="http://schemas.microsoft.com/office/powerpoint/2010/main" val="3036979245"/>
       </p:ext>
     </p:extLst>
   </p:cSld>
@@ -6789,40 +6816,99 @@
       </p:grpSpPr>
       <p:sp>
         <p:nvSpPr>
-          <p:cNvPr id="4" name="TextBox 3">
-            <a:extLst>
-              <a:ext uri="{FF2B5EF4-FFF2-40B4-BE49-F238E27FC236}">
-                <a16:creationId xmlns:a16="http://schemas.microsoft.com/office/drawing/2014/main" id="{484BAC70-94B9-41FC-BE47-84025A671DD7}"/>
-              </a:ext>
-            </a:extLst>
-          </p:cNvPr>
-          <p:cNvSpPr txBox="1"/>
-          <p:nvPr/>
-        </p:nvSpPr>
-        <p:spPr>
-          <a:xfrm>
-            <a:off x="1101089" y="2413337"/>
-            <a:ext cx="9989820" cy="1938992"/>
-          </a:xfrm>
-          <a:prstGeom prst="rect">
-            <a:avLst/>
-          </a:prstGeom>
-          <a:noFill/>
-        </p:spPr>
-        <p:txBody>
-          <a:bodyPr wrap="square" rtlCol="0">
-            <a:spAutoFit/>
+          <p:cNvPr id="2" name="Title 1">
+            <a:extLst>
+              <a:ext uri="{FF2B5EF4-FFF2-40B4-BE49-F238E27FC236}">
+                <a16:creationId xmlns:a16="http://schemas.microsoft.com/office/drawing/2014/main" id="{B67D80A9-3352-49BD-8B13-67E5655619A8}"/>
+              </a:ext>
+            </a:extLst>
+          </p:cNvPr>
+          <p:cNvSpPr>
+            <a:spLocks noGrp="1"/>
+          </p:cNvSpPr>
+          <p:nvPr>
+            <p:ph type="title"/>
+          </p:nvPr>
+        </p:nvSpPr>
+        <p:spPr>
+          <a:xfrm>
+            <a:off x="838200" y="365125"/>
+            <a:ext cx="8957310" cy="1325563"/>
+          </a:xfrm>
+        </p:spPr>
+        <p:txBody>
+          <a:bodyPr/>
+          <a:lstStyle/>
+          <a:p>
+            <a:r>
+              <a:rPr lang="en-US" dirty="0">
+                <a:latin typeface="Univers" panose="020B0503020202020204" pitchFamily="34" charset="0"/>
+              </a:rPr>
+              <a:t>Preamble</a:t>
+            </a:r>
+            <a:endParaRPr lang="en-DE" dirty="0">
+              <a:latin typeface="Univers" panose="020B0503020202020204" pitchFamily="34" charset="0"/>
+            </a:endParaRPr>
+          </a:p>
+        </p:txBody>
+      </p:sp>
+      <p:sp>
+        <p:nvSpPr>
+          <p:cNvPr id="3" name="Content Placeholder 2">
+            <a:extLst>
+              <a:ext uri="{FF2B5EF4-FFF2-40B4-BE49-F238E27FC236}">
+                <a16:creationId xmlns:a16="http://schemas.microsoft.com/office/drawing/2014/main" id="{117AA472-BE32-4274-AC6A-90CA53C6C9DD}"/>
+              </a:ext>
+            </a:extLst>
+          </p:cNvPr>
+          <p:cNvSpPr>
+            <a:spLocks noGrp="1"/>
+          </p:cNvSpPr>
+          <p:nvPr>
+            <p:ph idx="1"/>
+          </p:nvPr>
+        </p:nvSpPr>
+        <p:spPr/>
+        <p:txBody>
+          <a:bodyPr>
+            <a:normAutofit/>
           </a:bodyPr>
           <a:lstStyle/>
           <a:p>
-            <a:pPr algn="ctr"/>
-            <a:r>
-              <a:rPr lang="en-US" sz="6000" dirty="0">
-                <a:latin typeface="Univers" panose="020B0503020202020204" pitchFamily="34" charset="0"/>
-              </a:rPr>
-              <a:t>Approaches to Digital Data Synchronization</a:t>
-            </a:r>
-            <a:endParaRPr lang="en-DE" sz="6000" dirty="0">
+            <a:pPr marL="0" indent="0">
+              <a:buNone/>
+            </a:pPr>
+            <a:r>
+              <a:rPr lang="en-US" dirty="0">
+                <a:latin typeface="Univers" panose="020B0503020202020204" pitchFamily="34" charset="0"/>
+              </a:rPr>
+              <a:t>All materials presented are available for download on </a:t>
+            </a:r>
+            <a:r>
+              <a:rPr lang="en-US" dirty="0" err="1">
+                <a:latin typeface="Univers" panose="020B0503020202020204" pitchFamily="34" charset="0"/>
+              </a:rPr>
+              <a:t>github</a:t>
+            </a:r>
+            <a:r>
+              <a:rPr lang="en-US" dirty="0">
+                <a:latin typeface="Univers" panose="020B0503020202020204" pitchFamily="34" charset="0"/>
+              </a:rPr>
+              <a:t>:</a:t>
+            </a:r>
+          </a:p>
+          <a:p>
+            <a:pPr marL="0" indent="0">
+              <a:buNone/>
+            </a:pPr>
+            <a:r>
+              <a:rPr lang="en-US" dirty="0">
+                <a:latin typeface="Univers" panose="020B0503020202020204" pitchFamily="34" charset="0"/>
+                <a:hlinkClick r:id="rId2"/>
+              </a:rPr>
+              <a:t>https://github.com/Diademics-Pty-Ltd/BrainProducts_BCI_Event</a:t>
+            </a:r>
+            <a:endParaRPr lang="en-US" dirty="0">
               <a:latin typeface="Univers" panose="020B0503020202020204" pitchFamily="34" charset="0"/>
             </a:endParaRPr>
           </a:p>
@@ -6830,10 +6916,10 @@
       </p:sp>
       <p:pic>
         <p:nvPicPr>
-          <p:cNvPr id="14" name="Picture 13" descr="Logo&#10;&#10;Description automatically generated">
-            <a:extLst>
-              <a:ext uri="{FF2B5EF4-FFF2-40B4-BE49-F238E27FC236}">
-                <a16:creationId xmlns:a16="http://schemas.microsoft.com/office/drawing/2014/main" id="{29BF7DF9-AE0A-4485-A1FE-AF17ADC1784F}"/>
+          <p:cNvPr id="5" name="Picture 4" descr="A picture containing text, sign, outdoor, close&#10;&#10;Description automatically generated">
+            <a:extLst>
+              <a:ext uri="{FF2B5EF4-FFF2-40B4-BE49-F238E27FC236}">
+                <a16:creationId xmlns:a16="http://schemas.microsoft.com/office/drawing/2014/main" id="{47842863-62C2-468D-BC9B-637CD0603B00}"/>
               </a:ext>
             </a:extLst>
           </p:cNvPr>
@@ -6843,7 +6929,7 @@
           <p:nvPr/>
         </p:nvPicPr>
         <p:blipFill>
-          <a:blip r:embed="rId2">
+          <a:blip r:embed="rId3">
             <a:extLst>
               <a:ext uri="{28A0092B-C50C-407E-A947-70E740481C1C}">
                 <a14:useLocalDpi xmlns:a14="http://schemas.microsoft.com/office/drawing/2010/main" val="0"/>
@@ -6856,8 +6942,8 @@
         </p:blipFill>
         <p:spPr>
           <a:xfrm>
-            <a:off x="396079" y="5331315"/>
-            <a:ext cx="1410021" cy="1270289"/>
+            <a:off x="9909810" y="365125"/>
+            <a:ext cx="1443990" cy="1325563"/>
           </a:xfrm>
           <a:prstGeom prst="rect">
             <a:avLst/>
@@ -6867,7 +6953,7 @@
     </p:spTree>
     <p:extLst>
       <p:ext uri="{BB962C8B-B14F-4D97-AF65-F5344CB8AC3E}">
-        <p14:creationId xmlns:p14="http://schemas.microsoft.com/office/powerpoint/2010/main" val="2230324488"/>
+        <p14:creationId xmlns:p14="http://schemas.microsoft.com/office/powerpoint/2010/main" val="3683351432"/>
       </p:ext>
     </p:extLst>
   </p:cSld>
@@ -6894,12 +6980,141 @@
           <a:chExt cx="0" cy="0"/>
         </a:xfrm>
       </p:grpSpPr>
+      <p:sp>
+        <p:nvSpPr>
+          <p:cNvPr id="2" name="Title 1">
+            <a:extLst>
+              <a:ext uri="{FF2B5EF4-FFF2-40B4-BE49-F238E27FC236}">
+                <a16:creationId xmlns:a16="http://schemas.microsoft.com/office/drawing/2014/main" id="{B67D80A9-3352-49BD-8B13-67E5655619A8}"/>
+              </a:ext>
+            </a:extLst>
+          </p:cNvPr>
+          <p:cNvSpPr>
+            <a:spLocks noGrp="1"/>
+          </p:cNvSpPr>
+          <p:nvPr>
+            <p:ph type="title"/>
+          </p:nvPr>
+        </p:nvSpPr>
+        <p:spPr>
+          <a:xfrm>
+            <a:off x="838200" y="365125"/>
+            <a:ext cx="8957310" cy="1325563"/>
+          </a:xfrm>
+        </p:spPr>
+        <p:txBody>
+          <a:bodyPr/>
+          <a:lstStyle/>
+          <a:p>
+            <a:r>
+              <a:rPr lang="en-US" dirty="0"/>
+              <a:t>What Can Go Wrong </a:t>
+            </a:r>
+            <a:endParaRPr lang="en-DE" dirty="0"/>
+          </a:p>
+        </p:txBody>
+      </p:sp>
+      <p:sp>
+        <p:nvSpPr>
+          <p:cNvPr id="3" name="Content Placeholder 2">
+            <a:extLst>
+              <a:ext uri="{FF2B5EF4-FFF2-40B4-BE49-F238E27FC236}">
+                <a16:creationId xmlns:a16="http://schemas.microsoft.com/office/drawing/2014/main" id="{117AA472-BE32-4274-AC6A-90CA53C6C9DD}"/>
+              </a:ext>
+            </a:extLst>
+          </p:cNvPr>
+          <p:cNvSpPr>
+            <a:spLocks noGrp="1"/>
+          </p:cNvSpPr>
+          <p:nvPr>
+            <p:ph idx="1"/>
+          </p:nvPr>
+        </p:nvSpPr>
+        <p:spPr/>
+        <p:txBody>
+          <a:bodyPr>
+            <a:normAutofit/>
+          </a:bodyPr>
+          <a:lstStyle/>
+          <a:p>
+            <a:r>
+              <a:rPr lang="en-US" dirty="0">
+                <a:latin typeface="Univers" panose="020B0503020202020204" pitchFamily="34" charset="0"/>
+              </a:rPr>
+              <a:t>A changing sampling rate (or data that drops some, but not many samples) will cause the </a:t>
+            </a:r>
+            <a:r>
+              <a:rPr lang="en-US" dirty="0" err="1">
+                <a:latin typeface="Univers" panose="020B0503020202020204" pitchFamily="34" charset="0"/>
+              </a:rPr>
+              <a:t>dejittering</a:t>
+            </a:r>
+            <a:r>
+              <a:rPr lang="en-US" dirty="0">
+                <a:latin typeface="Univers" panose="020B0503020202020204" pitchFamily="34" charset="0"/>
+              </a:rPr>
+              <a:t> algorithm to produce terrible results.</a:t>
+            </a:r>
+          </a:p>
+          <a:p>
+            <a:r>
+              <a:rPr lang="en-US" dirty="0">
+                <a:latin typeface="Univers" panose="020B0503020202020204" pitchFamily="34" charset="0"/>
+              </a:rPr>
+              <a:t>If there are problems with calls to </a:t>
+            </a:r>
+            <a:r>
+              <a:rPr lang="en-US" dirty="0" err="1">
+                <a:latin typeface="Courier New" panose="02070309020205020404" pitchFamily="49" charset="0"/>
+                <a:cs typeface="Courier New" panose="02070309020205020404" pitchFamily="49" charset="0"/>
+              </a:rPr>
+              <a:t>time_correction</a:t>
+            </a:r>
+            <a:r>
+              <a:rPr lang="en-US" dirty="0">
+                <a:latin typeface="Courier New" panose="02070309020205020404" pitchFamily="49" charset="0"/>
+                <a:cs typeface="Courier New" panose="02070309020205020404" pitchFamily="49" charset="0"/>
+              </a:rPr>
+              <a:t>()</a:t>
+            </a:r>
+            <a:r>
+              <a:rPr lang="en-US" dirty="0">
+                <a:latin typeface="Univers" panose="020B0503020202020204" pitchFamily="34" charset="0"/>
+              </a:rPr>
+              <a:t>, the algorithm that corrects clock offsets will produce terrible results.</a:t>
+            </a:r>
+          </a:p>
+          <a:p>
+            <a:r>
+              <a:rPr lang="en-US" dirty="0">
+                <a:latin typeface="Univers" panose="020B0503020202020204" pitchFamily="34" charset="0"/>
+              </a:rPr>
+              <a:t>If everything is working properly, your data will </a:t>
+            </a:r>
+            <a:r>
+              <a:rPr lang="en-US" i="1" dirty="0">
+                <a:latin typeface="Univers" panose="020B0503020202020204" pitchFamily="34" charset="0"/>
+              </a:rPr>
+              <a:t>not </a:t>
+            </a:r>
+            <a:r>
+              <a:rPr lang="en-US" dirty="0">
+                <a:latin typeface="Univers" panose="020B0503020202020204" pitchFamily="34" charset="0"/>
+              </a:rPr>
+              <a:t> have these problems. Always pilot before doing a study---hearts have been broken by these two issues.</a:t>
+            </a:r>
+            <a:endParaRPr lang="en-DE" dirty="0">
+              <a:latin typeface="Univers" panose="020B0503020202020204" pitchFamily="34" charset="0"/>
+            </a:endParaRPr>
+          </a:p>
+        </p:txBody>
+      </p:sp>
       <p:pic>
         <p:nvPicPr>
-          <p:cNvPr id="5" name="Picture 4" descr="Chart&#10;&#10;Description automatically generated">
-            <a:extLst>
-              <a:ext uri="{FF2B5EF4-FFF2-40B4-BE49-F238E27FC236}">
-                <a16:creationId xmlns:a16="http://schemas.microsoft.com/office/drawing/2014/main" id="{FF8137AA-7251-414E-ABE8-DBA1DA12926A}"/>
+          <p:cNvPr id="5" name="Picture 4" descr="A picture containing text, sign, outdoor, close&#10;&#10;Description automatically generated">
+            <a:extLst>
+              <a:ext uri="{FF2B5EF4-FFF2-40B4-BE49-F238E27FC236}">
+                <a16:creationId xmlns:a16="http://schemas.microsoft.com/office/drawing/2014/main" id="{47842863-62C2-468D-BC9B-637CD0603B00}"/>
               </a:ext>
             </a:extLst>
           </p:cNvPr>
@@ -6922,8 +7137,8 @@
         </p:blipFill>
         <p:spPr>
           <a:xfrm>
-            <a:off x="0" y="244475"/>
-            <a:ext cx="12192000" cy="6369050"/>
+            <a:off x="9909810" y="365125"/>
+            <a:ext cx="1443990" cy="1325563"/>
           </a:xfrm>
           <a:prstGeom prst="rect">
             <a:avLst/>
@@ -6933,7 +7148,7 @@
     </p:spTree>
     <p:extLst>
       <p:ext uri="{BB962C8B-B14F-4D97-AF65-F5344CB8AC3E}">
-        <p14:creationId xmlns:p14="http://schemas.microsoft.com/office/powerpoint/2010/main" val="1849977662"/>
+        <p14:creationId xmlns:p14="http://schemas.microsoft.com/office/powerpoint/2010/main" val="1440728713"/>
       </p:ext>
     </p:extLst>
   </p:cSld>
@@ -6960,117 +7175,12 @@
           <a:chExt cx="0" cy="0"/>
         </a:xfrm>
       </p:grpSpPr>
-      <p:sp>
-        <p:nvSpPr>
-          <p:cNvPr id="2" name="Title 1">
-            <a:extLst>
-              <a:ext uri="{FF2B5EF4-FFF2-40B4-BE49-F238E27FC236}">
-                <a16:creationId xmlns:a16="http://schemas.microsoft.com/office/drawing/2014/main" id="{B67D80A9-3352-49BD-8B13-67E5655619A8}"/>
-              </a:ext>
-            </a:extLst>
-          </p:cNvPr>
-          <p:cNvSpPr>
-            <a:spLocks noGrp="1"/>
-          </p:cNvSpPr>
-          <p:nvPr>
-            <p:ph type="title"/>
-          </p:nvPr>
-        </p:nvSpPr>
-        <p:spPr>
-          <a:xfrm>
-            <a:off x="838200" y="365125"/>
-            <a:ext cx="8957310" cy="1325563"/>
-          </a:xfrm>
-        </p:spPr>
-        <p:txBody>
-          <a:bodyPr/>
-          <a:lstStyle/>
-          <a:p>
-            <a:r>
-              <a:rPr lang="en-US" dirty="0"/>
-              <a:t>What Can Go Wrong </a:t>
-            </a:r>
-            <a:endParaRPr lang="en-DE" dirty="0"/>
-          </a:p>
-        </p:txBody>
-      </p:sp>
-      <p:sp>
-        <p:nvSpPr>
-          <p:cNvPr id="3" name="Content Placeholder 2">
-            <a:extLst>
-              <a:ext uri="{FF2B5EF4-FFF2-40B4-BE49-F238E27FC236}">
-                <a16:creationId xmlns:a16="http://schemas.microsoft.com/office/drawing/2014/main" id="{117AA472-BE32-4274-AC6A-90CA53C6C9DD}"/>
-              </a:ext>
-            </a:extLst>
-          </p:cNvPr>
-          <p:cNvSpPr>
-            <a:spLocks noGrp="1"/>
-          </p:cNvSpPr>
-          <p:nvPr>
-            <p:ph idx="1"/>
-          </p:nvPr>
-        </p:nvSpPr>
-        <p:spPr/>
-        <p:txBody>
-          <a:bodyPr/>
-          <a:lstStyle/>
-          <a:p>
-            <a:r>
-              <a:rPr lang="en-US" dirty="0">
-                <a:latin typeface="Univers" panose="020B0503020202020204" pitchFamily="34" charset="0"/>
-              </a:rPr>
-              <a:t>The clock offset problem can occur if either of the following is true:</a:t>
-            </a:r>
-          </a:p>
-          <a:p>
-            <a:pPr lvl="1"/>
-            <a:r>
-              <a:rPr lang="en-US" dirty="0">
-                <a:latin typeface="Univers" panose="020B0503020202020204" pitchFamily="34" charset="0"/>
-              </a:rPr>
-              <a:t>The data is coming from a software that imposes its own timestamps.</a:t>
-            </a:r>
-          </a:p>
-          <a:p>
-            <a:pPr lvl="1"/>
-            <a:r>
-              <a:rPr lang="en-US" dirty="0">
-                <a:latin typeface="Univers" panose="020B0503020202020204" pitchFamily="34" charset="0"/>
-              </a:rPr>
-              <a:t>Network insufficiency cause problems with calls to </a:t>
-            </a:r>
-            <a:r>
-              <a:rPr lang="en-US" dirty="0" err="1">
-                <a:latin typeface="Courier New" panose="02070309020205020404" pitchFamily="49" charset="0"/>
-                <a:cs typeface="Courier New" panose="02070309020205020404" pitchFamily="49" charset="0"/>
-              </a:rPr>
-              <a:t>time_correction</a:t>
-            </a:r>
-            <a:r>
-              <a:rPr lang="en-US" dirty="0">
-                <a:latin typeface="Courier New" panose="02070309020205020404" pitchFamily="49" charset="0"/>
-                <a:cs typeface="Courier New" panose="02070309020205020404" pitchFamily="49" charset="0"/>
-              </a:rPr>
-              <a:t>()</a:t>
-            </a:r>
-            <a:r>
-              <a:rPr lang="en-US" dirty="0">
-                <a:latin typeface="Univers" panose="020B0503020202020204" pitchFamily="34" charset="0"/>
-              </a:rPr>
-              <a:t>---this can happen in faulty or low-bandwidth/highly taxed wireless networks---or even old/bad wired routers.</a:t>
-            </a:r>
-            <a:endParaRPr lang="en-DE" dirty="0">
-              <a:latin typeface="Univers" panose="020B0503020202020204" pitchFamily="34" charset="0"/>
-            </a:endParaRPr>
-          </a:p>
-        </p:txBody>
-      </p:sp>
       <p:pic>
         <p:nvPicPr>
-          <p:cNvPr id="5" name="Picture 4" descr="A picture containing text, sign, outdoor, close&#10;&#10;Description automatically generated">
-            <a:extLst>
-              <a:ext uri="{FF2B5EF4-FFF2-40B4-BE49-F238E27FC236}">
-                <a16:creationId xmlns:a16="http://schemas.microsoft.com/office/drawing/2014/main" id="{47842863-62C2-468D-BC9B-637CD0603B00}"/>
+          <p:cNvPr id="5" name="Picture 4" descr="Chart&#10;&#10;Description automatically generated">
+            <a:extLst>
+              <a:ext uri="{FF2B5EF4-FFF2-40B4-BE49-F238E27FC236}">
+                <a16:creationId xmlns:a16="http://schemas.microsoft.com/office/drawing/2014/main" id="{FF8137AA-7251-414E-ABE8-DBA1DA12926A}"/>
               </a:ext>
             </a:extLst>
           </p:cNvPr>
@@ -7093,8 +7203,8 @@
         </p:blipFill>
         <p:spPr>
           <a:xfrm>
-            <a:off x="9909810" y="365125"/>
-            <a:ext cx="1443990" cy="1325563"/>
+            <a:off x="0" y="244475"/>
+            <a:ext cx="12192000" cy="6369050"/>
           </a:xfrm>
           <a:prstGeom prst="rect">
             <a:avLst/>
@@ -7104,7 +7214,7 @@
     </p:spTree>
     <p:extLst>
       <p:ext uri="{BB962C8B-B14F-4D97-AF65-F5344CB8AC3E}">
-        <p14:creationId xmlns:p14="http://schemas.microsoft.com/office/powerpoint/2010/main" val="3810386466"/>
+        <p14:creationId xmlns:p14="http://schemas.microsoft.com/office/powerpoint/2010/main" val="1849977662"/>
       </p:ext>
     </p:extLst>
   </p:cSld>
@@ -7181,73 +7291,58 @@
             <p:ph idx="1"/>
           </p:nvPr>
         </p:nvSpPr>
-        <p:spPr>
-          <a:xfrm>
-            <a:off x="838200" y="1825625"/>
-            <a:ext cx="4391526" cy="4351338"/>
-          </a:xfrm>
-        </p:spPr>
-        <p:txBody>
-          <a:bodyPr>
-            <a:normAutofit/>
-          </a:bodyPr>
+        <p:spPr/>
+        <p:txBody>
+          <a:bodyPr/>
           <a:lstStyle/>
           <a:p>
             <a:r>
               <a:rPr lang="en-US" dirty="0">
                 <a:latin typeface="Univers" panose="020B0503020202020204" pitchFamily="34" charset="0"/>
               </a:rPr>
-              <a:t>The ‘external timestamp’ problem can be fixed adding the following code to an LSL  </a:t>
-            </a:r>
-            <a:r>
-              <a:rPr lang="en-US" dirty="0">
-                <a:latin typeface="Univers" panose="020B0503020202020204" pitchFamily="34" charset="0"/>
-                <a:hlinkClick r:id="rId2"/>
-              </a:rPr>
-              <a:t>config file</a:t>
-            </a:r>
-            <a:r>
-              <a:rPr lang="en-US" dirty="0">
-                <a:latin typeface="Univers" panose="020B0503020202020204" pitchFamily="34" charset="0"/>
-              </a:rPr>
-              <a:t>:</a:t>
-            </a:r>
-          </a:p>
-          <a:p>
-            <a:endParaRPr lang="en-US" dirty="0">
+              <a:t>The clock offset problem can occur if either of the following is true:</a:t>
+            </a:r>
+          </a:p>
+          <a:p>
+            <a:pPr lvl="1"/>
+            <a:r>
+              <a:rPr lang="en-US" dirty="0">
+                <a:latin typeface="Univers" panose="020B0503020202020204" pitchFamily="34" charset="0"/>
+              </a:rPr>
+              <a:t>The data is coming from a software that imposes its own timestamps.</a:t>
+            </a:r>
+          </a:p>
+          <a:p>
+            <a:pPr lvl="1"/>
+            <a:r>
+              <a:rPr lang="en-US" dirty="0">
+                <a:latin typeface="Univers" panose="020B0503020202020204" pitchFamily="34" charset="0"/>
+              </a:rPr>
+              <a:t>Network insufficiency cause problems with calls to </a:t>
+            </a:r>
+            <a:r>
+              <a:rPr lang="en-US" dirty="0" err="1">
+                <a:latin typeface="Courier New" panose="02070309020205020404" pitchFamily="49" charset="0"/>
+                <a:cs typeface="Courier New" panose="02070309020205020404" pitchFamily="49" charset="0"/>
+              </a:rPr>
+              <a:t>time_correction</a:t>
+            </a:r>
+            <a:r>
+              <a:rPr lang="en-US" dirty="0">
+                <a:latin typeface="Courier New" panose="02070309020205020404" pitchFamily="49" charset="0"/>
+                <a:cs typeface="Courier New" panose="02070309020205020404" pitchFamily="49" charset="0"/>
+              </a:rPr>
+              <a:t>()</a:t>
+            </a:r>
+            <a:r>
+              <a:rPr lang="en-US" dirty="0">
+                <a:latin typeface="Univers" panose="020B0503020202020204" pitchFamily="34" charset="0"/>
+              </a:rPr>
+              <a:t>---this can happen in faulty or low-bandwidth/highly taxed wireless networks---or even old/bad wired routers.</a:t>
+            </a:r>
+            <a:endParaRPr lang="en-DE" dirty="0">
               <a:latin typeface="Univers" panose="020B0503020202020204" pitchFamily="34" charset="0"/>
             </a:endParaRPr>
-          </a:p>
-          <a:p>
-            <a:pPr marL="0" indent="0">
-              <a:buNone/>
-            </a:pPr>
-            <a:r>
-              <a:rPr lang="en-US" sz="2000" dirty="0">
-                <a:latin typeface="Courier New" panose="02070309020205020404" pitchFamily="49" charset="0"/>
-                <a:cs typeface="Courier New" panose="02070309020205020404" pitchFamily="49" charset="0"/>
-              </a:rPr>
-              <a:t>[tuning]</a:t>
-            </a:r>
-          </a:p>
-          <a:p>
-            <a:pPr marL="0" indent="0">
-              <a:buNone/>
-            </a:pPr>
-            <a:r>
-              <a:rPr lang="en-US" sz="2000" dirty="0" err="1">
-                <a:latin typeface="Courier New" panose="02070309020205020404" pitchFamily="49" charset="0"/>
-                <a:cs typeface="Courier New" panose="02070309020205020404" pitchFamily="49" charset="0"/>
-              </a:rPr>
-              <a:t>ForceDefaultTimestamps</a:t>
-            </a:r>
-            <a:r>
-              <a:rPr lang="en-US" sz="2000" dirty="0">
-                <a:latin typeface="Courier New" panose="02070309020205020404" pitchFamily="49" charset="0"/>
-                <a:cs typeface="Courier New" panose="02070309020205020404" pitchFamily="49" charset="0"/>
-              </a:rPr>
-              <a:t>=1</a:t>
-            </a:r>
           </a:p>
         </p:txBody>
       </p:sp>
@@ -7266,7 +7361,7 @@
           <p:nvPr/>
         </p:nvPicPr>
         <p:blipFill>
-          <a:blip r:embed="rId3">
+          <a:blip r:embed="rId2">
             <a:extLst>
               <a:ext uri="{28A0092B-C50C-407E-A947-70E740481C1C}">
                 <a14:useLocalDpi xmlns:a14="http://schemas.microsoft.com/office/drawing/2010/main" val="0"/>
@@ -7287,46 +7382,10 @@
           </a:prstGeom>
         </p:spPr>
       </p:pic>
-      <p:pic>
-        <p:nvPicPr>
-          <p:cNvPr id="7" name="Picture 6" descr="Diagram&#10;&#10;Description automatically generated">
-            <a:extLst>
-              <a:ext uri="{FF2B5EF4-FFF2-40B4-BE49-F238E27FC236}">
-                <a16:creationId xmlns:a16="http://schemas.microsoft.com/office/drawing/2014/main" id="{7710443F-983D-4661-857D-343F5A5BE152}"/>
-              </a:ext>
-            </a:extLst>
-          </p:cNvPr>
-          <p:cNvPicPr>
-            <a:picLocks noChangeAspect="1"/>
-          </p:cNvPicPr>
-          <p:nvPr/>
-        </p:nvPicPr>
-        <p:blipFill>
-          <a:blip r:embed="rId4">
-            <a:extLst>
-              <a:ext uri="{28A0092B-C50C-407E-A947-70E740481C1C}">
-                <a14:useLocalDpi xmlns:a14="http://schemas.microsoft.com/office/drawing/2010/main" val="0"/>
-              </a:ext>
-            </a:extLst>
-          </a:blip>
-          <a:stretch>
-            <a:fillRect/>
-          </a:stretch>
-        </p:blipFill>
-        <p:spPr>
-          <a:xfrm>
-            <a:off x="5094515" y="1825625"/>
-            <a:ext cx="6799368" cy="3600042"/>
-          </a:xfrm>
-          <a:prstGeom prst="rect">
-            <a:avLst/>
-          </a:prstGeom>
-        </p:spPr>
-      </p:pic>
     </p:spTree>
     <p:extLst>
       <p:ext uri="{BB962C8B-B14F-4D97-AF65-F5344CB8AC3E}">
-        <p14:creationId xmlns:p14="http://schemas.microsoft.com/office/powerpoint/2010/main" val="3291694209"/>
+        <p14:creationId xmlns:p14="http://schemas.microsoft.com/office/powerpoint/2010/main" val="3810386466"/>
       </p:ext>
     </p:extLst>
   </p:cSld>
@@ -7403,7 +7462,12 @@
             <p:ph idx="1"/>
           </p:nvPr>
         </p:nvSpPr>
-        <p:spPr/>
+        <p:spPr>
+          <a:xfrm>
+            <a:off x="838200" y="1825625"/>
+            <a:ext cx="4391526" cy="4351338"/>
+          </a:xfrm>
+        </p:spPr>
         <p:txBody>
           <a:bodyPr>
             <a:normAutofit/>
@@ -7414,166 +7478,57 @@
               <a:rPr lang="en-US" dirty="0">
                 <a:latin typeface="Univers" panose="020B0503020202020204" pitchFamily="34" charset="0"/>
               </a:rPr>
-              <a:t>LSL based experiments often require heavy network bandwidth, so it is best to transmit over a wired LAN.</a:t>
-            </a:r>
-          </a:p>
-          <a:p>
-            <a:r>
-              <a:rPr lang="en-US" dirty="0">
-                <a:latin typeface="Univers" panose="020B0503020202020204" pitchFamily="34" charset="0"/>
-              </a:rPr>
-              <a:t>But, if wireless is needed, the following tuning may help prevent data loss and </a:t>
-            </a:r>
-            <a:r>
-              <a:rPr lang="en-US" dirty="0" err="1">
+              <a:t>The ‘external timestamp’ problem can be fixed adding the following code to an LSL  </a:t>
+            </a:r>
+            <a:r>
+              <a:rPr lang="en-US" dirty="0">
+                <a:latin typeface="Univers" panose="020B0503020202020204" pitchFamily="34" charset="0"/>
+                <a:hlinkClick r:id="rId2"/>
+              </a:rPr>
+              <a:t>config file</a:t>
+            </a:r>
+            <a:r>
+              <a:rPr lang="en-US" dirty="0">
+                <a:latin typeface="Univers" panose="020B0503020202020204" pitchFamily="34" charset="0"/>
+              </a:rPr>
+              <a:t>:</a:t>
+            </a:r>
+          </a:p>
+          <a:p>
+            <a:endParaRPr lang="en-US" dirty="0">
+              <a:latin typeface="Univers" panose="020B0503020202020204" pitchFamily="34" charset="0"/>
+            </a:endParaRPr>
+          </a:p>
+          <a:p>
+            <a:pPr marL="0" indent="0">
+              <a:buNone/>
+            </a:pPr>
+            <a:r>
+              <a:rPr lang="en-US" sz="2000" dirty="0">
                 <a:latin typeface="Courier New" panose="02070309020205020404" pitchFamily="49" charset="0"/>
                 <a:cs typeface="Courier New" panose="02070309020205020404" pitchFamily="49" charset="0"/>
               </a:rPr>
-              <a:t>time_correction</a:t>
-            </a:r>
-            <a:r>
-              <a:rPr lang="en-US" dirty="0">
+              <a:t>[tuning]</a:t>
+            </a:r>
+          </a:p>
+          <a:p>
+            <a:pPr marL="0" indent="0">
+              <a:buNone/>
+            </a:pPr>
+            <a:r>
+              <a:rPr lang="en-US" sz="2000" dirty="0" err="1">
                 <a:latin typeface="Courier New" panose="02070309020205020404" pitchFamily="49" charset="0"/>
                 <a:cs typeface="Courier New" panose="02070309020205020404" pitchFamily="49" charset="0"/>
               </a:rPr>
-              <a:t>()</a:t>
-            </a:r>
-            <a:r>
-              <a:rPr lang="en-US" dirty="0">
-                <a:latin typeface="Univers" panose="020B0503020202020204" pitchFamily="34" charset="0"/>
-              </a:rPr>
-              <a:t> malfunction:</a:t>
-            </a:r>
-          </a:p>
-          <a:p>
-            <a:pPr marL="457200" lvl="1" indent="0">
-              <a:buNone/>
-            </a:pPr>
-            <a:r>
-              <a:rPr lang="en-US" sz="2200" dirty="0">
+              <a:t>ForceDefaultTimestamps</a:t>
+            </a:r>
+            <a:r>
+              <a:rPr lang="en-US" sz="2000" dirty="0">
                 <a:latin typeface="Courier New" panose="02070309020205020404" pitchFamily="49" charset="0"/>
                 <a:cs typeface="Courier New" panose="02070309020205020404" pitchFamily="49" charset="0"/>
               </a:rPr>
-              <a:t>[tuning]</a:t>
-            </a:r>
-          </a:p>
-          <a:p>
-            <a:pPr marL="457200" lvl="1" indent="0">
-              <a:buNone/>
-            </a:pPr>
-            <a:r>
-              <a:rPr lang="en-US" sz="2200" dirty="0" err="1">
-                <a:latin typeface="Courier New" panose="02070309020205020404" pitchFamily="49" charset="0"/>
-                <a:cs typeface="Courier New" panose="02070309020205020404" pitchFamily="49" charset="0"/>
-              </a:rPr>
-              <a:t>TimeProbeMaxRtt</a:t>
-            </a:r>
-            <a:r>
-              <a:rPr lang="en-US" sz="2200" dirty="0">
-                <a:latin typeface="Courier New" panose="02070309020205020404" pitchFamily="49" charset="0"/>
-                <a:cs typeface="Courier New" panose="02070309020205020404" pitchFamily="49" charset="0"/>
-              </a:rPr>
-              <a:t> = 0.100</a:t>
-            </a:r>
-          </a:p>
-          <a:p>
-            <a:pPr marL="457200" lvl="1" indent="0">
-              <a:buNone/>
-            </a:pPr>
-            <a:r>
-              <a:rPr lang="en-US" sz="2200" dirty="0" err="1">
-                <a:latin typeface="Courier New" panose="02070309020205020404" pitchFamily="49" charset="0"/>
-                <a:cs typeface="Courier New" panose="02070309020205020404" pitchFamily="49" charset="0"/>
-              </a:rPr>
-              <a:t>TimeProbeInterval</a:t>
-            </a:r>
-            <a:r>
-              <a:rPr lang="en-US" sz="2200" dirty="0">
-                <a:latin typeface="Courier New" panose="02070309020205020404" pitchFamily="49" charset="0"/>
-                <a:cs typeface="Courier New" panose="02070309020205020404" pitchFamily="49" charset="0"/>
-              </a:rPr>
-              <a:t> = 0.010</a:t>
-            </a:r>
-          </a:p>
-          <a:p>
-            <a:pPr marL="457200" lvl="1" indent="0">
-              <a:buNone/>
-            </a:pPr>
-            <a:r>
-              <a:rPr lang="en-US" sz="2200" dirty="0" err="1">
-                <a:latin typeface="Courier New" panose="02070309020205020404" pitchFamily="49" charset="0"/>
-                <a:cs typeface="Courier New" panose="02070309020205020404" pitchFamily="49" charset="0"/>
-              </a:rPr>
-              <a:t>TimeProbeCount</a:t>
-            </a:r>
-            <a:r>
-              <a:rPr lang="en-US" sz="2200" dirty="0">
-                <a:latin typeface="Courier New" panose="02070309020205020404" pitchFamily="49" charset="0"/>
-                <a:cs typeface="Courier New" panose="02070309020205020404" pitchFamily="49" charset="0"/>
-              </a:rPr>
-              <a:t> = 10</a:t>
-            </a:r>
-          </a:p>
-          <a:p>
-            <a:pPr marL="457200" lvl="1" indent="0">
-              <a:buNone/>
-            </a:pPr>
-            <a:r>
-              <a:rPr lang="en-US" sz="2200" dirty="0" err="1">
-                <a:latin typeface="Courier New" panose="02070309020205020404" pitchFamily="49" charset="0"/>
-                <a:cs typeface="Courier New" panose="02070309020205020404" pitchFamily="49" charset="0"/>
-              </a:rPr>
-              <a:t>TimeUpdateInterval</a:t>
-            </a:r>
-            <a:r>
-              <a:rPr lang="en-US" sz="2200" dirty="0">
-                <a:latin typeface="Courier New" panose="02070309020205020404" pitchFamily="49" charset="0"/>
-                <a:cs typeface="Courier New" panose="02070309020205020404" pitchFamily="49" charset="0"/>
-              </a:rPr>
-              <a:t> = 0.25</a:t>
-            </a:r>
-          </a:p>
-          <a:p>
-            <a:pPr marL="457200" lvl="1" indent="0">
-              <a:buNone/>
-            </a:pPr>
-            <a:r>
-              <a:rPr lang="en-US" sz="2200" dirty="0" err="1">
-                <a:latin typeface="Courier New" panose="02070309020205020404" pitchFamily="49" charset="0"/>
-                <a:cs typeface="Courier New" panose="02070309020205020404" pitchFamily="49" charset="0"/>
-              </a:rPr>
-              <a:t>MulticastMinRTT</a:t>
-            </a:r>
-            <a:r>
-              <a:rPr lang="en-US" sz="2200" dirty="0">
-                <a:latin typeface="Courier New" panose="02070309020205020404" pitchFamily="49" charset="0"/>
-                <a:cs typeface="Courier New" panose="02070309020205020404" pitchFamily="49" charset="0"/>
-              </a:rPr>
-              <a:t> = .100</a:t>
-            </a:r>
-          </a:p>
-          <a:p>
-            <a:pPr marL="457200" lvl="1" indent="0">
-              <a:buNone/>
-            </a:pPr>
-            <a:r>
-              <a:rPr lang="en-US" sz="2200" dirty="0" err="1">
-                <a:latin typeface="Courier New" panose="02070309020205020404" pitchFamily="49" charset="0"/>
-                <a:cs typeface="Courier New" panose="02070309020205020404" pitchFamily="49" charset="0"/>
-              </a:rPr>
-              <a:t>MulticastMaxRTT</a:t>
-            </a:r>
-            <a:r>
-              <a:rPr lang="en-US" sz="2200" dirty="0">
-                <a:latin typeface="Courier New" panose="02070309020205020404" pitchFamily="49" charset="0"/>
-                <a:cs typeface="Courier New" panose="02070309020205020404" pitchFamily="49" charset="0"/>
-              </a:rPr>
-              <a:t> = 30</a:t>
-            </a:r>
-            <a:endParaRPr lang="en-DE" sz="2200" dirty="0">
-              <a:latin typeface="Courier New" panose="02070309020205020404" pitchFamily="49" charset="0"/>
-              <a:cs typeface="Courier New" panose="02070309020205020404" pitchFamily="49" charset="0"/>
-            </a:endParaRPr>
+              <a:t>=1</a:t>
+            </a:r>
           </a:p>
         </p:txBody>
       </p:sp>
@@ -7592,7 +7547,7 @@
           <p:nvPr/>
         </p:nvPicPr>
         <p:blipFill>
-          <a:blip r:embed="rId2">
+          <a:blip r:embed="rId3">
             <a:extLst>
               <a:ext uri="{28A0092B-C50C-407E-A947-70E740481C1C}">
                 <a14:useLocalDpi xmlns:a14="http://schemas.microsoft.com/office/drawing/2010/main" val="0"/>
@@ -7613,50 +7568,46 @@
           </a:prstGeom>
         </p:spPr>
       </p:pic>
-      <p:sp>
-        <p:nvSpPr>
-          <p:cNvPr id="4" name="TextBox 3">
-            <a:extLst>
-              <a:ext uri="{FF2B5EF4-FFF2-40B4-BE49-F238E27FC236}">
-                <a16:creationId xmlns:a16="http://schemas.microsoft.com/office/drawing/2014/main" id="{56F97932-9DE8-45CA-9A61-3CC8E3DC49E6}"/>
-              </a:ext>
-            </a:extLst>
-          </p:cNvPr>
-          <p:cNvSpPr txBox="1"/>
+      <p:pic>
+        <p:nvPicPr>
+          <p:cNvPr id="7" name="Picture 6" descr="Diagram&#10;&#10;Description automatically generated">
+            <a:extLst>
+              <a:ext uri="{FF2B5EF4-FFF2-40B4-BE49-F238E27FC236}">
+                <a16:creationId xmlns:a16="http://schemas.microsoft.com/office/drawing/2014/main" id="{7710443F-983D-4661-857D-343F5A5BE152}"/>
+              </a:ext>
+            </a:extLst>
+          </p:cNvPr>
+          <p:cNvPicPr>
+            <a:picLocks noChangeAspect="1"/>
+          </p:cNvPicPr>
           <p:nvPr/>
-        </p:nvSpPr>
-        <p:spPr>
-          <a:xfrm>
-            <a:off x="838200" y="6176963"/>
-            <a:ext cx="1976054" cy="276999"/>
+        </p:nvPicPr>
+        <p:blipFill>
+          <a:blip r:embed="rId4">
+            <a:extLst>
+              <a:ext uri="{28A0092B-C50C-407E-A947-70E740481C1C}">
+                <a14:useLocalDpi xmlns:a14="http://schemas.microsoft.com/office/drawing/2010/main" val="0"/>
+              </a:ext>
+            </a:extLst>
+          </a:blip>
+          <a:stretch>
+            <a:fillRect/>
+          </a:stretch>
+        </p:blipFill>
+        <p:spPr>
+          <a:xfrm>
+            <a:off x="5094515" y="1825625"/>
+            <a:ext cx="6799368" cy="3600042"/>
           </a:xfrm>
           <a:prstGeom prst="rect">
             <a:avLst/>
           </a:prstGeom>
-          <a:noFill/>
-        </p:spPr>
-        <p:txBody>
-          <a:bodyPr wrap="none" rtlCol="0">
-            <a:spAutoFit/>
-          </a:bodyPr>
-          <a:lstStyle/>
-          <a:p>
-            <a:r>
-              <a:rPr lang="en-US" sz="1200" dirty="0"/>
-              <a:t>Courtesy of Matthew </a:t>
-            </a:r>
-            <a:r>
-              <a:rPr lang="en-US" sz="1200" dirty="0" err="1"/>
-              <a:t>Grivich</a:t>
-            </a:r>
-            <a:endParaRPr lang="en-AU" sz="1200" dirty="0"/>
-          </a:p>
-        </p:txBody>
-      </p:sp>
+        </p:spPr>
+      </p:pic>
     </p:spTree>
     <p:extLst>
       <p:ext uri="{BB962C8B-B14F-4D97-AF65-F5344CB8AC3E}">
-        <p14:creationId xmlns:p14="http://schemas.microsoft.com/office/powerpoint/2010/main" val="1182554458"/>
+        <p14:creationId xmlns:p14="http://schemas.microsoft.com/office/powerpoint/2010/main" val="3291694209"/>
       </p:ext>
     </p:extLst>
   </p:cSld>
@@ -7685,51 +7636,234 @@
       </p:grpSpPr>
       <p:sp>
         <p:nvSpPr>
-          <p:cNvPr id="4" name="TextBox 3">
-            <a:extLst>
-              <a:ext uri="{FF2B5EF4-FFF2-40B4-BE49-F238E27FC236}">
-                <a16:creationId xmlns:a16="http://schemas.microsoft.com/office/drawing/2014/main" id="{484BAC70-94B9-41FC-BE47-84025A671DD7}"/>
-              </a:ext>
-            </a:extLst>
-          </p:cNvPr>
-          <p:cNvSpPr txBox="1"/>
-          <p:nvPr/>
-        </p:nvSpPr>
-        <p:spPr>
-          <a:xfrm>
-            <a:off x="1101089" y="2413337"/>
-            <a:ext cx="9989820" cy="1938992"/>
-          </a:xfrm>
-          <a:prstGeom prst="rect">
-            <a:avLst/>
-          </a:prstGeom>
-          <a:noFill/>
-        </p:spPr>
-        <p:txBody>
-          <a:bodyPr wrap="square" rtlCol="0">
-            <a:spAutoFit/>
+          <p:cNvPr id="2" name="Title 1">
+            <a:extLst>
+              <a:ext uri="{FF2B5EF4-FFF2-40B4-BE49-F238E27FC236}">
+                <a16:creationId xmlns:a16="http://schemas.microsoft.com/office/drawing/2014/main" id="{B67D80A9-3352-49BD-8B13-67E5655619A8}"/>
+              </a:ext>
+            </a:extLst>
+          </p:cNvPr>
+          <p:cNvSpPr>
+            <a:spLocks noGrp="1"/>
+          </p:cNvSpPr>
+          <p:nvPr>
+            <p:ph type="title"/>
+          </p:nvPr>
+        </p:nvSpPr>
+        <p:spPr>
+          <a:xfrm>
+            <a:off x="838200" y="365125"/>
+            <a:ext cx="8957310" cy="1325563"/>
+          </a:xfrm>
+        </p:spPr>
+        <p:txBody>
+          <a:bodyPr/>
+          <a:lstStyle/>
+          <a:p>
+            <a:r>
+              <a:rPr lang="en-US" dirty="0"/>
+              <a:t>What Can Go Wrong </a:t>
+            </a:r>
+            <a:endParaRPr lang="en-DE" dirty="0"/>
+          </a:p>
+        </p:txBody>
+      </p:sp>
+      <p:sp>
+        <p:nvSpPr>
+          <p:cNvPr id="3" name="Content Placeholder 2">
+            <a:extLst>
+              <a:ext uri="{FF2B5EF4-FFF2-40B4-BE49-F238E27FC236}">
+                <a16:creationId xmlns:a16="http://schemas.microsoft.com/office/drawing/2014/main" id="{117AA472-BE32-4274-AC6A-90CA53C6C9DD}"/>
+              </a:ext>
+            </a:extLst>
+          </p:cNvPr>
+          <p:cNvSpPr>
+            <a:spLocks noGrp="1"/>
+          </p:cNvSpPr>
+          <p:nvPr>
+            <p:ph idx="1"/>
+          </p:nvPr>
+        </p:nvSpPr>
+        <p:spPr/>
+        <p:txBody>
+          <a:bodyPr>
+            <a:normAutofit/>
           </a:bodyPr>
           <a:lstStyle/>
           <a:p>
-            <a:pPr algn="ctr"/>
-            <a:r>
-              <a:rPr lang="en-US" sz="6000" dirty="0">
-                <a:latin typeface="Univers" panose="020B0503020202020204" pitchFamily="34" charset="0"/>
-              </a:rPr>
-              <a:t>LSL Sync For Online (e.g. BCI)</a:t>
-            </a:r>
-            <a:endParaRPr lang="en-DE" sz="6000" dirty="0">
-              <a:latin typeface="Univers" panose="020B0503020202020204" pitchFamily="34" charset="0"/>
+            <a:r>
+              <a:rPr lang="en-US" dirty="0">
+                <a:latin typeface="Univers" panose="020B0503020202020204" pitchFamily="34" charset="0"/>
+              </a:rPr>
+              <a:t>LSL based experiments often require heavy network bandwidth, so it is best to transmit over a wired LAN.</a:t>
+            </a:r>
+          </a:p>
+          <a:p>
+            <a:r>
+              <a:rPr lang="en-US" dirty="0">
+                <a:latin typeface="Univers" panose="020B0503020202020204" pitchFamily="34" charset="0"/>
+              </a:rPr>
+              <a:t>But, if wireless is needed, the following tuning may help prevent data loss and </a:t>
+            </a:r>
+            <a:r>
+              <a:rPr lang="en-US" dirty="0" err="1">
+                <a:latin typeface="Courier New" panose="02070309020205020404" pitchFamily="49" charset="0"/>
+                <a:cs typeface="Courier New" panose="02070309020205020404" pitchFamily="49" charset="0"/>
+              </a:rPr>
+              <a:t>time_correction</a:t>
+            </a:r>
+            <a:r>
+              <a:rPr lang="en-US" dirty="0">
+                <a:latin typeface="Courier New" panose="02070309020205020404" pitchFamily="49" charset="0"/>
+                <a:cs typeface="Courier New" panose="02070309020205020404" pitchFamily="49" charset="0"/>
+              </a:rPr>
+              <a:t>()</a:t>
+            </a:r>
+            <a:r>
+              <a:rPr lang="en-US" dirty="0">
+                <a:latin typeface="Univers" panose="020B0503020202020204" pitchFamily="34" charset="0"/>
+              </a:rPr>
+              <a:t> malfunction:</a:t>
+            </a:r>
+          </a:p>
+          <a:p>
+            <a:pPr marL="457200" lvl="1" indent="0">
+              <a:buNone/>
+            </a:pPr>
+            <a:r>
+              <a:rPr lang="en-US" sz="2200" dirty="0">
+                <a:latin typeface="Courier New" panose="02070309020205020404" pitchFamily="49" charset="0"/>
+                <a:cs typeface="Courier New" panose="02070309020205020404" pitchFamily="49" charset="0"/>
+              </a:rPr>
+              <a:t>[tuning]</a:t>
+            </a:r>
+          </a:p>
+          <a:p>
+            <a:pPr marL="457200" lvl="1" indent="0">
+              <a:buNone/>
+            </a:pPr>
+            <a:r>
+              <a:rPr lang="en-US" sz="2200" dirty="0" err="1">
+                <a:latin typeface="Courier New" panose="02070309020205020404" pitchFamily="49" charset="0"/>
+                <a:cs typeface="Courier New" panose="02070309020205020404" pitchFamily="49" charset="0"/>
+              </a:rPr>
+              <a:t>TimeProbeMaxRtt</a:t>
+            </a:r>
+            <a:r>
+              <a:rPr lang="en-US" sz="2200" dirty="0">
+                <a:latin typeface="Courier New" panose="02070309020205020404" pitchFamily="49" charset="0"/>
+                <a:cs typeface="Courier New" panose="02070309020205020404" pitchFamily="49" charset="0"/>
+              </a:rPr>
+              <a:t> = 0.100</a:t>
+            </a:r>
+          </a:p>
+          <a:p>
+            <a:pPr marL="457200" lvl="1" indent="0">
+              <a:buNone/>
+            </a:pPr>
+            <a:r>
+              <a:rPr lang="en-US" sz="2200" dirty="0" err="1">
+                <a:latin typeface="Courier New" panose="02070309020205020404" pitchFamily="49" charset="0"/>
+                <a:cs typeface="Courier New" panose="02070309020205020404" pitchFamily="49" charset="0"/>
+              </a:rPr>
+              <a:t>TimeProbeInterval</a:t>
+            </a:r>
+            <a:r>
+              <a:rPr lang="en-US" sz="2200" dirty="0">
+                <a:latin typeface="Courier New" panose="02070309020205020404" pitchFamily="49" charset="0"/>
+                <a:cs typeface="Courier New" panose="02070309020205020404" pitchFamily="49" charset="0"/>
+              </a:rPr>
+              <a:t> = 0.010</a:t>
+            </a:r>
+          </a:p>
+          <a:p>
+            <a:pPr marL="457200" lvl="1" indent="0">
+              <a:buNone/>
+            </a:pPr>
+            <a:r>
+              <a:rPr lang="en-US" sz="2200" dirty="0" err="1">
+                <a:latin typeface="Courier New" panose="02070309020205020404" pitchFamily="49" charset="0"/>
+                <a:cs typeface="Courier New" panose="02070309020205020404" pitchFamily="49" charset="0"/>
+              </a:rPr>
+              <a:t>TimeProbeCount</a:t>
+            </a:r>
+            <a:r>
+              <a:rPr lang="en-US" sz="2200" dirty="0">
+                <a:latin typeface="Courier New" panose="02070309020205020404" pitchFamily="49" charset="0"/>
+                <a:cs typeface="Courier New" panose="02070309020205020404" pitchFamily="49" charset="0"/>
+              </a:rPr>
+              <a:t> = 10</a:t>
+            </a:r>
+          </a:p>
+          <a:p>
+            <a:pPr marL="457200" lvl="1" indent="0">
+              <a:buNone/>
+            </a:pPr>
+            <a:r>
+              <a:rPr lang="en-US" sz="2200" dirty="0" err="1">
+                <a:latin typeface="Courier New" panose="02070309020205020404" pitchFamily="49" charset="0"/>
+                <a:cs typeface="Courier New" panose="02070309020205020404" pitchFamily="49" charset="0"/>
+              </a:rPr>
+              <a:t>TimeUpdateInterval</a:t>
+            </a:r>
+            <a:r>
+              <a:rPr lang="en-US" sz="2200" dirty="0">
+                <a:latin typeface="Courier New" panose="02070309020205020404" pitchFamily="49" charset="0"/>
+                <a:cs typeface="Courier New" panose="02070309020205020404" pitchFamily="49" charset="0"/>
+              </a:rPr>
+              <a:t> = 0.25</a:t>
+            </a:r>
+          </a:p>
+          <a:p>
+            <a:pPr marL="457200" lvl="1" indent="0">
+              <a:buNone/>
+            </a:pPr>
+            <a:r>
+              <a:rPr lang="en-US" sz="2200" dirty="0" err="1">
+                <a:latin typeface="Courier New" panose="02070309020205020404" pitchFamily="49" charset="0"/>
+                <a:cs typeface="Courier New" panose="02070309020205020404" pitchFamily="49" charset="0"/>
+              </a:rPr>
+              <a:t>MulticastMinRTT</a:t>
+            </a:r>
+            <a:r>
+              <a:rPr lang="en-US" sz="2200" dirty="0">
+                <a:latin typeface="Courier New" panose="02070309020205020404" pitchFamily="49" charset="0"/>
+                <a:cs typeface="Courier New" panose="02070309020205020404" pitchFamily="49" charset="0"/>
+              </a:rPr>
+              <a:t> = .100</a:t>
+            </a:r>
+          </a:p>
+          <a:p>
+            <a:pPr marL="457200" lvl="1" indent="0">
+              <a:buNone/>
+            </a:pPr>
+            <a:r>
+              <a:rPr lang="en-US" sz="2200" dirty="0" err="1">
+                <a:latin typeface="Courier New" panose="02070309020205020404" pitchFamily="49" charset="0"/>
+                <a:cs typeface="Courier New" panose="02070309020205020404" pitchFamily="49" charset="0"/>
+              </a:rPr>
+              <a:t>MulticastMaxRTT</a:t>
+            </a:r>
+            <a:r>
+              <a:rPr lang="en-US" sz="2200" dirty="0">
+                <a:latin typeface="Courier New" panose="02070309020205020404" pitchFamily="49" charset="0"/>
+                <a:cs typeface="Courier New" panose="02070309020205020404" pitchFamily="49" charset="0"/>
+              </a:rPr>
+              <a:t> = 30</a:t>
+            </a:r>
+            <a:endParaRPr lang="en-DE" sz="2200" dirty="0">
+              <a:latin typeface="Courier New" panose="02070309020205020404" pitchFamily="49" charset="0"/>
+              <a:cs typeface="Courier New" panose="02070309020205020404" pitchFamily="49" charset="0"/>
             </a:endParaRPr>
           </a:p>
         </p:txBody>
       </p:sp>
       <p:pic>
         <p:nvPicPr>
-          <p:cNvPr id="14" name="Picture 13" descr="Logo&#10;&#10;Description automatically generated">
-            <a:extLst>
-              <a:ext uri="{FF2B5EF4-FFF2-40B4-BE49-F238E27FC236}">
-                <a16:creationId xmlns:a16="http://schemas.microsoft.com/office/drawing/2014/main" id="{29BF7DF9-AE0A-4485-A1FE-AF17ADC1784F}"/>
+          <p:cNvPr id="5" name="Picture 4" descr="A picture containing text, sign, outdoor, close&#10;&#10;Description automatically generated">
+            <a:extLst>
+              <a:ext uri="{FF2B5EF4-FFF2-40B4-BE49-F238E27FC236}">
+                <a16:creationId xmlns:a16="http://schemas.microsoft.com/office/drawing/2014/main" id="{47842863-62C2-468D-BC9B-637CD0603B00}"/>
               </a:ext>
             </a:extLst>
           </p:cNvPr>
@@ -7752,18 +7886,58 @@
         </p:blipFill>
         <p:spPr>
           <a:xfrm>
-            <a:off x="396079" y="5331315"/>
-            <a:ext cx="1410021" cy="1270289"/>
+            <a:off x="9909810" y="365125"/>
+            <a:ext cx="1443990" cy="1325563"/>
           </a:xfrm>
           <a:prstGeom prst="rect">
             <a:avLst/>
           </a:prstGeom>
         </p:spPr>
       </p:pic>
+      <p:sp>
+        <p:nvSpPr>
+          <p:cNvPr id="4" name="TextBox 3">
+            <a:extLst>
+              <a:ext uri="{FF2B5EF4-FFF2-40B4-BE49-F238E27FC236}">
+                <a16:creationId xmlns:a16="http://schemas.microsoft.com/office/drawing/2014/main" id="{56F97932-9DE8-45CA-9A61-3CC8E3DC49E6}"/>
+              </a:ext>
+            </a:extLst>
+          </p:cNvPr>
+          <p:cNvSpPr txBox="1"/>
+          <p:nvPr/>
+        </p:nvSpPr>
+        <p:spPr>
+          <a:xfrm>
+            <a:off x="838200" y="6176963"/>
+            <a:ext cx="1976054" cy="276999"/>
+          </a:xfrm>
+          <a:prstGeom prst="rect">
+            <a:avLst/>
+          </a:prstGeom>
+          <a:noFill/>
+        </p:spPr>
+        <p:txBody>
+          <a:bodyPr wrap="none" rtlCol="0">
+            <a:spAutoFit/>
+          </a:bodyPr>
+          <a:lstStyle/>
+          <a:p>
+            <a:r>
+              <a:rPr lang="en-US" sz="1200" dirty="0"/>
+              <a:t>Courtesy of Matthew </a:t>
+            </a:r>
+            <a:r>
+              <a:rPr lang="en-US" sz="1200" dirty="0" err="1"/>
+              <a:t>Grivich</a:t>
+            </a:r>
+            <a:endParaRPr lang="en-AU" sz="1200" dirty="0"/>
+          </a:p>
+        </p:txBody>
+      </p:sp>
     </p:spTree>
     <p:extLst>
       <p:ext uri="{BB962C8B-B14F-4D97-AF65-F5344CB8AC3E}">
-        <p14:creationId xmlns:p14="http://schemas.microsoft.com/office/powerpoint/2010/main" val="753152958"/>
+        <p14:creationId xmlns:p14="http://schemas.microsoft.com/office/powerpoint/2010/main" val="1182554458"/>
       </p:ext>
     </p:extLst>
   </p:cSld>
@@ -7792,82 +7966,40 @@
       </p:grpSpPr>
       <p:sp>
         <p:nvSpPr>
-          <p:cNvPr id="2" name="Title 1">
-            <a:extLst>
-              <a:ext uri="{FF2B5EF4-FFF2-40B4-BE49-F238E27FC236}">
-                <a16:creationId xmlns:a16="http://schemas.microsoft.com/office/drawing/2014/main" id="{B67D80A9-3352-49BD-8B13-67E5655619A8}"/>
-              </a:ext>
-            </a:extLst>
-          </p:cNvPr>
-          <p:cNvSpPr>
-            <a:spLocks noGrp="1"/>
-          </p:cNvSpPr>
-          <p:nvPr>
-            <p:ph type="title"/>
-          </p:nvPr>
-        </p:nvSpPr>
-        <p:spPr>
-          <a:xfrm>
-            <a:off x="838200" y="365125"/>
-            <a:ext cx="8957310" cy="1325563"/>
-          </a:xfrm>
-        </p:spPr>
-        <p:txBody>
-          <a:bodyPr/>
+          <p:cNvPr id="4" name="TextBox 3">
+            <a:extLst>
+              <a:ext uri="{FF2B5EF4-FFF2-40B4-BE49-F238E27FC236}">
+                <a16:creationId xmlns:a16="http://schemas.microsoft.com/office/drawing/2014/main" id="{484BAC70-94B9-41FC-BE47-84025A671DD7}"/>
+              </a:ext>
+            </a:extLst>
+          </p:cNvPr>
+          <p:cNvSpPr txBox="1"/>
+          <p:nvPr/>
+        </p:nvSpPr>
+        <p:spPr>
+          <a:xfrm>
+            <a:off x="1101089" y="2413337"/>
+            <a:ext cx="9989820" cy="1938992"/>
+          </a:xfrm>
+          <a:prstGeom prst="rect">
+            <a:avLst/>
+          </a:prstGeom>
+          <a:noFill/>
+        </p:spPr>
+        <p:txBody>
+          <a:bodyPr wrap="square" rtlCol="0">
+            <a:spAutoFit/>
+          </a:bodyPr>
           <a:lstStyle/>
           <a:p>
-            <a:r>
-              <a:rPr lang="en-US" dirty="0"/>
-              <a:t>LSL Sync For Online </a:t>
-            </a:r>
-            <a:endParaRPr lang="en-DE" dirty="0"/>
-          </a:p>
-        </p:txBody>
-      </p:sp>
-      <p:sp>
-        <p:nvSpPr>
-          <p:cNvPr id="3" name="Content Placeholder 2">
-            <a:extLst>
-              <a:ext uri="{FF2B5EF4-FFF2-40B4-BE49-F238E27FC236}">
-                <a16:creationId xmlns:a16="http://schemas.microsoft.com/office/drawing/2014/main" id="{117AA472-BE32-4274-AC6A-90CA53C6C9DD}"/>
-              </a:ext>
-            </a:extLst>
-          </p:cNvPr>
-          <p:cNvSpPr>
-            <a:spLocks noGrp="1"/>
-          </p:cNvSpPr>
-          <p:nvPr>
-            <p:ph idx="1"/>
-          </p:nvPr>
-        </p:nvSpPr>
-        <p:spPr/>
-        <p:txBody>
-          <a:bodyPr/>
-          <a:lstStyle/>
-          <a:p>
-            <a:r>
-              <a:rPr lang="en-US" dirty="0">
-                <a:latin typeface="Univers" panose="020B0503020202020204" pitchFamily="34" charset="0"/>
-              </a:rPr>
-              <a:t>LSL’s offline sync tools are also available for real-time scenarios.</a:t>
-            </a:r>
-          </a:p>
-          <a:p>
-            <a:r>
-              <a:rPr lang="en-US" dirty="0">
-                <a:latin typeface="Univers" panose="020B0503020202020204" pitchFamily="34" charset="0"/>
-              </a:rPr>
-              <a:t>The algorithms do require some ‘warm up’ time in order to work properly.</a:t>
-            </a:r>
-          </a:p>
-          <a:p>
-            <a:r>
-              <a:rPr lang="en-US" dirty="0">
-                <a:latin typeface="Univers" panose="020B0503020202020204" pitchFamily="34" charset="0"/>
-              </a:rPr>
-              <a:t>They do not provide the same level of accuracy and stability as their offline counterparts (I don’t think any quantitative comparison has ever been made).</a:t>
-            </a:r>
-            <a:endParaRPr lang="en-DE" dirty="0">
+            <a:pPr algn="ctr"/>
+            <a:r>
+              <a:rPr lang="en-US" sz="6000" dirty="0">
+                <a:latin typeface="Univers" panose="020B0503020202020204" pitchFamily="34" charset="0"/>
+              </a:rPr>
+              <a:t>LSL Sync For Online (e.g. BCI)</a:t>
+            </a:r>
+            <a:endParaRPr lang="en-DE" sz="6000" dirty="0">
               <a:latin typeface="Univers" panose="020B0503020202020204" pitchFamily="34" charset="0"/>
             </a:endParaRPr>
           </a:p>
@@ -7875,10 +8007,10 @@
       </p:sp>
       <p:pic>
         <p:nvPicPr>
-          <p:cNvPr id="5" name="Picture 4" descr="A picture containing text, sign, outdoor, close&#10;&#10;Description automatically generated">
-            <a:extLst>
-              <a:ext uri="{FF2B5EF4-FFF2-40B4-BE49-F238E27FC236}">
-                <a16:creationId xmlns:a16="http://schemas.microsoft.com/office/drawing/2014/main" id="{47842863-62C2-468D-BC9B-637CD0603B00}"/>
+          <p:cNvPr id="14" name="Picture 13" descr="Logo&#10;&#10;Description automatically generated">
+            <a:extLst>
+              <a:ext uri="{FF2B5EF4-FFF2-40B4-BE49-F238E27FC236}">
+                <a16:creationId xmlns:a16="http://schemas.microsoft.com/office/drawing/2014/main" id="{29BF7DF9-AE0A-4485-A1FE-AF17ADC1784F}"/>
               </a:ext>
             </a:extLst>
           </p:cNvPr>
@@ -7901,8 +8033,8 @@
         </p:blipFill>
         <p:spPr>
           <a:xfrm>
-            <a:off x="9909810" y="365125"/>
-            <a:ext cx="1443990" cy="1325563"/>
+            <a:off x="396079" y="5331315"/>
+            <a:ext cx="1410021" cy="1270289"/>
           </a:xfrm>
           <a:prstGeom prst="rect">
             <a:avLst/>
@@ -7912,7 +8044,7 @@
     </p:spTree>
     <p:extLst>
       <p:ext uri="{BB962C8B-B14F-4D97-AF65-F5344CB8AC3E}">
-        <p14:creationId xmlns:p14="http://schemas.microsoft.com/office/powerpoint/2010/main" val="257530839"/>
+        <p14:creationId xmlns:p14="http://schemas.microsoft.com/office/powerpoint/2010/main" val="753152958"/>
       </p:ext>
     </p:extLst>
   </p:cSld>
@@ -7989,53 +8121,33 @@
             <p:ph idx="1"/>
           </p:nvPr>
         </p:nvSpPr>
-        <p:spPr>
-          <a:xfrm>
-            <a:off x="838200" y="1825625"/>
-            <a:ext cx="10515600" cy="1398838"/>
-          </a:xfrm>
-        </p:spPr>
-        <p:txBody>
-          <a:bodyPr>
-            <a:normAutofit fontScale="92500" lnSpcReduction="20000"/>
-          </a:bodyPr>
+        <p:spPr/>
+        <p:txBody>
+          <a:bodyPr/>
           <a:lstStyle/>
           <a:p>
-            <a:pPr marL="0" indent="0">
-              <a:buNone/>
-            </a:pPr>
-            <a:r>
-              <a:rPr lang="en-US" dirty="0">
-                <a:latin typeface="Univers" panose="020B0503020202020204" pitchFamily="34" charset="0"/>
-              </a:rPr>
-              <a:t>Synchronization is done on the inlet level.</a:t>
-            </a:r>
-          </a:p>
-          <a:p>
-            <a:pPr marL="0" indent="0">
-              <a:buNone/>
-            </a:pPr>
-            <a:r>
-              <a:rPr lang="en-US" dirty="0">
-                <a:latin typeface="Univers" panose="020B0503020202020204" pitchFamily="34" charset="0"/>
-              </a:rPr>
-              <a:t>From the C++ API (</a:t>
-            </a:r>
-            <a:r>
-              <a:rPr lang="en-US" dirty="0">
-                <a:latin typeface="Univers" panose="020B0503020202020204" pitchFamily="34" charset="0"/>
-                <a:hlinkClick r:id="rId2"/>
-              </a:rPr>
-              <a:t>https://github.com/sccn/liblsl/blob/200c1c938a4ed3fa922cff8c0208f7d768b472e5/include/lsl_cpp.h#L92-L112</a:t>
-            </a:r>
-            <a:r>
-              <a:rPr lang="en-US" dirty="0">
-                <a:latin typeface="Univers" panose="020B0503020202020204" pitchFamily="34" charset="0"/>
-              </a:rPr>
-              <a:t>): </a:t>
-            </a:r>
-          </a:p>
-          <a:p>
+            <a:r>
+              <a:rPr lang="en-US" dirty="0">
+                <a:latin typeface="Univers" panose="020B0503020202020204" pitchFamily="34" charset="0"/>
+              </a:rPr>
+              <a:t>LSL’s offline sync tools are also available for real-time scenarios.</a:t>
+            </a:r>
+          </a:p>
+          <a:p>
+            <a:r>
+              <a:rPr lang="en-US" dirty="0">
+                <a:latin typeface="Univers" panose="020B0503020202020204" pitchFamily="34" charset="0"/>
+              </a:rPr>
+              <a:t>The algorithms do require some ‘warm up’ time in order to work properly.</a:t>
+            </a:r>
+          </a:p>
+          <a:p>
+            <a:r>
+              <a:rPr lang="en-US" dirty="0">
+                <a:latin typeface="Univers" panose="020B0503020202020204" pitchFamily="34" charset="0"/>
+              </a:rPr>
+              <a:t>They do not provide the same level of accuracy and stability as their offline counterparts (I don’t think any quantitative comparison has ever been made).</a:t>
+            </a:r>
             <a:endParaRPr lang="en-DE" dirty="0">
               <a:latin typeface="Univers" panose="020B0503020202020204" pitchFamily="34" charset="0"/>
             </a:endParaRPr>
@@ -8057,7 +8169,7 @@
           <p:nvPr/>
         </p:nvPicPr>
         <p:blipFill>
-          <a:blip r:embed="rId3">
+          <a:blip r:embed="rId2">
             <a:extLst>
               <a:ext uri="{28A0092B-C50C-407E-A947-70E740481C1C}">
                 <a14:useLocalDpi xmlns:a14="http://schemas.microsoft.com/office/drawing/2010/main" val="0"/>
@@ -8078,220 +8190,10 @@
           </a:prstGeom>
         </p:spPr>
       </p:pic>
-      <p:sp>
-        <p:nvSpPr>
-          <p:cNvPr id="28" name="TextBox 27">
-            <a:extLst>
-              <a:ext uri="{FF2B5EF4-FFF2-40B4-BE49-F238E27FC236}">
-                <a16:creationId xmlns:a16="http://schemas.microsoft.com/office/drawing/2014/main" id="{AC9D0397-C509-44CF-985E-0E728043AFC4}"/>
-              </a:ext>
-            </a:extLst>
-          </p:cNvPr>
-          <p:cNvSpPr txBox="1"/>
-          <p:nvPr/>
-        </p:nvSpPr>
-        <p:spPr>
-          <a:xfrm>
-            <a:off x="3168944" y="3429000"/>
-            <a:ext cx="5854112" cy="3046988"/>
-          </a:xfrm>
-          <a:prstGeom prst="rect">
-            <a:avLst/>
-          </a:prstGeom>
-          <a:noFill/>
-        </p:spPr>
-        <p:txBody>
-          <a:bodyPr wrap="square" rtlCol="0">
-            <a:spAutoFit/>
-          </a:bodyPr>
-          <a:lstStyle/>
-          <a:p>
-            <a:r>
-              <a:rPr lang="en-US" sz="2400" dirty="0" err="1">
-                <a:latin typeface="Courier New" panose="02070309020205020404" pitchFamily="49" charset="0"/>
-                <a:cs typeface="Courier New" panose="02070309020205020404" pitchFamily="49" charset="0"/>
-              </a:rPr>
-              <a:t>enum</a:t>
-            </a:r>
-            <a:r>
-              <a:rPr lang="en-US" sz="2400" dirty="0">
-                <a:latin typeface="Courier New" panose="02070309020205020404" pitchFamily="49" charset="0"/>
-                <a:cs typeface="Courier New" panose="02070309020205020404" pitchFamily="49" charset="0"/>
-              </a:rPr>
-              <a:t> </a:t>
-            </a:r>
-            <a:r>
-              <a:rPr lang="en-US" sz="2400" dirty="0" err="1">
-                <a:latin typeface="Courier New" panose="02070309020205020404" pitchFamily="49" charset="0"/>
-                <a:cs typeface="Courier New" panose="02070309020205020404" pitchFamily="49" charset="0"/>
-              </a:rPr>
-              <a:t>processing_options_t</a:t>
-            </a:r>
-            <a:r>
-              <a:rPr lang="en-US" sz="2400" dirty="0">
-                <a:latin typeface="Courier New" panose="02070309020205020404" pitchFamily="49" charset="0"/>
-                <a:cs typeface="Courier New" panose="02070309020205020404" pitchFamily="49" charset="0"/>
-              </a:rPr>
-              <a:t> {</a:t>
-            </a:r>
-          </a:p>
-          <a:p>
-            <a:r>
-              <a:rPr lang="en-US" sz="2400" dirty="0">
-                <a:latin typeface="Courier New" panose="02070309020205020404" pitchFamily="49" charset="0"/>
-                <a:cs typeface="Courier New" panose="02070309020205020404" pitchFamily="49" charset="0"/>
-              </a:rPr>
-              <a:t>	</a:t>
-            </a:r>
-            <a:r>
-              <a:rPr lang="en-US" sz="2400" dirty="0" err="1">
-                <a:latin typeface="Courier New" panose="02070309020205020404" pitchFamily="49" charset="0"/>
-                <a:cs typeface="Courier New" panose="02070309020205020404" pitchFamily="49" charset="0"/>
-              </a:rPr>
-              <a:t>post_none</a:t>
-            </a:r>
-            <a:r>
-              <a:rPr lang="en-US" sz="2400" dirty="0">
-                <a:latin typeface="Courier New" panose="02070309020205020404" pitchFamily="49" charset="0"/>
-                <a:cs typeface="Courier New" panose="02070309020205020404" pitchFamily="49" charset="0"/>
-              </a:rPr>
-              <a:t> = 0,</a:t>
-            </a:r>
-          </a:p>
-          <a:p>
-            <a:r>
-              <a:rPr lang="en-US" sz="2400" dirty="0">
-                <a:latin typeface="Courier New" panose="02070309020205020404" pitchFamily="49" charset="0"/>
-                <a:cs typeface="Courier New" panose="02070309020205020404" pitchFamily="49" charset="0"/>
-              </a:rPr>
-              <a:t>	</a:t>
-            </a:r>
-            <a:r>
-              <a:rPr lang="en-US" sz="2400" dirty="0" err="1">
-                <a:latin typeface="Courier New" panose="02070309020205020404" pitchFamily="49" charset="0"/>
-                <a:cs typeface="Courier New" panose="02070309020205020404" pitchFamily="49" charset="0"/>
-              </a:rPr>
-              <a:t>post_clocksync</a:t>
-            </a:r>
-            <a:r>
-              <a:rPr lang="en-US" sz="2400" dirty="0">
-                <a:latin typeface="Courier New" panose="02070309020205020404" pitchFamily="49" charset="0"/>
-                <a:cs typeface="Courier New" panose="02070309020205020404" pitchFamily="49" charset="0"/>
-              </a:rPr>
-              <a:t> = 1,</a:t>
-            </a:r>
-          </a:p>
-          <a:p>
-            <a:r>
-              <a:rPr lang="en-US" sz="2400" dirty="0">
-                <a:latin typeface="Courier New" panose="02070309020205020404" pitchFamily="49" charset="0"/>
-                <a:cs typeface="Courier New" panose="02070309020205020404" pitchFamily="49" charset="0"/>
-              </a:rPr>
-              <a:t>	</a:t>
-            </a:r>
-            <a:r>
-              <a:rPr lang="en-US" sz="2400" dirty="0" err="1">
-                <a:latin typeface="Courier New" panose="02070309020205020404" pitchFamily="49" charset="0"/>
-                <a:cs typeface="Courier New" panose="02070309020205020404" pitchFamily="49" charset="0"/>
-              </a:rPr>
-              <a:t>post_dejitter</a:t>
-            </a:r>
-            <a:r>
-              <a:rPr lang="en-US" sz="2400" dirty="0">
-                <a:latin typeface="Courier New" panose="02070309020205020404" pitchFamily="49" charset="0"/>
-                <a:cs typeface="Courier New" panose="02070309020205020404" pitchFamily="49" charset="0"/>
-              </a:rPr>
-              <a:t> = 2,</a:t>
-            </a:r>
-          </a:p>
-          <a:p>
-            <a:r>
-              <a:rPr lang="en-US" sz="2400" dirty="0">
-                <a:latin typeface="Courier New" panose="02070309020205020404" pitchFamily="49" charset="0"/>
-                <a:cs typeface="Courier New" panose="02070309020205020404" pitchFamily="49" charset="0"/>
-              </a:rPr>
-              <a:t>	</a:t>
-            </a:r>
-            <a:r>
-              <a:rPr lang="en-US" sz="2400" dirty="0" err="1">
-                <a:latin typeface="Courier New" panose="02070309020205020404" pitchFamily="49" charset="0"/>
-                <a:cs typeface="Courier New" panose="02070309020205020404" pitchFamily="49" charset="0"/>
-              </a:rPr>
-              <a:t>post_monotonize</a:t>
-            </a:r>
-            <a:r>
-              <a:rPr lang="en-US" sz="2400" dirty="0">
-                <a:latin typeface="Courier New" panose="02070309020205020404" pitchFamily="49" charset="0"/>
-                <a:cs typeface="Courier New" panose="02070309020205020404" pitchFamily="49" charset="0"/>
-              </a:rPr>
-              <a:t> = 4,</a:t>
-            </a:r>
-          </a:p>
-          <a:p>
-            <a:r>
-              <a:rPr lang="en-US" sz="2400" dirty="0">
-                <a:latin typeface="Courier New" panose="02070309020205020404" pitchFamily="49" charset="0"/>
-                <a:cs typeface="Courier New" panose="02070309020205020404" pitchFamily="49" charset="0"/>
-              </a:rPr>
-              <a:t>	</a:t>
-            </a:r>
-            <a:r>
-              <a:rPr lang="en-US" sz="2400" dirty="0" err="1">
-                <a:latin typeface="Courier New" panose="02070309020205020404" pitchFamily="49" charset="0"/>
-                <a:cs typeface="Courier New" panose="02070309020205020404" pitchFamily="49" charset="0"/>
-              </a:rPr>
-              <a:t>post_threadsafe</a:t>
-            </a:r>
-            <a:r>
-              <a:rPr lang="en-US" sz="2400" dirty="0">
-                <a:latin typeface="Courier New" panose="02070309020205020404" pitchFamily="49" charset="0"/>
-                <a:cs typeface="Courier New" panose="02070309020205020404" pitchFamily="49" charset="0"/>
-              </a:rPr>
-              <a:t> = 8,</a:t>
-            </a:r>
-          </a:p>
-          <a:p>
-            <a:r>
-              <a:rPr lang="en-US" sz="2400" dirty="0">
-                <a:latin typeface="Courier New" panose="02070309020205020404" pitchFamily="49" charset="0"/>
-                <a:cs typeface="Courier New" panose="02070309020205020404" pitchFamily="49" charset="0"/>
-              </a:rPr>
-              <a:t>	</a:t>
-            </a:r>
-            <a:r>
-              <a:rPr lang="en-US" sz="2400" dirty="0" err="1">
-                <a:latin typeface="Courier New" panose="02070309020205020404" pitchFamily="49" charset="0"/>
-                <a:cs typeface="Courier New" panose="02070309020205020404" pitchFamily="49" charset="0"/>
-              </a:rPr>
-              <a:t>post_ALL</a:t>
-            </a:r>
-            <a:r>
-              <a:rPr lang="en-US" sz="2400" dirty="0">
-                <a:latin typeface="Courier New" panose="02070309020205020404" pitchFamily="49" charset="0"/>
-                <a:cs typeface="Courier New" panose="02070309020205020404" pitchFamily="49" charset="0"/>
-              </a:rPr>
-              <a:t> = 1 | 2 | 4 | 8</a:t>
-            </a:r>
-          </a:p>
-          <a:p>
-            <a:r>
-              <a:rPr lang="en-US" sz="2400" dirty="0">
-                <a:latin typeface="Courier New" panose="02070309020205020404" pitchFamily="49" charset="0"/>
-                <a:cs typeface="Courier New" panose="02070309020205020404" pitchFamily="49" charset="0"/>
-              </a:rPr>
-              <a:t>};</a:t>
-            </a:r>
-            <a:endParaRPr lang="en-DE" sz="2400" dirty="0">
-              <a:latin typeface="Courier New" panose="02070309020205020404" pitchFamily="49" charset="0"/>
-              <a:cs typeface="Courier New" panose="02070309020205020404" pitchFamily="49" charset="0"/>
-            </a:endParaRPr>
-          </a:p>
-        </p:txBody>
-      </p:sp>
     </p:spTree>
     <p:extLst>
       <p:ext uri="{BB962C8B-B14F-4D97-AF65-F5344CB8AC3E}">
-        <p14:creationId xmlns:p14="http://schemas.microsoft.com/office/powerpoint/2010/main" val="2957322680"/>
+        <p14:creationId xmlns:p14="http://schemas.microsoft.com/office/powerpoint/2010/main" val="257530839"/>
       </p:ext>
     </p:extLst>
   </p:cSld>
@@ -8376,7 +8278,7 @@
         </p:spPr>
         <p:txBody>
           <a:bodyPr>
-            <a:normAutofit/>
+            <a:normAutofit fontScale="92500" lnSpcReduction="20000"/>
           </a:bodyPr>
           <a:lstStyle/>
           <a:p>
@@ -8387,7 +8289,31 @@
               <a:rPr lang="en-US" dirty="0">
                 <a:latin typeface="Univers" panose="020B0503020202020204" pitchFamily="34" charset="0"/>
               </a:rPr>
-              <a:t>When the inlet is created, a variable containing these options can optionally set them on an inlet object:</a:t>
+              <a:t>Synchronization is done on the inlet level.</a:t>
+            </a:r>
+          </a:p>
+          <a:p>
+            <a:pPr marL="0" indent="0">
+              <a:buNone/>
+            </a:pPr>
+            <a:r>
+              <a:rPr lang="en-US" dirty="0">
+                <a:latin typeface="Univers" panose="020B0503020202020204" pitchFamily="34" charset="0"/>
+              </a:rPr>
+              <a:t>From the C++ API (</a:t>
+            </a:r>
+            <a:r>
+              <a:rPr lang="en-US" dirty="0">
+                <a:latin typeface="Univers" panose="020B0503020202020204" pitchFamily="34" charset="0"/>
+                <a:hlinkClick r:id="rId2"/>
+              </a:rPr>
+              <a:t>https://github.com/sccn/liblsl/blob/200c1c938a4ed3fa922cff8c0208f7d768b472e5/include/lsl_cpp.h#L92-L112</a:t>
+            </a:r>
+            <a:r>
+              <a:rPr lang="en-US" dirty="0">
+                <a:latin typeface="Univers" panose="020B0503020202020204" pitchFamily="34" charset="0"/>
+              </a:rPr>
+              <a:t>): </a:t>
             </a:r>
           </a:p>
           <a:p>
@@ -8412,7 +8338,7 @@
           <p:nvPr/>
         </p:nvPicPr>
         <p:blipFill>
-          <a:blip r:embed="rId2">
+          <a:blip r:embed="rId3">
             <a:extLst>
               <a:ext uri="{28A0092B-C50C-407E-A947-70E740481C1C}">
                 <a14:useLocalDpi xmlns:a14="http://schemas.microsoft.com/office/drawing/2010/main" val="0"/>
@@ -8435,10 +8361,10 @@
       </p:pic>
       <p:sp>
         <p:nvSpPr>
-          <p:cNvPr id="4" name="TextBox 3">
-            <a:extLst>
-              <a:ext uri="{FF2B5EF4-FFF2-40B4-BE49-F238E27FC236}">
-                <a16:creationId xmlns:a16="http://schemas.microsoft.com/office/drawing/2014/main" id="{41B24FF8-F96E-4651-A21B-894C134D50F5}"/>
+          <p:cNvPr id="28" name="TextBox 27">
+            <a:extLst>
+              <a:ext uri="{FF2B5EF4-FFF2-40B4-BE49-F238E27FC236}">
+                <a16:creationId xmlns:a16="http://schemas.microsoft.com/office/drawing/2014/main" id="{AC9D0397-C509-44CF-985E-0E728043AFC4}"/>
               </a:ext>
             </a:extLst>
           </p:cNvPr>
@@ -8447,8 +8373,8 @@
         </p:nvSpPr>
         <p:spPr>
           <a:xfrm>
-            <a:off x="627195" y="4128518"/>
-            <a:ext cx="10937610" cy="646331"/>
+            <a:off x="3168944" y="3429000"/>
+            <a:ext cx="5854112" cy="3046988"/>
           </a:xfrm>
           <a:prstGeom prst="rect">
             <a:avLst/>
@@ -8456,134 +8382,197 @@
           <a:noFill/>
         </p:spPr>
         <p:txBody>
-          <a:bodyPr wrap="none" rtlCol="0">
+          <a:bodyPr wrap="square" rtlCol="0">
             <a:spAutoFit/>
           </a:bodyPr>
           <a:lstStyle/>
           <a:p>
             <a:r>
-              <a:rPr lang="en-US" dirty="0" err="1">
+              <a:rPr lang="en-US" sz="2400" dirty="0" err="1">
                 <a:latin typeface="Courier New" panose="02070309020205020404" pitchFamily="49" charset="0"/>
                 <a:cs typeface="Courier New" panose="02070309020205020404" pitchFamily="49" charset="0"/>
               </a:rPr>
-              <a:t>processing_options_t</a:t>
-            </a:r>
-            <a:r>
-              <a:rPr lang="en-US" dirty="0">
+              <a:t>enum</a:t>
+            </a:r>
+            <a:r>
+              <a:rPr lang="en-US" sz="2400" dirty="0">
                 <a:latin typeface="Courier New" panose="02070309020205020404" pitchFamily="49" charset="0"/>
                 <a:cs typeface="Courier New" panose="02070309020205020404" pitchFamily="49" charset="0"/>
               </a:rPr>
-              <a:t> flags = </a:t>
-            </a:r>
-            <a:r>
-              <a:rPr lang="en-US" dirty="0" err="1">
+              <a:t> </a:t>
+            </a:r>
+            <a:r>
+              <a:rPr lang="en-US" sz="2400" dirty="0" err="1">
                 <a:latin typeface="Courier New" panose="02070309020205020404" pitchFamily="49" charset="0"/>
                 <a:cs typeface="Courier New" panose="02070309020205020404" pitchFamily="49" charset="0"/>
               </a:rPr>
-              <a:t>post_clocksync</a:t>
-            </a:r>
-            <a:r>
-              <a:rPr lang="en-US" dirty="0">
+              <a:t>processing_options_t</a:t>
+            </a:r>
+            <a:r>
+              <a:rPr lang="en-US" sz="2400" dirty="0">
                 <a:latin typeface="Courier New" panose="02070309020205020404" pitchFamily="49" charset="0"/>
                 <a:cs typeface="Courier New" panose="02070309020205020404" pitchFamily="49" charset="0"/>
               </a:rPr>
-              <a:t> | </a:t>
-            </a:r>
-            <a:r>
-              <a:rPr lang="en-US" dirty="0" err="1">
+              <a:t> {</a:t>
+            </a:r>
+          </a:p>
+          <a:p>
+            <a:r>
+              <a:rPr lang="en-US" sz="2400" dirty="0">
                 <a:latin typeface="Courier New" panose="02070309020205020404" pitchFamily="49" charset="0"/>
                 <a:cs typeface="Courier New" panose="02070309020205020404" pitchFamily="49" charset="0"/>
               </a:rPr>
-              <a:t>post_dejitter</a:t>
-            </a:r>
-            <a:r>
-              <a:rPr lang="en-US" dirty="0">
+              <a:t>	</a:t>
+            </a:r>
+            <a:r>
+              <a:rPr lang="en-US" sz="2400" dirty="0" err="1">
                 <a:latin typeface="Courier New" panose="02070309020205020404" pitchFamily="49" charset="0"/>
                 <a:cs typeface="Courier New" panose="02070309020205020404" pitchFamily="49" charset="0"/>
               </a:rPr>
-              <a:t> | </a:t>
-            </a:r>
-            <a:r>
-              <a:rPr lang="en-US" dirty="0" err="1">
+              <a:t>post_none</a:t>
+            </a:r>
+            <a:r>
+              <a:rPr lang="en-US" sz="2400" dirty="0">
                 <a:latin typeface="Courier New" panose="02070309020205020404" pitchFamily="49" charset="0"/>
                 <a:cs typeface="Courier New" panose="02070309020205020404" pitchFamily="49" charset="0"/>
               </a:rPr>
-              <a:t>post_monotonize</a:t>
-            </a:r>
-            <a:r>
-              <a:rPr lang="en-US" dirty="0">
+              <a:t> = 0,</a:t>
+            </a:r>
+          </a:p>
+          <a:p>
+            <a:r>
+              <a:rPr lang="en-US" sz="2400" dirty="0">
                 <a:latin typeface="Courier New" panose="02070309020205020404" pitchFamily="49" charset="0"/>
                 <a:cs typeface="Courier New" panose="02070309020205020404" pitchFamily="49" charset="0"/>
               </a:rPr>
-              <a:t>;</a:t>
-            </a:r>
-          </a:p>
-          <a:p>
-            <a:r>
-              <a:rPr lang="en-US" dirty="0" err="1">
+              <a:t>	</a:t>
+            </a:r>
+            <a:r>
+              <a:rPr lang="en-US" sz="2400" dirty="0" err="1">
                 <a:latin typeface="Courier New" panose="02070309020205020404" pitchFamily="49" charset="0"/>
                 <a:cs typeface="Courier New" panose="02070309020205020404" pitchFamily="49" charset="0"/>
               </a:rPr>
-              <a:t>inlet.set_postprocessing</a:t>
-            </a:r>
-            <a:r>
-              <a:rPr lang="en-US" dirty="0">
+              <a:t>post_clocksync</a:t>
+            </a:r>
+            <a:r>
+              <a:rPr lang="en-US" sz="2400" dirty="0">
                 <a:latin typeface="Courier New" panose="02070309020205020404" pitchFamily="49" charset="0"/>
                 <a:cs typeface="Courier New" panose="02070309020205020404" pitchFamily="49" charset="0"/>
               </a:rPr>
-              <a:t>(flags);</a:t>
-            </a:r>
-            <a:endParaRPr lang="en-DE" dirty="0">
+              <a:t> = 1,</a:t>
+            </a:r>
+          </a:p>
+          <a:p>
+            <a:r>
+              <a:rPr lang="en-US" sz="2400" dirty="0">
+                <a:latin typeface="Courier New" panose="02070309020205020404" pitchFamily="49" charset="0"/>
+                <a:cs typeface="Courier New" panose="02070309020205020404" pitchFamily="49" charset="0"/>
+              </a:rPr>
+              <a:t>	</a:t>
+            </a:r>
+            <a:r>
+              <a:rPr lang="en-US" sz="2400" dirty="0" err="1">
+                <a:latin typeface="Courier New" panose="02070309020205020404" pitchFamily="49" charset="0"/>
+                <a:cs typeface="Courier New" panose="02070309020205020404" pitchFamily="49" charset="0"/>
+              </a:rPr>
+              <a:t>post_dejitter</a:t>
+            </a:r>
+            <a:r>
+              <a:rPr lang="en-US" sz="2400" dirty="0">
+                <a:latin typeface="Courier New" panose="02070309020205020404" pitchFamily="49" charset="0"/>
+                <a:cs typeface="Courier New" panose="02070309020205020404" pitchFamily="49" charset="0"/>
+              </a:rPr>
+              <a:t> = 2,</a:t>
+            </a:r>
+          </a:p>
+          <a:p>
+            <a:r>
+              <a:rPr lang="en-US" sz="2400" dirty="0">
+                <a:latin typeface="Courier New" panose="02070309020205020404" pitchFamily="49" charset="0"/>
+                <a:cs typeface="Courier New" panose="02070309020205020404" pitchFamily="49" charset="0"/>
+              </a:rPr>
+              <a:t>	</a:t>
+            </a:r>
+            <a:r>
+              <a:rPr lang="en-US" sz="2400" dirty="0" err="1">
+                <a:latin typeface="Courier New" panose="02070309020205020404" pitchFamily="49" charset="0"/>
+                <a:cs typeface="Courier New" panose="02070309020205020404" pitchFamily="49" charset="0"/>
+              </a:rPr>
+              <a:t>post_monotonize</a:t>
+            </a:r>
+            <a:r>
+              <a:rPr lang="en-US" sz="2400" dirty="0">
+                <a:latin typeface="Courier New" panose="02070309020205020404" pitchFamily="49" charset="0"/>
+                <a:cs typeface="Courier New" panose="02070309020205020404" pitchFamily="49" charset="0"/>
+              </a:rPr>
+              <a:t> = 4,</a:t>
+            </a:r>
+          </a:p>
+          <a:p>
+            <a:r>
+              <a:rPr lang="en-US" sz="2400" dirty="0">
+                <a:latin typeface="Courier New" panose="02070309020205020404" pitchFamily="49" charset="0"/>
+                <a:cs typeface="Courier New" panose="02070309020205020404" pitchFamily="49" charset="0"/>
+              </a:rPr>
+              <a:t>	</a:t>
+            </a:r>
+            <a:r>
+              <a:rPr lang="en-US" sz="2400" dirty="0" err="1">
+                <a:latin typeface="Courier New" panose="02070309020205020404" pitchFamily="49" charset="0"/>
+                <a:cs typeface="Courier New" panose="02070309020205020404" pitchFamily="49" charset="0"/>
+              </a:rPr>
+              <a:t>post_threadsafe</a:t>
+            </a:r>
+            <a:r>
+              <a:rPr lang="en-US" sz="2400" dirty="0">
+                <a:latin typeface="Courier New" panose="02070309020205020404" pitchFamily="49" charset="0"/>
+                <a:cs typeface="Courier New" panose="02070309020205020404" pitchFamily="49" charset="0"/>
+              </a:rPr>
+              <a:t> = 8,</a:t>
+            </a:r>
+          </a:p>
+          <a:p>
+            <a:r>
+              <a:rPr lang="en-US" sz="2400" dirty="0">
+                <a:latin typeface="Courier New" panose="02070309020205020404" pitchFamily="49" charset="0"/>
+                <a:cs typeface="Courier New" panose="02070309020205020404" pitchFamily="49" charset="0"/>
+              </a:rPr>
+              <a:t>	</a:t>
+            </a:r>
+            <a:r>
+              <a:rPr lang="en-US" sz="2400" dirty="0" err="1">
+                <a:latin typeface="Courier New" panose="02070309020205020404" pitchFamily="49" charset="0"/>
+                <a:cs typeface="Courier New" panose="02070309020205020404" pitchFamily="49" charset="0"/>
+              </a:rPr>
+              <a:t>post_ALL</a:t>
+            </a:r>
+            <a:r>
+              <a:rPr lang="en-US" sz="2400" dirty="0">
+                <a:latin typeface="Courier New" panose="02070309020205020404" pitchFamily="49" charset="0"/>
+                <a:cs typeface="Courier New" panose="02070309020205020404" pitchFamily="49" charset="0"/>
+              </a:rPr>
+              <a:t> = 1 | 2 | 4 | 8</a:t>
+            </a:r>
+          </a:p>
+          <a:p>
+            <a:r>
+              <a:rPr lang="en-US" sz="2400" dirty="0">
+                <a:latin typeface="Courier New" panose="02070309020205020404" pitchFamily="49" charset="0"/>
+                <a:cs typeface="Courier New" panose="02070309020205020404" pitchFamily="49" charset="0"/>
+              </a:rPr>
+              <a:t>};</a:t>
+            </a:r>
+            <a:endParaRPr lang="en-DE" sz="2400" dirty="0">
               <a:latin typeface="Courier New" panose="02070309020205020404" pitchFamily="49" charset="0"/>
               <a:cs typeface="Courier New" panose="02070309020205020404" pitchFamily="49" charset="0"/>
             </a:endParaRPr>
           </a:p>
         </p:txBody>
       </p:sp>
-      <p:sp>
-        <p:nvSpPr>
-          <p:cNvPr id="6" name="TextBox 5">
-            <a:extLst>
-              <a:ext uri="{FF2B5EF4-FFF2-40B4-BE49-F238E27FC236}">
-                <a16:creationId xmlns:a16="http://schemas.microsoft.com/office/drawing/2014/main" id="{6307965E-45EA-4E9C-AD19-0AA9BBF2916B}"/>
-              </a:ext>
-            </a:extLst>
-          </p:cNvPr>
-          <p:cNvSpPr txBox="1"/>
-          <p:nvPr/>
-        </p:nvSpPr>
-        <p:spPr>
-          <a:xfrm>
-            <a:off x="8973020" y="5678905"/>
-            <a:ext cx="2380780" cy="523220"/>
-          </a:xfrm>
-          <a:prstGeom prst="rect">
-            <a:avLst/>
-          </a:prstGeom>
-          <a:noFill/>
-        </p:spPr>
-        <p:txBody>
-          <a:bodyPr wrap="none" rtlCol="0">
-            <a:spAutoFit/>
-          </a:bodyPr>
-          <a:lstStyle/>
-          <a:p>
-            <a:r>
-              <a:rPr lang="en-US" sz="2800" dirty="0">
-                <a:latin typeface="Univers" panose="020B0503020202020204" pitchFamily="34" charset="0"/>
-              </a:rPr>
-              <a:t>To the Code!</a:t>
-            </a:r>
-            <a:endParaRPr lang="en-DE" sz="2800" dirty="0">
-              <a:latin typeface="Univers" panose="020B0503020202020204" pitchFamily="34" charset="0"/>
-            </a:endParaRPr>
-          </a:p>
-        </p:txBody>
-      </p:sp>
     </p:spTree>
     <p:extLst>
       <p:ext uri="{BB962C8B-B14F-4D97-AF65-F5344CB8AC3E}">
-        <p14:creationId xmlns:p14="http://schemas.microsoft.com/office/powerpoint/2010/main" val="2934151402"/>
+        <p14:creationId xmlns:p14="http://schemas.microsoft.com/office/powerpoint/2010/main" val="2957322680"/>
       </p:ext>
     </p:extLst>
   </p:cSld>
@@ -8679,28 +8668,10 @@
               <a:rPr lang="en-US" dirty="0">
                 <a:latin typeface="Univers" panose="020B0503020202020204" pitchFamily="34" charset="0"/>
               </a:rPr>
-              <a:t>Results (if online demo doesn’t work due to network overload from </a:t>
-            </a:r>
-            <a:r>
-              <a:rPr lang="en-US" dirty="0" err="1">
-                <a:latin typeface="Univers" panose="020B0503020202020204" pitchFamily="34" charset="0"/>
-              </a:rPr>
-              <a:t>GoToWebinar</a:t>
-            </a:r>
-            <a:r>
-              <a:rPr lang="en-US" dirty="0">
-                <a:latin typeface="Univers" panose="020B0503020202020204" pitchFamily="34" charset="0"/>
-              </a:rPr>
-              <a:t>...)</a:t>
-            </a:r>
-          </a:p>
-          <a:p>
-            <a:r>
-              <a:rPr lang="en-US" dirty="0">
-                <a:latin typeface="Univers" panose="020B0503020202020204" pitchFamily="34" charset="0"/>
-              </a:rPr>
-              <a:t>Post-processing options off:</a:t>
-            </a:r>
+              <a:t>When the inlet is created, a variable containing these options can optionally set them on an inlet object:</a:t>
+            </a:r>
+          </a:p>
+          <a:p>
             <a:endParaRPr lang="en-DE" dirty="0">
               <a:latin typeface="Univers" panose="020B0503020202020204" pitchFamily="34" charset="0"/>
             </a:endParaRPr>
@@ -8743,46 +8714,157 @@
           </a:prstGeom>
         </p:spPr>
       </p:pic>
-      <p:pic>
-        <p:nvPicPr>
-          <p:cNvPr id="8" name="Picture 7" descr="Graphical user interface, text, application&#10;&#10;Description automatically generated">
-            <a:extLst>
-              <a:ext uri="{FF2B5EF4-FFF2-40B4-BE49-F238E27FC236}">
-                <a16:creationId xmlns:a16="http://schemas.microsoft.com/office/drawing/2014/main" id="{BC390DA4-48D8-4942-B7A2-6D35782F1E80}"/>
-              </a:ext>
-            </a:extLst>
-          </p:cNvPr>
-          <p:cNvPicPr>
-            <a:picLocks noChangeAspect="1"/>
-          </p:cNvPicPr>
+      <p:sp>
+        <p:nvSpPr>
+          <p:cNvPr id="4" name="TextBox 3">
+            <a:extLst>
+              <a:ext uri="{FF2B5EF4-FFF2-40B4-BE49-F238E27FC236}">
+                <a16:creationId xmlns:a16="http://schemas.microsoft.com/office/drawing/2014/main" id="{41B24FF8-F96E-4651-A21B-894C134D50F5}"/>
+              </a:ext>
+            </a:extLst>
+          </p:cNvPr>
+          <p:cNvSpPr txBox="1"/>
           <p:nvPr/>
-        </p:nvPicPr>
-        <p:blipFill>
-          <a:blip r:embed="rId3">
-            <a:extLst>
-              <a:ext uri="{28A0092B-C50C-407E-A947-70E740481C1C}">
-                <a14:useLocalDpi xmlns:a14="http://schemas.microsoft.com/office/drawing/2010/main" val="0"/>
-              </a:ext>
-            </a:extLst>
-          </a:blip>
-          <a:stretch>
-            <a:fillRect/>
-          </a:stretch>
-        </p:blipFill>
-        <p:spPr>
-          <a:xfrm>
-            <a:off x="4392483" y="3224463"/>
-            <a:ext cx="6961317" cy="3633537"/>
+        </p:nvSpPr>
+        <p:spPr>
+          <a:xfrm>
+            <a:off x="627195" y="4128518"/>
+            <a:ext cx="10937610" cy="646331"/>
           </a:xfrm>
           <a:prstGeom prst="rect">
             <a:avLst/>
           </a:prstGeom>
-        </p:spPr>
-      </p:pic>
+          <a:noFill/>
+        </p:spPr>
+        <p:txBody>
+          <a:bodyPr wrap="none" rtlCol="0">
+            <a:spAutoFit/>
+          </a:bodyPr>
+          <a:lstStyle/>
+          <a:p>
+            <a:r>
+              <a:rPr lang="en-US" dirty="0" err="1">
+                <a:latin typeface="Courier New" panose="02070309020205020404" pitchFamily="49" charset="0"/>
+                <a:cs typeface="Courier New" panose="02070309020205020404" pitchFamily="49" charset="0"/>
+              </a:rPr>
+              <a:t>processing_options_t</a:t>
+            </a:r>
+            <a:r>
+              <a:rPr lang="en-US" dirty="0">
+                <a:latin typeface="Courier New" panose="02070309020205020404" pitchFamily="49" charset="0"/>
+                <a:cs typeface="Courier New" panose="02070309020205020404" pitchFamily="49" charset="0"/>
+              </a:rPr>
+              <a:t> flags = </a:t>
+            </a:r>
+            <a:r>
+              <a:rPr lang="en-US" dirty="0" err="1">
+                <a:latin typeface="Courier New" panose="02070309020205020404" pitchFamily="49" charset="0"/>
+                <a:cs typeface="Courier New" panose="02070309020205020404" pitchFamily="49" charset="0"/>
+              </a:rPr>
+              <a:t>post_clocksync</a:t>
+            </a:r>
+            <a:r>
+              <a:rPr lang="en-US" dirty="0">
+                <a:latin typeface="Courier New" panose="02070309020205020404" pitchFamily="49" charset="0"/>
+                <a:cs typeface="Courier New" panose="02070309020205020404" pitchFamily="49" charset="0"/>
+              </a:rPr>
+              <a:t> | </a:t>
+            </a:r>
+            <a:r>
+              <a:rPr lang="en-US" dirty="0" err="1">
+                <a:latin typeface="Courier New" panose="02070309020205020404" pitchFamily="49" charset="0"/>
+                <a:cs typeface="Courier New" panose="02070309020205020404" pitchFamily="49" charset="0"/>
+              </a:rPr>
+              <a:t>post_dejitter</a:t>
+            </a:r>
+            <a:r>
+              <a:rPr lang="en-US" dirty="0">
+                <a:latin typeface="Courier New" panose="02070309020205020404" pitchFamily="49" charset="0"/>
+                <a:cs typeface="Courier New" panose="02070309020205020404" pitchFamily="49" charset="0"/>
+              </a:rPr>
+              <a:t> | </a:t>
+            </a:r>
+            <a:r>
+              <a:rPr lang="en-US" dirty="0" err="1">
+                <a:latin typeface="Courier New" panose="02070309020205020404" pitchFamily="49" charset="0"/>
+                <a:cs typeface="Courier New" panose="02070309020205020404" pitchFamily="49" charset="0"/>
+              </a:rPr>
+              <a:t>post_monotonize</a:t>
+            </a:r>
+            <a:r>
+              <a:rPr lang="en-US" dirty="0">
+                <a:latin typeface="Courier New" panose="02070309020205020404" pitchFamily="49" charset="0"/>
+                <a:cs typeface="Courier New" panose="02070309020205020404" pitchFamily="49" charset="0"/>
+              </a:rPr>
+              <a:t>;</a:t>
+            </a:r>
+          </a:p>
+          <a:p>
+            <a:r>
+              <a:rPr lang="en-US" dirty="0" err="1">
+                <a:latin typeface="Courier New" panose="02070309020205020404" pitchFamily="49" charset="0"/>
+                <a:cs typeface="Courier New" panose="02070309020205020404" pitchFamily="49" charset="0"/>
+              </a:rPr>
+              <a:t>inlet.set_postprocessing</a:t>
+            </a:r>
+            <a:r>
+              <a:rPr lang="en-US" dirty="0">
+                <a:latin typeface="Courier New" panose="02070309020205020404" pitchFamily="49" charset="0"/>
+                <a:cs typeface="Courier New" panose="02070309020205020404" pitchFamily="49" charset="0"/>
+              </a:rPr>
+              <a:t>(flags);</a:t>
+            </a:r>
+            <a:endParaRPr lang="en-DE" dirty="0">
+              <a:latin typeface="Courier New" panose="02070309020205020404" pitchFamily="49" charset="0"/>
+              <a:cs typeface="Courier New" panose="02070309020205020404" pitchFamily="49" charset="0"/>
+            </a:endParaRPr>
+          </a:p>
+        </p:txBody>
+      </p:sp>
+      <p:sp>
+        <p:nvSpPr>
+          <p:cNvPr id="6" name="TextBox 5">
+            <a:extLst>
+              <a:ext uri="{FF2B5EF4-FFF2-40B4-BE49-F238E27FC236}">
+                <a16:creationId xmlns:a16="http://schemas.microsoft.com/office/drawing/2014/main" id="{6307965E-45EA-4E9C-AD19-0AA9BBF2916B}"/>
+              </a:ext>
+            </a:extLst>
+          </p:cNvPr>
+          <p:cNvSpPr txBox="1"/>
+          <p:nvPr/>
+        </p:nvSpPr>
+        <p:spPr>
+          <a:xfrm>
+            <a:off x="8973020" y="5678905"/>
+            <a:ext cx="2380780" cy="523220"/>
+          </a:xfrm>
+          <a:prstGeom prst="rect">
+            <a:avLst/>
+          </a:prstGeom>
+          <a:noFill/>
+        </p:spPr>
+        <p:txBody>
+          <a:bodyPr wrap="none" rtlCol="0">
+            <a:spAutoFit/>
+          </a:bodyPr>
+          <a:lstStyle/>
+          <a:p>
+            <a:r>
+              <a:rPr lang="en-US" sz="2800" dirty="0">
+                <a:latin typeface="Univers" panose="020B0503020202020204" pitchFamily="34" charset="0"/>
+              </a:rPr>
+              <a:t>To the Code!</a:t>
+            </a:r>
+            <a:endParaRPr lang="en-DE" sz="2800" dirty="0">
+              <a:latin typeface="Univers" panose="020B0503020202020204" pitchFamily="34" charset="0"/>
+            </a:endParaRPr>
+          </a:p>
+        </p:txBody>
+      </p:sp>
     </p:spTree>
     <p:extLst>
       <p:ext uri="{BB962C8B-B14F-4D97-AF65-F5344CB8AC3E}">
-        <p14:creationId xmlns:p14="http://schemas.microsoft.com/office/powerpoint/2010/main" val="143518711"/>
+        <p14:creationId xmlns:p14="http://schemas.microsoft.com/office/powerpoint/2010/main" val="2934151402"/>
       </p:ext>
     </p:extLst>
   </p:cSld>
@@ -8898,7 +8980,7 @@
               <a:rPr lang="en-US" dirty="0">
                 <a:latin typeface="Univers" panose="020B0503020202020204" pitchFamily="34" charset="0"/>
               </a:rPr>
-              <a:t>Post-processing options on:</a:t>
+              <a:t>Post-processing options off:</a:t>
             </a:r>
             <a:endParaRPr lang="en-DE" dirty="0">
               <a:latin typeface="Univers" panose="020B0503020202020204" pitchFamily="34" charset="0"/>
@@ -8944,10 +9026,10 @@
       </p:pic>
       <p:pic>
         <p:nvPicPr>
-          <p:cNvPr id="6" name="Picture 5" descr="Graphical user interface, text, application&#10;&#10;Description automatically generated">
-            <a:extLst>
-              <a:ext uri="{FF2B5EF4-FFF2-40B4-BE49-F238E27FC236}">
-                <a16:creationId xmlns:a16="http://schemas.microsoft.com/office/drawing/2014/main" id="{71690621-A81A-4594-8350-523E0FFD150E}"/>
+          <p:cNvPr id="8" name="Picture 7" descr="Graphical user interface, text, application&#10;&#10;Description automatically generated">
+            <a:extLst>
+              <a:ext uri="{FF2B5EF4-FFF2-40B4-BE49-F238E27FC236}">
+                <a16:creationId xmlns:a16="http://schemas.microsoft.com/office/drawing/2014/main" id="{BC390DA4-48D8-4942-B7A2-6D35782F1E80}"/>
               </a:ext>
             </a:extLst>
           </p:cNvPr>
@@ -8970,8 +9052,8 @@
         </p:blipFill>
         <p:spPr>
           <a:xfrm>
-            <a:off x="4385372" y="3224463"/>
-            <a:ext cx="6968428" cy="3633537"/>
+            <a:off x="4392483" y="3224463"/>
+            <a:ext cx="6961317" cy="3633537"/>
           </a:xfrm>
           <a:prstGeom prst="rect">
             <a:avLst/>
@@ -8981,7 +9063,7 @@
     </p:spTree>
     <p:extLst>
       <p:ext uri="{BB962C8B-B14F-4D97-AF65-F5344CB8AC3E}">
-        <p14:creationId xmlns:p14="http://schemas.microsoft.com/office/powerpoint/2010/main" val="1852164116"/>
+        <p14:creationId xmlns:p14="http://schemas.microsoft.com/office/powerpoint/2010/main" val="143518711"/>
       </p:ext>
     </p:extLst>
   </p:cSld>
@@ -9010,155 +9092,51 @@
       </p:grpSpPr>
       <p:sp>
         <p:nvSpPr>
-          <p:cNvPr id="2" name="Title 1">
-            <a:extLst>
-              <a:ext uri="{FF2B5EF4-FFF2-40B4-BE49-F238E27FC236}">
-                <a16:creationId xmlns:a16="http://schemas.microsoft.com/office/drawing/2014/main" id="{B67D80A9-3352-49BD-8B13-67E5655619A8}"/>
-              </a:ext>
-            </a:extLst>
-          </p:cNvPr>
-          <p:cNvSpPr>
-            <a:spLocks noGrp="1"/>
-          </p:cNvSpPr>
-          <p:nvPr>
-            <p:ph type="title"/>
-          </p:nvPr>
-        </p:nvSpPr>
-        <p:spPr>
-          <a:xfrm>
-            <a:off x="838200" y="365125"/>
-            <a:ext cx="8957310" cy="1325563"/>
-          </a:xfrm>
-        </p:spPr>
-        <p:txBody>
-          <a:bodyPr/>
-          <a:lstStyle/>
-          <a:p>
-            <a:r>
-              <a:rPr lang="en-US" dirty="0"/>
-              <a:t>Approaches to Digital Data Sync</a:t>
-            </a:r>
-            <a:endParaRPr lang="en-DE" dirty="0"/>
-          </a:p>
-        </p:txBody>
-      </p:sp>
-      <p:sp>
-        <p:nvSpPr>
-          <p:cNvPr id="3" name="Content Placeholder 2">
-            <a:extLst>
-              <a:ext uri="{FF2B5EF4-FFF2-40B4-BE49-F238E27FC236}">
-                <a16:creationId xmlns:a16="http://schemas.microsoft.com/office/drawing/2014/main" id="{117AA472-BE32-4274-AC6A-90CA53C6C9DD}"/>
-              </a:ext>
-            </a:extLst>
-          </p:cNvPr>
-          <p:cNvSpPr>
-            <a:spLocks noGrp="1"/>
-          </p:cNvSpPr>
-          <p:nvPr>
-            <p:ph idx="1"/>
-          </p:nvPr>
-        </p:nvSpPr>
-        <p:spPr/>
-        <p:txBody>
-          <a:bodyPr>
-            <a:normAutofit fontScale="92500" lnSpcReduction="10000"/>
+          <p:cNvPr id="4" name="TextBox 3">
+            <a:extLst>
+              <a:ext uri="{FF2B5EF4-FFF2-40B4-BE49-F238E27FC236}">
+                <a16:creationId xmlns:a16="http://schemas.microsoft.com/office/drawing/2014/main" id="{484BAC70-94B9-41FC-BE47-84025A671DD7}"/>
+              </a:ext>
+            </a:extLst>
+          </p:cNvPr>
+          <p:cNvSpPr txBox="1"/>
+          <p:nvPr/>
+        </p:nvSpPr>
+        <p:spPr>
+          <a:xfrm>
+            <a:off x="1101089" y="2413337"/>
+            <a:ext cx="9989820" cy="1938992"/>
+          </a:xfrm>
+          <a:prstGeom prst="rect">
+            <a:avLst/>
+          </a:prstGeom>
+          <a:noFill/>
+        </p:spPr>
+        <p:txBody>
+          <a:bodyPr wrap="square" rtlCol="0">
+            <a:spAutoFit/>
           </a:bodyPr>
           <a:lstStyle/>
           <a:p>
-            <a:r>
-              <a:rPr lang="en-US" dirty="0">
-                <a:latin typeface="Univers" panose="020B0503020202020204" pitchFamily="34" charset="0"/>
-              </a:rPr>
-              <a:t>Just in time/as fast as possible</a:t>
-            </a:r>
-          </a:p>
-          <a:p>
-            <a:pPr lvl="1"/>
-            <a:r>
-              <a:rPr lang="en-US" dirty="0">
-                <a:latin typeface="Univers" panose="020B0503020202020204" pitchFamily="34" charset="0"/>
-              </a:rPr>
-              <a:t>as soon as new data is available, grab it and process it</a:t>
-            </a:r>
-          </a:p>
-          <a:p>
-            <a:pPr lvl="1"/>
-            <a:r>
-              <a:rPr lang="en-US" dirty="0">
-                <a:latin typeface="Univers" panose="020B0503020202020204" pitchFamily="34" charset="0"/>
-              </a:rPr>
-              <a:t>synchronization tends to be hardware driven</a:t>
-            </a:r>
-          </a:p>
-          <a:p>
-            <a:r>
-              <a:rPr lang="en-US" dirty="0">
-                <a:latin typeface="Univers" panose="020B0503020202020204" pitchFamily="34" charset="0"/>
-              </a:rPr>
-              <a:t>Grid-like Sync</a:t>
-            </a:r>
-          </a:p>
-          <a:p>
-            <a:pPr lvl="1"/>
-            <a:r>
-              <a:rPr lang="en-US" dirty="0">
-                <a:latin typeface="Univers" panose="020B0503020202020204" pitchFamily="34" charset="0"/>
-              </a:rPr>
-              <a:t>Exact synchronization</a:t>
-            </a:r>
-          </a:p>
-          <a:p>
-            <a:pPr lvl="2"/>
-            <a:r>
-              <a:rPr lang="en-US" dirty="0">
-                <a:latin typeface="Univers" panose="020B0503020202020204" pitchFamily="34" charset="0"/>
-              </a:rPr>
-              <a:t>each digital sample from one stream is aligned with a digital sample from another</a:t>
-            </a:r>
-          </a:p>
-          <a:p>
-            <a:pPr lvl="1"/>
-            <a:r>
-              <a:rPr lang="en-US" dirty="0">
-                <a:latin typeface="Univers" panose="020B0503020202020204" pitchFamily="34" charset="0"/>
-              </a:rPr>
-              <a:t>Commensurate data</a:t>
-            </a:r>
-          </a:p>
-          <a:p>
-            <a:pPr lvl="2"/>
-            <a:r>
-              <a:rPr lang="en-US" dirty="0">
-                <a:latin typeface="Univers" panose="020B0503020202020204" pitchFamily="34" charset="0"/>
-              </a:rPr>
-              <a:t>each digital sample from one stream is aligned with an integer multiple digital sample from another stream with a higher sampling rate</a:t>
-            </a:r>
-          </a:p>
-          <a:p>
-            <a:r>
-              <a:rPr lang="en-US" dirty="0">
-                <a:latin typeface="Univers" panose="020B0503020202020204" pitchFamily="34" charset="0"/>
-              </a:rPr>
-              <a:t>‘Continuous time’ rebase sync</a:t>
-            </a:r>
-          </a:p>
-          <a:p>
-            <a:pPr lvl="1"/>
-            <a:r>
-              <a:rPr lang="en-US" dirty="0">
-                <a:latin typeface="Univers" panose="020B0503020202020204" pitchFamily="34" charset="0"/>
-              </a:rPr>
-              <a:t>digital samples are not aligned, but their time stamps refer to non-aligned points on a single, continuous time-base</a:t>
-            </a:r>
+            <a:pPr algn="ctr"/>
+            <a:r>
+              <a:rPr lang="en-US" sz="6000" dirty="0">
+                <a:latin typeface="Univers" panose="020B0503020202020204" pitchFamily="34" charset="0"/>
+              </a:rPr>
+              <a:t>Approaches to Digital Data Synchronization</a:t>
+            </a:r>
+            <a:endParaRPr lang="en-DE" sz="6000" dirty="0">
+              <a:latin typeface="Univers" panose="020B0503020202020204" pitchFamily="34" charset="0"/>
+            </a:endParaRPr>
           </a:p>
         </p:txBody>
       </p:sp>
       <p:pic>
         <p:nvPicPr>
-          <p:cNvPr id="5" name="Picture 4" descr="A picture containing text, sign, outdoor, close&#10;&#10;Description automatically generated">
-            <a:extLst>
-              <a:ext uri="{FF2B5EF4-FFF2-40B4-BE49-F238E27FC236}">
-                <a16:creationId xmlns:a16="http://schemas.microsoft.com/office/drawing/2014/main" id="{47842863-62C2-468D-BC9B-637CD0603B00}"/>
+          <p:cNvPr id="14" name="Picture 13" descr="Logo&#10;&#10;Description automatically generated">
+            <a:extLst>
+              <a:ext uri="{FF2B5EF4-FFF2-40B4-BE49-F238E27FC236}">
+                <a16:creationId xmlns:a16="http://schemas.microsoft.com/office/drawing/2014/main" id="{29BF7DF9-AE0A-4485-A1FE-AF17ADC1784F}"/>
               </a:ext>
             </a:extLst>
           </p:cNvPr>
@@ -9181,8 +9159,8 @@
         </p:blipFill>
         <p:spPr>
           <a:xfrm>
-            <a:off x="9909810" y="365125"/>
-            <a:ext cx="1443990" cy="1325563"/>
+            <a:off x="396079" y="5331315"/>
+            <a:ext cx="1410021" cy="1270289"/>
           </a:xfrm>
           <a:prstGeom prst="rect">
             <a:avLst/>
@@ -9192,7 +9170,7 @@
     </p:spTree>
     <p:extLst>
       <p:ext uri="{BB962C8B-B14F-4D97-AF65-F5344CB8AC3E}">
-        <p14:creationId xmlns:p14="http://schemas.microsoft.com/office/powerpoint/2010/main" val="877753106"/>
+        <p14:creationId xmlns:p14="http://schemas.microsoft.com/office/powerpoint/2010/main" val="2230324488"/>
       </p:ext>
     </p:extLst>
   </p:cSld>
@@ -9203,6 +9181,205 @@
 </file>
 
 <file path=ppt/slides/slide30.xml><?xml version="1.0" encoding="utf-8"?>
+<p:sld xmlns:a="http://schemas.openxmlformats.org/drawingml/2006/main" xmlns:r="http://schemas.openxmlformats.org/officeDocument/2006/relationships" xmlns:p="http://schemas.openxmlformats.org/presentationml/2006/main">
+  <p:cSld>
+    <p:spTree>
+      <p:nvGrpSpPr>
+        <p:cNvPr id="1" name=""/>
+        <p:cNvGrpSpPr/>
+        <p:nvPr/>
+      </p:nvGrpSpPr>
+      <p:grpSpPr>
+        <a:xfrm>
+          <a:off x="0" y="0"/>
+          <a:ext cx="0" cy="0"/>
+          <a:chOff x="0" y="0"/>
+          <a:chExt cx="0" cy="0"/>
+        </a:xfrm>
+      </p:grpSpPr>
+      <p:sp>
+        <p:nvSpPr>
+          <p:cNvPr id="2" name="Title 1">
+            <a:extLst>
+              <a:ext uri="{FF2B5EF4-FFF2-40B4-BE49-F238E27FC236}">
+                <a16:creationId xmlns:a16="http://schemas.microsoft.com/office/drawing/2014/main" id="{B67D80A9-3352-49BD-8B13-67E5655619A8}"/>
+              </a:ext>
+            </a:extLst>
+          </p:cNvPr>
+          <p:cNvSpPr>
+            <a:spLocks noGrp="1"/>
+          </p:cNvSpPr>
+          <p:nvPr>
+            <p:ph type="title"/>
+          </p:nvPr>
+        </p:nvSpPr>
+        <p:spPr>
+          <a:xfrm>
+            <a:off x="838200" y="365125"/>
+            <a:ext cx="8957310" cy="1325563"/>
+          </a:xfrm>
+        </p:spPr>
+        <p:txBody>
+          <a:bodyPr/>
+          <a:lstStyle/>
+          <a:p>
+            <a:r>
+              <a:rPr lang="en-US" dirty="0"/>
+              <a:t>LSL Sync For Online </a:t>
+            </a:r>
+            <a:endParaRPr lang="en-DE" dirty="0"/>
+          </a:p>
+        </p:txBody>
+      </p:sp>
+      <p:sp>
+        <p:nvSpPr>
+          <p:cNvPr id="3" name="Content Placeholder 2">
+            <a:extLst>
+              <a:ext uri="{FF2B5EF4-FFF2-40B4-BE49-F238E27FC236}">
+                <a16:creationId xmlns:a16="http://schemas.microsoft.com/office/drawing/2014/main" id="{117AA472-BE32-4274-AC6A-90CA53C6C9DD}"/>
+              </a:ext>
+            </a:extLst>
+          </p:cNvPr>
+          <p:cNvSpPr>
+            <a:spLocks noGrp="1"/>
+          </p:cNvSpPr>
+          <p:nvPr>
+            <p:ph idx="1"/>
+          </p:nvPr>
+        </p:nvSpPr>
+        <p:spPr>
+          <a:xfrm>
+            <a:off x="838200" y="1825625"/>
+            <a:ext cx="10515600" cy="1398838"/>
+          </a:xfrm>
+        </p:spPr>
+        <p:txBody>
+          <a:bodyPr>
+            <a:normAutofit/>
+          </a:bodyPr>
+          <a:lstStyle/>
+          <a:p>
+            <a:pPr marL="0" indent="0">
+              <a:buNone/>
+            </a:pPr>
+            <a:r>
+              <a:rPr lang="en-US" dirty="0">
+                <a:latin typeface="Univers" panose="020B0503020202020204" pitchFamily="34" charset="0"/>
+              </a:rPr>
+              <a:t>Results (if online demo doesn’t work due to network overload from </a:t>
+            </a:r>
+            <a:r>
+              <a:rPr lang="en-US" dirty="0" err="1">
+                <a:latin typeface="Univers" panose="020B0503020202020204" pitchFamily="34" charset="0"/>
+              </a:rPr>
+              <a:t>GoToWebinar</a:t>
+            </a:r>
+            <a:r>
+              <a:rPr lang="en-US" dirty="0">
+                <a:latin typeface="Univers" panose="020B0503020202020204" pitchFamily="34" charset="0"/>
+              </a:rPr>
+              <a:t>...)</a:t>
+            </a:r>
+          </a:p>
+          <a:p>
+            <a:r>
+              <a:rPr lang="en-US" dirty="0">
+                <a:latin typeface="Univers" panose="020B0503020202020204" pitchFamily="34" charset="0"/>
+              </a:rPr>
+              <a:t>Post-processing options on:</a:t>
+            </a:r>
+            <a:endParaRPr lang="en-DE" dirty="0">
+              <a:latin typeface="Univers" panose="020B0503020202020204" pitchFamily="34" charset="0"/>
+            </a:endParaRPr>
+          </a:p>
+        </p:txBody>
+      </p:sp>
+      <p:pic>
+        <p:nvPicPr>
+          <p:cNvPr id="5" name="Picture 4" descr="A picture containing text, sign, outdoor, close&#10;&#10;Description automatically generated">
+            <a:extLst>
+              <a:ext uri="{FF2B5EF4-FFF2-40B4-BE49-F238E27FC236}">
+                <a16:creationId xmlns:a16="http://schemas.microsoft.com/office/drawing/2014/main" id="{47842863-62C2-468D-BC9B-637CD0603B00}"/>
+              </a:ext>
+            </a:extLst>
+          </p:cNvPr>
+          <p:cNvPicPr>
+            <a:picLocks noChangeAspect="1"/>
+          </p:cNvPicPr>
+          <p:nvPr/>
+        </p:nvPicPr>
+        <p:blipFill>
+          <a:blip r:embed="rId2">
+            <a:extLst>
+              <a:ext uri="{28A0092B-C50C-407E-A947-70E740481C1C}">
+                <a14:useLocalDpi xmlns:a14="http://schemas.microsoft.com/office/drawing/2010/main" val="0"/>
+              </a:ext>
+            </a:extLst>
+          </a:blip>
+          <a:stretch>
+            <a:fillRect/>
+          </a:stretch>
+        </p:blipFill>
+        <p:spPr>
+          <a:xfrm>
+            <a:off x="9909810" y="365125"/>
+            <a:ext cx="1443990" cy="1325563"/>
+          </a:xfrm>
+          <a:prstGeom prst="rect">
+            <a:avLst/>
+          </a:prstGeom>
+        </p:spPr>
+      </p:pic>
+      <p:pic>
+        <p:nvPicPr>
+          <p:cNvPr id="6" name="Picture 5" descr="Graphical user interface, text, application&#10;&#10;Description automatically generated">
+            <a:extLst>
+              <a:ext uri="{FF2B5EF4-FFF2-40B4-BE49-F238E27FC236}">
+                <a16:creationId xmlns:a16="http://schemas.microsoft.com/office/drawing/2014/main" id="{71690621-A81A-4594-8350-523E0FFD150E}"/>
+              </a:ext>
+            </a:extLst>
+          </p:cNvPr>
+          <p:cNvPicPr>
+            <a:picLocks noChangeAspect="1"/>
+          </p:cNvPicPr>
+          <p:nvPr/>
+        </p:nvPicPr>
+        <p:blipFill>
+          <a:blip r:embed="rId3">
+            <a:extLst>
+              <a:ext uri="{28A0092B-C50C-407E-A947-70E740481C1C}">
+                <a14:useLocalDpi xmlns:a14="http://schemas.microsoft.com/office/drawing/2010/main" val="0"/>
+              </a:ext>
+            </a:extLst>
+          </a:blip>
+          <a:stretch>
+            <a:fillRect/>
+          </a:stretch>
+        </p:blipFill>
+        <p:spPr>
+          <a:xfrm>
+            <a:off x="4385372" y="3224463"/>
+            <a:ext cx="6968428" cy="3633537"/>
+          </a:xfrm>
+          <a:prstGeom prst="rect">
+            <a:avLst/>
+          </a:prstGeom>
+        </p:spPr>
+      </p:pic>
+    </p:spTree>
+    <p:extLst>
+      <p:ext uri="{BB962C8B-B14F-4D97-AF65-F5344CB8AC3E}">
+        <p14:creationId xmlns:p14="http://schemas.microsoft.com/office/powerpoint/2010/main" val="1852164116"/>
+      </p:ext>
+    </p:extLst>
+  </p:cSld>
+  <p:clrMapOvr>
+    <a:masterClrMapping/>
+  </p:clrMapOvr>
+</p:sld>
+</file>
+
+<file path=ppt/slides/slide31.xml><?xml version="1.0" encoding="utf-8"?>
 <p:sld xmlns:a="http://schemas.openxmlformats.org/drawingml/2006/main" xmlns:r="http://schemas.openxmlformats.org/officeDocument/2006/relationships" xmlns:p="http://schemas.openxmlformats.org/presentationml/2006/main">
   <p:cSld>
     <p:spTree>
@@ -9511,24 +9688,97 @@
             <p:ph idx="1"/>
           </p:nvPr>
         </p:nvSpPr>
-        <p:spPr>
-          <a:xfrm>
-            <a:off x="838200" y="1825625"/>
-            <a:ext cx="10515600" cy="548459"/>
-          </a:xfrm>
-        </p:spPr>
-        <p:txBody>
-          <a:bodyPr/>
+        <p:spPr/>
+        <p:txBody>
+          <a:bodyPr>
+            <a:normAutofit fontScale="92500" lnSpcReduction="10000"/>
+          </a:bodyPr>
           <a:lstStyle/>
           <a:p>
-            <a:pPr marL="0" indent="0">
-              <a:buNone/>
-            </a:pPr>
             <a:r>
               <a:rPr lang="en-US" dirty="0">
                 <a:latin typeface="Univers" panose="020B0503020202020204" pitchFamily="34" charset="0"/>
               </a:rPr>
               <a:t>Just in time/as fast as possible</a:t>
+            </a:r>
+          </a:p>
+          <a:p>
+            <a:pPr lvl="1"/>
+            <a:r>
+              <a:rPr lang="en-US" dirty="0">
+                <a:latin typeface="Univers" panose="020B0503020202020204" pitchFamily="34" charset="0"/>
+              </a:rPr>
+              <a:t>as soon as new data is available, grab it and process it</a:t>
+            </a:r>
+          </a:p>
+          <a:p>
+            <a:pPr lvl="1"/>
+            <a:r>
+              <a:rPr lang="en-US" dirty="0">
+                <a:latin typeface="Univers" panose="020B0503020202020204" pitchFamily="34" charset="0"/>
+              </a:rPr>
+              <a:t>synchronization tends to be hardware driven</a:t>
+            </a:r>
+          </a:p>
+          <a:p>
+            <a:r>
+              <a:rPr lang="en-US" dirty="0">
+                <a:latin typeface="Univers" panose="020B0503020202020204" pitchFamily="34" charset="0"/>
+              </a:rPr>
+              <a:t>Grid-like Sync</a:t>
+            </a:r>
+          </a:p>
+          <a:p>
+            <a:pPr lvl="1"/>
+            <a:r>
+              <a:rPr lang="en-US" dirty="0">
+                <a:latin typeface="Univers" panose="020B0503020202020204" pitchFamily="34" charset="0"/>
+              </a:rPr>
+              <a:t>Exact synchronization</a:t>
+            </a:r>
+          </a:p>
+          <a:p>
+            <a:pPr lvl="2"/>
+            <a:r>
+              <a:rPr lang="en-US" dirty="0">
+                <a:latin typeface="Univers" panose="020B0503020202020204" pitchFamily="34" charset="0"/>
+              </a:rPr>
+              <a:t>each digital sample from one stream is aligned with a digital sample from another</a:t>
+            </a:r>
+          </a:p>
+          <a:p>
+            <a:pPr lvl="1"/>
+            <a:r>
+              <a:rPr lang="en-US" dirty="0">
+                <a:latin typeface="Univers" panose="020B0503020202020204" pitchFamily="34" charset="0"/>
+              </a:rPr>
+              <a:t>Commensurate data</a:t>
+            </a:r>
+          </a:p>
+          <a:p>
+            <a:pPr lvl="2"/>
+            <a:r>
+              <a:rPr lang="en-US" dirty="0">
+                <a:latin typeface="Univers" panose="020B0503020202020204" pitchFamily="34" charset="0"/>
+              </a:rPr>
+              <a:t>each digital sample from one stream is aligned with an integer multiple digital sample from another stream with a higher sampling rate</a:t>
+            </a:r>
+          </a:p>
+          <a:p>
+            <a:r>
+              <a:rPr lang="en-US" dirty="0">
+                <a:latin typeface="Univers" panose="020B0503020202020204" pitchFamily="34" charset="0"/>
+              </a:rPr>
+              <a:t>‘Continuous time’ rebase sync</a:t>
+            </a:r>
+          </a:p>
+          <a:p>
+            <a:pPr lvl="1"/>
+            <a:r>
+              <a:rPr lang="en-US" dirty="0">
+                <a:latin typeface="Univers" panose="020B0503020202020204" pitchFamily="34" charset="0"/>
+              </a:rPr>
+              <a:t>digital samples are not aligned, but their time stamps refer to non-aligned points on a single, continuous time-base</a:t>
             </a:r>
           </a:p>
         </p:txBody>
@@ -9569,90 +9819,10 @@
           </a:prstGeom>
         </p:spPr>
       </p:pic>
-      <p:sp>
-        <p:nvSpPr>
-          <p:cNvPr id="7" name="TextBox 6">
-            <a:extLst>
-              <a:ext uri="{FF2B5EF4-FFF2-40B4-BE49-F238E27FC236}">
-                <a16:creationId xmlns:a16="http://schemas.microsoft.com/office/drawing/2014/main" id="{EC5B31E2-1CF9-4319-8A8B-B7A9A0864D22}"/>
-              </a:ext>
-            </a:extLst>
-          </p:cNvPr>
-          <p:cNvSpPr txBox="1"/>
-          <p:nvPr/>
-        </p:nvSpPr>
-        <p:spPr>
-          <a:xfrm>
-            <a:off x="8154099" y="2099854"/>
-            <a:ext cx="3199701" cy="3970318"/>
-          </a:xfrm>
-          <a:prstGeom prst="rect">
-            <a:avLst/>
-          </a:prstGeom>
-          <a:noFill/>
-        </p:spPr>
-        <p:txBody>
-          <a:bodyPr wrap="square" rtlCol="0">
-            <a:spAutoFit/>
-          </a:bodyPr>
-          <a:lstStyle/>
-          <a:p>
-            <a:r>
-              <a:rPr lang="en-US" dirty="0"/>
-              <a:t>In this scenario, the Data Receiver simply processes first Data A, then Data B </a:t>
-            </a:r>
-            <a:r>
-              <a:rPr lang="en-US" b="1" i="1" dirty="0"/>
-              <a:t>because that is the order the data are received</a:t>
-            </a:r>
-            <a:r>
-              <a:rPr lang="en-US" dirty="0"/>
-              <a:t>. It throws away all a priori understanding of its time-base or the time-base of the Data Senders because all that matters is which Data is newest. Even though Data A and Data B should be exactly synchronous, Data B has a higher latency so the Data Receiver ‘believes’ it happened later in time.</a:t>
-            </a:r>
-            <a:endParaRPr lang="en-DE" dirty="0"/>
-          </a:p>
-        </p:txBody>
-      </p:sp>
-      <p:pic>
-        <p:nvPicPr>
-          <p:cNvPr id="9" name="Picture 8" descr="Diagram&#10;&#10;Description automatically generated">
-            <a:extLst>
-              <a:ext uri="{FF2B5EF4-FFF2-40B4-BE49-F238E27FC236}">
-                <a16:creationId xmlns:a16="http://schemas.microsoft.com/office/drawing/2014/main" id="{4298C30F-A70F-48B3-ABA9-06B12E4438E9}"/>
-              </a:ext>
-            </a:extLst>
-          </p:cNvPr>
-          <p:cNvPicPr>
-            <a:picLocks noChangeAspect="1"/>
-          </p:cNvPicPr>
-          <p:nvPr/>
-        </p:nvPicPr>
-        <p:blipFill>
-          <a:blip r:embed="rId3">
-            <a:extLst>
-              <a:ext uri="{28A0092B-C50C-407E-A947-70E740481C1C}">
-                <a14:useLocalDpi xmlns:a14="http://schemas.microsoft.com/office/drawing/2010/main" val="0"/>
-              </a:ext>
-            </a:extLst>
-          </a:blip>
-          <a:stretch>
-            <a:fillRect/>
-          </a:stretch>
-        </p:blipFill>
-        <p:spPr>
-          <a:xfrm>
-            <a:off x="838200" y="2374084"/>
-            <a:ext cx="6743928" cy="3897762"/>
-          </a:xfrm>
-          <a:prstGeom prst="rect">
-            <a:avLst/>
-          </a:prstGeom>
-        </p:spPr>
-      </p:pic>
     </p:spTree>
     <p:extLst>
       <p:ext uri="{BB962C8B-B14F-4D97-AF65-F5344CB8AC3E}">
-        <p14:creationId xmlns:p14="http://schemas.microsoft.com/office/powerpoint/2010/main" val="1869501830"/>
+        <p14:creationId xmlns:p14="http://schemas.microsoft.com/office/powerpoint/2010/main" val="877753106"/>
       </p:ext>
     </p:extLst>
   </p:cSld>
@@ -9746,7 +9916,7 @@
               <a:rPr lang="en-US" dirty="0">
                 <a:latin typeface="Univers" panose="020B0503020202020204" pitchFamily="34" charset="0"/>
               </a:rPr>
-              <a:t>Exact Sync</a:t>
+              <a:t>Just in time/as fast as possible</a:t>
             </a:r>
           </a:p>
         </p:txBody>
@@ -9802,7 +9972,7 @@
         <p:spPr>
           <a:xfrm>
             <a:off x="8154099" y="2099854"/>
-            <a:ext cx="3199701" cy="3693319"/>
+            <a:ext cx="3199701" cy="3970318"/>
           </a:xfrm>
           <a:prstGeom prst="rect">
             <a:avLst/>
@@ -9817,58 +9987,26 @@
           <a:p>
             <a:r>
               <a:rPr lang="en-US" dirty="0"/>
-              <a:t>In this scenario, the Data Receiver </a:t>
+              <a:t>In this scenario, the Data Receiver simply processes first Data A, then Data B </a:t>
             </a:r>
             <a:r>
               <a:rPr lang="en-US" b="1" i="1" dirty="0"/>
-              <a:t>waits</a:t>
+              <a:t>because that is the order the data are received</a:t>
             </a:r>
             <a:r>
               <a:rPr lang="en-US" dirty="0"/>
-              <a:t> until Data B arrives with the same </a:t>
-            </a:r>
-            <a:r>
-              <a:rPr lang="en-US" b="1" i="1" dirty="0"/>
-              <a:t>relative time </a:t>
-            </a:r>
-            <a:r>
-              <a:rPr lang="en-US" dirty="0"/>
-              <a:t>as the earlier Data A. Then, </a:t>
-            </a:r>
-            <a:r>
-              <a:rPr lang="en-US" i="1" dirty="0"/>
-              <a:t>because the </a:t>
-            </a:r>
-            <a:r>
-              <a:rPr lang="en-US" b="1" i="1" dirty="0"/>
-              <a:t>Data Receiver knows the clock offset between itself and the two Data Senders</a:t>
-            </a:r>
-            <a:r>
-              <a:rPr lang="en-US" dirty="0"/>
-              <a:t>, and </a:t>
-            </a:r>
-            <a:r>
-              <a:rPr lang="en-US" b="1" i="1" dirty="0"/>
-              <a:t>because both Data Senders have the same sampling rate</a:t>
-            </a:r>
-            <a:r>
-              <a:rPr lang="en-US" i="1" dirty="0"/>
-              <a:t> </a:t>
-            </a:r>
-            <a:r>
-              <a:rPr lang="en-US" dirty="0"/>
-              <a:t>it can perfectly align the data from both Senders and assign their receive times to its own time-base.</a:t>
-            </a:r>
-            <a:endParaRPr lang="en-DE" i="1" dirty="0"/>
+              <a:t>. It throws away all a priori understanding of its time-base or the time-base of the Data Senders because all that matters is which Data is newest. Even though Data A and Data B should be exactly synchronous, Data B has a higher latency so the Data Receiver ‘believes’ it happened later in time.</a:t>
+            </a:r>
+            <a:endParaRPr lang="en-DE" dirty="0"/>
           </a:p>
         </p:txBody>
       </p:sp>
       <p:pic>
         <p:nvPicPr>
-          <p:cNvPr id="10" name="Picture 9" descr="Diagram&#10;&#10;Description automatically generated">
-            <a:extLst>
-              <a:ext uri="{FF2B5EF4-FFF2-40B4-BE49-F238E27FC236}">
-                <a16:creationId xmlns:a16="http://schemas.microsoft.com/office/drawing/2014/main" id="{7AAF2473-04A4-4FAD-8538-76277D6396D3}"/>
+          <p:cNvPr id="9" name="Picture 8" descr="Diagram&#10;&#10;Description automatically generated">
+            <a:extLst>
+              <a:ext uri="{FF2B5EF4-FFF2-40B4-BE49-F238E27FC236}">
+                <a16:creationId xmlns:a16="http://schemas.microsoft.com/office/drawing/2014/main" id="{4298C30F-A70F-48B3-ABA9-06B12E4438E9}"/>
               </a:ext>
             </a:extLst>
           </p:cNvPr>
@@ -9892,7 +10030,7 @@
         <p:spPr>
           <a:xfrm>
             <a:off x="838200" y="2374084"/>
-            <a:ext cx="7172567" cy="3897762"/>
+            <a:ext cx="6743928" cy="3897762"/>
           </a:xfrm>
           <a:prstGeom prst="rect">
             <a:avLst/>
@@ -9902,7 +10040,7 @@
     </p:spTree>
     <p:extLst>
       <p:ext uri="{BB962C8B-B14F-4D97-AF65-F5344CB8AC3E}">
-        <p14:creationId xmlns:p14="http://schemas.microsoft.com/office/powerpoint/2010/main" val="243456776"/>
+        <p14:creationId xmlns:p14="http://schemas.microsoft.com/office/powerpoint/2010/main" val="1869501830"/>
       </p:ext>
     </p:extLst>
   </p:cSld>
@@ -9996,7 +10134,7 @@
               <a:rPr lang="en-US" dirty="0">
                 <a:latin typeface="Univers" panose="020B0503020202020204" pitchFamily="34" charset="0"/>
               </a:rPr>
-              <a:t>Commensurate Sync</a:t>
+              <a:t>Exact Sync</a:t>
             </a:r>
           </a:p>
         </p:txBody>
@@ -10052,7 +10190,7 @@
         <p:spPr>
           <a:xfrm>
             <a:off x="8154099" y="2099854"/>
-            <a:ext cx="3199701" cy="4247317"/>
+            <a:ext cx="3199701" cy="3693319"/>
           </a:xfrm>
           <a:prstGeom prst="rect">
             <a:avLst/>
@@ -10075,7 +10213,7 @@
             </a:r>
             <a:r>
               <a:rPr lang="en-US" dirty="0"/>
-              <a:t> until Data B1 and B2 have arrived with the same </a:t>
+              <a:t> until Data B arrives with the same </a:t>
             </a:r>
             <a:r>
               <a:rPr lang="en-US" b="1" i="1" dirty="0"/>
@@ -10083,15 +10221,7 @@
             </a:r>
             <a:r>
               <a:rPr lang="en-US" dirty="0"/>
-              <a:t>and </a:t>
-            </a:r>
-            <a:r>
-              <a:rPr lang="en-US" b="1" i="1" dirty="0"/>
-              <a:t>sample count</a:t>
-            </a:r>
-            <a:r>
-              <a:rPr lang="en-US" dirty="0"/>
-              <a:t> as the earlier Data A. Then, </a:t>
+              <a:t>as the earlier Data A. Then, </a:t>
             </a:r>
             <a:r>
               <a:rPr lang="en-US" i="1" dirty="0"/>
@@ -10107,7 +10237,7 @@
             </a:r>
             <a:r>
               <a:rPr lang="en-US" b="1" i="1" dirty="0"/>
-              <a:t>because both Data Senders have the integer multiple sampling rates</a:t>
+              <a:t>because both Data Senders have the same sampling rate</a:t>
             </a:r>
             <a:r>
               <a:rPr lang="en-US" i="1" dirty="0"/>
@@ -10115,7 +10245,7 @@
             </a:r>
             <a:r>
               <a:rPr lang="en-US" dirty="0"/>
-              <a:t>it can perfectly align the data from both Senders and assign the receive time to its own time-base. </a:t>
+              <a:t>it can perfectly align the data from both Senders and assign their receive times to its own time-base.</a:t>
             </a:r>
             <a:endParaRPr lang="en-DE" i="1" dirty="0"/>
           </a:p>
@@ -10123,10 +10253,10 @@
       </p:sp>
       <p:pic>
         <p:nvPicPr>
-          <p:cNvPr id="6" name="Picture 5" descr="Diagram&#10;&#10;Description automatically generated">
-            <a:extLst>
-              <a:ext uri="{FF2B5EF4-FFF2-40B4-BE49-F238E27FC236}">
-                <a16:creationId xmlns:a16="http://schemas.microsoft.com/office/drawing/2014/main" id="{3871E295-243C-4ADD-A4EB-256D5EAD1743}"/>
+          <p:cNvPr id="10" name="Picture 9" descr="Diagram&#10;&#10;Description automatically generated">
+            <a:extLst>
+              <a:ext uri="{FF2B5EF4-FFF2-40B4-BE49-F238E27FC236}">
+                <a16:creationId xmlns:a16="http://schemas.microsoft.com/office/drawing/2014/main" id="{7AAF2473-04A4-4FAD-8538-76277D6396D3}"/>
               </a:ext>
             </a:extLst>
           </p:cNvPr>
@@ -10160,7 +10290,7 @@
     </p:spTree>
     <p:extLst>
       <p:ext uri="{BB962C8B-B14F-4D97-AF65-F5344CB8AC3E}">
-        <p14:creationId xmlns:p14="http://schemas.microsoft.com/office/powerpoint/2010/main" val="20722415"/>
+        <p14:creationId xmlns:p14="http://schemas.microsoft.com/office/powerpoint/2010/main" val="243456776"/>
       </p:ext>
     </p:extLst>
   </p:cSld>
@@ -10254,7 +10384,7 @@
               <a:rPr lang="en-US" dirty="0">
                 <a:latin typeface="Univers" panose="020B0503020202020204" pitchFamily="34" charset="0"/>
               </a:rPr>
-              <a:t>‘Continuous Time’ Rebase Sync</a:t>
+              <a:t>Commensurate Sync</a:t>
             </a:r>
           </a:p>
         </p:txBody>
@@ -10297,10 +10427,10 @@
       </p:pic>
       <p:sp>
         <p:nvSpPr>
-          <p:cNvPr id="8" name="TextBox 7">
-            <a:extLst>
-              <a:ext uri="{FF2B5EF4-FFF2-40B4-BE49-F238E27FC236}">
-                <a16:creationId xmlns:a16="http://schemas.microsoft.com/office/drawing/2014/main" id="{895DB72B-BDE3-4108-B5FC-DC8F5F4E1C12}"/>
+          <p:cNvPr id="7" name="TextBox 6">
+            <a:extLst>
+              <a:ext uri="{FF2B5EF4-FFF2-40B4-BE49-F238E27FC236}">
+                <a16:creationId xmlns:a16="http://schemas.microsoft.com/office/drawing/2014/main" id="{EC5B31E2-1CF9-4319-8A8B-B7A9A0864D22}"/>
               </a:ext>
             </a:extLst>
           </p:cNvPr>
@@ -10310,7 +10440,7 @@
         <p:spPr>
           <a:xfrm>
             <a:off x="8154099" y="2099854"/>
-            <a:ext cx="3199701" cy="4524315"/>
+            <a:ext cx="3199701" cy="4247317"/>
           </a:xfrm>
           <a:prstGeom prst="rect">
             <a:avLst/>
@@ -10325,15 +10455,55 @@
           <a:p>
             <a:r>
               <a:rPr lang="en-US" dirty="0"/>
-              <a:t>In this scenario, Data Sender A and Data Sender B can have any sampling rate. The Data Receiver cannot perfectly align the digital samples, but it can shift their timestamps so that any relative moment in time in one streams is the same moment in another stream. In this case, if we wish to know the value of Data A at </a:t>
-            </a:r>
-            <a:r>
-              <a:rPr lang="en-US" dirty="0" err="1"/>
-              <a:t>timesamp</a:t>
+              <a:t>In this scenario, the Data Receiver </a:t>
+            </a:r>
+            <a:r>
+              <a:rPr lang="en-US" b="1" i="1" dirty="0"/>
+              <a:t>waits</a:t>
             </a:r>
             <a:r>
               <a:rPr lang="en-US" dirty="0"/>
-              <a:t> 11.2 (relative to the first sample in Data B1) interpolation may be required. LSL uses this approach (but does not do any interpolation).</a:t>
+              <a:t> until Data B1 and B2 have arrived with the same </a:t>
+            </a:r>
+            <a:r>
+              <a:rPr lang="en-US" b="1" i="1" dirty="0"/>
+              <a:t>relative time </a:t>
+            </a:r>
+            <a:r>
+              <a:rPr lang="en-US" dirty="0"/>
+              <a:t>and </a:t>
+            </a:r>
+            <a:r>
+              <a:rPr lang="en-US" b="1" i="1" dirty="0"/>
+              <a:t>sample count</a:t>
+            </a:r>
+            <a:r>
+              <a:rPr lang="en-US" dirty="0"/>
+              <a:t> as the earlier Data A. Then, </a:t>
+            </a:r>
+            <a:r>
+              <a:rPr lang="en-US" i="1" dirty="0"/>
+              <a:t>because the </a:t>
+            </a:r>
+            <a:r>
+              <a:rPr lang="en-US" b="1" i="1" dirty="0"/>
+              <a:t>Data Receiver knows the clock offset between itself and the two Data Senders</a:t>
+            </a:r>
+            <a:r>
+              <a:rPr lang="en-US" dirty="0"/>
+              <a:t>, and </a:t>
+            </a:r>
+            <a:r>
+              <a:rPr lang="en-US" b="1" i="1" dirty="0"/>
+              <a:t>because both Data Senders have the integer multiple sampling rates</a:t>
+            </a:r>
+            <a:r>
+              <a:rPr lang="en-US" i="1" dirty="0"/>
+              <a:t> </a:t>
+            </a:r>
+            <a:r>
+              <a:rPr lang="en-US" dirty="0"/>
+              <a:t>it can perfectly align the data from both Senders and assign the receive time to its own time-base. </a:t>
             </a:r>
             <a:endParaRPr lang="en-DE" i="1" dirty="0"/>
           </a:p>
@@ -10341,10 +10511,10 @@
       </p:sp>
       <p:pic>
         <p:nvPicPr>
-          <p:cNvPr id="9" name="Picture 8" descr="Diagram, engineering drawing&#10;&#10;Description automatically generated">
-            <a:extLst>
-              <a:ext uri="{FF2B5EF4-FFF2-40B4-BE49-F238E27FC236}">
-                <a16:creationId xmlns:a16="http://schemas.microsoft.com/office/drawing/2014/main" id="{5FDD5913-9903-4F54-A490-A2C12862D88A}"/>
+          <p:cNvPr id="6" name="Picture 5" descr="Diagram&#10;&#10;Description automatically generated">
+            <a:extLst>
+              <a:ext uri="{FF2B5EF4-FFF2-40B4-BE49-F238E27FC236}">
+                <a16:creationId xmlns:a16="http://schemas.microsoft.com/office/drawing/2014/main" id="{3871E295-243C-4ADD-A4EB-256D5EAD1743}"/>
               </a:ext>
             </a:extLst>
           </p:cNvPr>
@@ -10368,7 +10538,7 @@
         <p:spPr>
           <a:xfrm>
             <a:off x="838200" y="2374084"/>
-            <a:ext cx="6743928" cy="3897762"/>
+            <a:ext cx="7172567" cy="3897762"/>
           </a:xfrm>
           <a:prstGeom prst="rect">
             <a:avLst/>
@@ -10378,7 +10548,7 @@
     </p:spTree>
     <p:extLst>
       <p:ext uri="{BB962C8B-B14F-4D97-AF65-F5344CB8AC3E}">
-        <p14:creationId xmlns:p14="http://schemas.microsoft.com/office/powerpoint/2010/main" val="3252708976"/>
+        <p14:creationId xmlns:p14="http://schemas.microsoft.com/office/powerpoint/2010/main" val="20722415"/>
       </p:ext>
     </p:extLst>
   </p:cSld>
@@ -10455,11 +10625,14 @@
             <p:ph idx="1"/>
           </p:nvPr>
         </p:nvSpPr>
-        <p:spPr/>
-        <p:txBody>
-          <a:bodyPr>
-            <a:normAutofit fontScale="92500" lnSpcReduction="10000"/>
-          </a:bodyPr>
+        <p:spPr>
+          <a:xfrm>
+            <a:off x="838200" y="1825625"/>
+            <a:ext cx="10515600" cy="548459"/>
+          </a:xfrm>
+        </p:spPr>
+        <p:txBody>
+          <a:bodyPr/>
           <a:lstStyle/>
           <a:p>
             <a:pPr marL="0" indent="0">
@@ -10469,96 +10642,7 @@
               <a:rPr lang="en-US" dirty="0">
                 <a:latin typeface="Univers" panose="020B0503020202020204" pitchFamily="34" charset="0"/>
               </a:rPr>
-              <a:t>Just in time/as fast as possible</a:t>
-            </a:r>
-          </a:p>
-          <a:p>
-            <a:r>
-              <a:rPr lang="en-US" dirty="0">
-                <a:latin typeface="Univers" panose="020B0503020202020204" pitchFamily="34" charset="0"/>
-              </a:rPr>
-              <a:t>Pros:</a:t>
-            </a:r>
-          </a:p>
-          <a:p>
-            <a:pPr lvl="1"/>
-            <a:r>
-              <a:rPr lang="en-US" dirty="0">
-                <a:latin typeface="Univers" panose="020B0503020202020204" pitchFamily="34" charset="0"/>
-              </a:rPr>
-              <a:t>simple</a:t>
-            </a:r>
-          </a:p>
-          <a:p>
-            <a:pPr lvl="1"/>
-            <a:r>
-              <a:rPr lang="en-US" dirty="0">
-                <a:latin typeface="Univers" panose="020B0503020202020204" pitchFamily="34" charset="0"/>
-              </a:rPr>
-              <a:t>fast</a:t>
-            </a:r>
-          </a:p>
-          <a:p>
-            <a:r>
-              <a:rPr lang="en-US" dirty="0">
-                <a:latin typeface="Univers" panose="020B0503020202020204" pitchFamily="34" charset="0"/>
-              </a:rPr>
-              <a:t>Cons:</a:t>
-            </a:r>
-          </a:p>
-          <a:p>
-            <a:pPr lvl="1"/>
-            <a:r>
-              <a:rPr lang="en-US" dirty="0">
-                <a:latin typeface="Univers" panose="020B0503020202020204" pitchFamily="34" charset="0"/>
-              </a:rPr>
-              <a:t>inexact</a:t>
-            </a:r>
-          </a:p>
-          <a:p>
-            <a:pPr lvl="1"/>
-            <a:r>
-              <a:rPr lang="en-US" dirty="0">
-                <a:latin typeface="Univers" panose="020B0503020202020204" pitchFamily="34" charset="0"/>
-              </a:rPr>
-              <a:t>jitter is impossible to remove</a:t>
-            </a:r>
-          </a:p>
-          <a:p>
-            <a:pPr lvl="1"/>
-            <a:r>
-              <a:rPr lang="en-US" dirty="0">
-                <a:latin typeface="Univers" panose="020B0503020202020204" pitchFamily="34" charset="0"/>
-              </a:rPr>
-              <a:t>if samples times are not monotonically increasing there are problems</a:t>
-            </a:r>
-          </a:p>
-          <a:p>
-            <a:pPr lvl="1"/>
-            <a:r>
-              <a:rPr lang="en-US" dirty="0">
-                <a:latin typeface="Univers" panose="020B0503020202020204" pitchFamily="34" charset="0"/>
-              </a:rPr>
-              <a:t>requires a ‘master’/’main’ clock: how to choose?</a:t>
-            </a:r>
-          </a:p>
-          <a:p>
-            <a:pPr marL="457200" lvl="1" indent="0">
-              <a:buNone/>
-            </a:pPr>
-            <a:endParaRPr lang="en-US" dirty="0">
-              <a:latin typeface="Univers" panose="020B0503020202020204" pitchFamily="34" charset="0"/>
-            </a:endParaRPr>
-          </a:p>
-          <a:p>
-            <a:pPr marL="0" indent="0" algn="r">
-              <a:buNone/>
-            </a:pPr>
-            <a:r>
-              <a:rPr lang="en-US" dirty="0">
-                <a:latin typeface="Univers" panose="020B0503020202020204" pitchFamily="34" charset="0"/>
-              </a:rPr>
-              <a:t>This approach is a good choice if all you care about is NOW.</a:t>
+              <a:t>‘Continuous Time’ Rebase Sync</a:t>
             </a:r>
           </a:p>
         </p:txBody>
@@ -10599,10 +10683,90 @@
           </a:prstGeom>
         </p:spPr>
       </p:pic>
+      <p:sp>
+        <p:nvSpPr>
+          <p:cNvPr id="8" name="TextBox 7">
+            <a:extLst>
+              <a:ext uri="{FF2B5EF4-FFF2-40B4-BE49-F238E27FC236}">
+                <a16:creationId xmlns:a16="http://schemas.microsoft.com/office/drawing/2014/main" id="{895DB72B-BDE3-4108-B5FC-DC8F5F4E1C12}"/>
+              </a:ext>
+            </a:extLst>
+          </p:cNvPr>
+          <p:cNvSpPr txBox="1"/>
+          <p:nvPr/>
+        </p:nvSpPr>
+        <p:spPr>
+          <a:xfrm>
+            <a:off x="8154099" y="2099854"/>
+            <a:ext cx="3199701" cy="4524315"/>
+          </a:xfrm>
+          <a:prstGeom prst="rect">
+            <a:avLst/>
+          </a:prstGeom>
+          <a:noFill/>
+        </p:spPr>
+        <p:txBody>
+          <a:bodyPr wrap="square" rtlCol="0">
+            <a:spAutoFit/>
+          </a:bodyPr>
+          <a:lstStyle/>
+          <a:p>
+            <a:r>
+              <a:rPr lang="en-US" dirty="0"/>
+              <a:t>In this scenario, Data Sender A and Data Sender B can have any sampling rate. The Data Receiver cannot perfectly align the digital samples, but it can shift their timestamps so that any relative moment in time in one streams is the same moment in another stream. In this case, if we wish to know the value of Data A at </a:t>
+            </a:r>
+            <a:r>
+              <a:rPr lang="en-US" dirty="0" err="1"/>
+              <a:t>timesamp</a:t>
+            </a:r>
+            <a:r>
+              <a:rPr lang="en-US" dirty="0"/>
+              <a:t> 11.2 (relative to the first sample in Data B1) interpolation may be required. LSL uses this approach (but does not do any interpolation).</a:t>
+            </a:r>
+            <a:endParaRPr lang="en-DE" i="1" dirty="0"/>
+          </a:p>
+        </p:txBody>
+      </p:sp>
+      <p:pic>
+        <p:nvPicPr>
+          <p:cNvPr id="9" name="Picture 8" descr="Diagram, engineering drawing&#10;&#10;Description automatically generated">
+            <a:extLst>
+              <a:ext uri="{FF2B5EF4-FFF2-40B4-BE49-F238E27FC236}">
+                <a16:creationId xmlns:a16="http://schemas.microsoft.com/office/drawing/2014/main" id="{5FDD5913-9903-4F54-A490-A2C12862D88A}"/>
+              </a:ext>
+            </a:extLst>
+          </p:cNvPr>
+          <p:cNvPicPr>
+            <a:picLocks noChangeAspect="1"/>
+          </p:cNvPicPr>
+          <p:nvPr/>
+        </p:nvPicPr>
+        <p:blipFill>
+          <a:blip r:embed="rId3">
+            <a:extLst>
+              <a:ext uri="{28A0092B-C50C-407E-A947-70E740481C1C}">
+                <a14:useLocalDpi xmlns:a14="http://schemas.microsoft.com/office/drawing/2010/main" val="0"/>
+              </a:ext>
+            </a:extLst>
+          </a:blip>
+          <a:stretch>
+            <a:fillRect/>
+          </a:stretch>
+        </p:blipFill>
+        <p:spPr>
+          <a:xfrm>
+            <a:off x="838200" y="2374084"/>
+            <a:ext cx="6743928" cy="3897762"/>
+          </a:xfrm>
+          <a:prstGeom prst="rect">
+            <a:avLst/>
+          </a:prstGeom>
+        </p:spPr>
+      </p:pic>
     </p:spTree>
     <p:extLst>
       <p:ext uri="{BB962C8B-B14F-4D97-AF65-F5344CB8AC3E}">
-        <p14:creationId xmlns:p14="http://schemas.microsoft.com/office/powerpoint/2010/main" val="3801756791"/>
+        <p14:creationId xmlns:p14="http://schemas.microsoft.com/office/powerpoint/2010/main" val="3252708976"/>
       </p:ext>
     </p:extLst>
   </p:cSld>
@@ -10682,7 +10846,7 @@
         <p:spPr/>
         <p:txBody>
           <a:bodyPr>
-            <a:normAutofit lnSpcReduction="10000"/>
+            <a:normAutofit fontScale="92500" lnSpcReduction="10000"/>
           </a:bodyPr>
           <a:lstStyle/>
           <a:p>
@@ -10693,15 +10857,15 @@
               <a:rPr lang="en-US" dirty="0">
                 <a:latin typeface="Univers" panose="020B0503020202020204" pitchFamily="34" charset="0"/>
               </a:rPr>
-              <a:t>Grid-like Sync</a:t>
-            </a:r>
-          </a:p>
-          <a:p>
-            <a:r>
-              <a:rPr lang="en-US" dirty="0">
-                <a:latin typeface="Univers" panose="020B0503020202020204" pitchFamily="34" charset="0"/>
-              </a:rPr>
-              <a:t>Pros</a:t>
+              <a:t>Just in time/as fast as possible</a:t>
+            </a:r>
+          </a:p>
+          <a:p>
+            <a:r>
+              <a:rPr lang="en-US" dirty="0">
+                <a:latin typeface="Univers" panose="020B0503020202020204" pitchFamily="34" charset="0"/>
+              </a:rPr>
+              <a:t>Pros:</a:t>
             </a:r>
           </a:p>
           <a:p>
@@ -10710,7 +10874,16 @@
               <a:rPr lang="en-US" dirty="0">
                 <a:latin typeface="Univers" panose="020B0503020202020204" pitchFamily="34" charset="0"/>
               </a:rPr>
-              <a:t>very exact</a:t>
+              <a:t>simple</a:t>
+            </a:r>
+          </a:p>
+          <a:p>
+            <a:pPr lvl="1"/>
+            <a:r>
+              <a:rPr lang="en-US" dirty="0">
+                <a:latin typeface="Univers" panose="020B0503020202020204" pitchFamily="34" charset="0"/>
+              </a:rPr>
+              <a:t>fast</a:t>
             </a:r>
           </a:p>
           <a:p>
@@ -10727,7 +10900,7 @@
               <a:rPr lang="en-US" dirty="0">
                 <a:latin typeface="Univers" panose="020B0503020202020204" pitchFamily="34" charset="0"/>
               </a:rPr>
-              <a:t>very constrained</a:t>
+              <a:t>inexact</a:t>
             </a:r>
           </a:p>
           <a:p>
@@ -10736,7 +10909,7 @@
               <a:rPr lang="en-US" dirty="0">
                 <a:latin typeface="Univers" panose="020B0503020202020204" pitchFamily="34" charset="0"/>
               </a:rPr>
-              <a:t>in reality, this always requires hardware triggers</a:t>
+              <a:t>jitter is impossible to remove</a:t>
             </a:r>
           </a:p>
           <a:p>
@@ -10745,11 +10918,22 @@
               <a:rPr lang="en-US" dirty="0">
                 <a:latin typeface="Univers" panose="020B0503020202020204" pitchFamily="34" charset="0"/>
               </a:rPr>
-              <a:t>almost impossible to do in real-time</a:t>
+              <a:t>if samples times are not monotonically increasing there are problems</a:t>
             </a:r>
           </a:p>
           <a:p>
             <a:pPr lvl="1"/>
+            <a:r>
+              <a:rPr lang="en-US" dirty="0">
+                <a:latin typeface="Univers" panose="020B0503020202020204" pitchFamily="34" charset="0"/>
+              </a:rPr>
+              <a:t>requires a ‘master’/’main’ clock: how to choose?</a:t>
+            </a:r>
+          </a:p>
+          <a:p>
+            <a:pPr marL="457200" lvl="1" indent="0">
+              <a:buNone/>
+            </a:pPr>
             <a:endParaRPr lang="en-US" dirty="0">
               <a:latin typeface="Univers" panose="020B0503020202020204" pitchFamily="34" charset="0"/>
             </a:endParaRPr>
@@ -10762,25 +10946,8 @@
               <a:rPr lang="en-US" dirty="0">
                 <a:latin typeface="Univers" panose="020B0503020202020204" pitchFamily="34" charset="0"/>
               </a:rPr>
-              <a:t>Snapping samples to a quantized grid can only be done reliably in an offline scenario </a:t>
-            </a:r>
-            <a:r>
-              <a:rPr lang="en-US" i="1" dirty="0">
-                <a:latin typeface="Univers" panose="020B0503020202020204" pitchFamily="34" charset="0"/>
-              </a:rPr>
-              <a:t>and</a:t>
-            </a:r>
-            <a:r>
-              <a:rPr lang="en-US" dirty="0">
-                <a:latin typeface="Univers" panose="020B0503020202020204" pitchFamily="34" charset="0"/>
-              </a:rPr>
-              <a:t> when the sampling rate of the hardware is very reliable.</a:t>
-            </a:r>
-          </a:p>
-          <a:p>
-            <a:endParaRPr lang="en-US" dirty="0">
-              <a:latin typeface="Univers" panose="020B0503020202020204" pitchFamily="34" charset="0"/>
-            </a:endParaRPr>
+              <a:t>This approach is a good choice if all you care about is NOW.</a:t>
+            </a:r>
           </a:p>
         </p:txBody>
       </p:sp>
@@ -10823,7 +10990,7 @@
     </p:spTree>
     <p:extLst>
       <p:ext uri="{BB962C8B-B14F-4D97-AF65-F5344CB8AC3E}">
-        <p14:creationId xmlns:p14="http://schemas.microsoft.com/office/powerpoint/2010/main" val="3534920980"/>
+        <p14:creationId xmlns:p14="http://schemas.microsoft.com/office/powerpoint/2010/main" val="3801756791"/>
       </p:ext>
     </p:extLst>
   </p:cSld>

--- a/LSL-2/lsl-2.pptx
+++ b/LSL-2/lsl-2.pptx
@@ -6908,6 +6908,33 @@
               </a:rPr>
               <a:t>https://github.com/Diademics-Pty-Ltd/BrainProducts_BCI_Event</a:t>
             </a:r>
+            <a:endParaRPr lang="en-US" dirty="0">
+              <a:latin typeface="Univers" panose="020B0503020202020204" pitchFamily="34" charset="0"/>
+            </a:endParaRPr>
+          </a:p>
+          <a:p>
+            <a:pPr marL="0" indent="0">
+              <a:buNone/>
+            </a:pPr>
+            <a:endParaRPr lang="en-US" dirty="0">
+              <a:latin typeface="Univers" panose="020B0503020202020204" pitchFamily="34" charset="0"/>
+            </a:endParaRPr>
+          </a:p>
+          <a:p>
+            <a:pPr marL="0" indent="0">
+              <a:buNone/>
+            </a:pPr>
+            <a:r>
+              <a:rPr lang="en-US">
+                <a:latin typeface="Univers" panose="020B0503020202020204" pitchFamily="34" charset="0"/>
+              </a:rPr>
+              <a:t>You may contact me by email at david.medine@diademics.com</a:t>
+            </a:r>
+          </a:p>
+          <a:p>
+            <a:pPr marL="0" indent="0">
+              <a:buNone/>
+            </a:pPr>
             <a:endParaRPr lang="en-US" dirty="0">
               <a:latin typeface="Univers" panose="020B0503020202020204" pitchFamily="34" charset="0"/>
             </a:endParaRPr>

--- a/LSL-2/lsl-2.pptx
+++ b/LSL-2/lsl-2.pptx
@@ -4056,6 +4056,45 @@
           </a:prstGeom>
         </p:spPr>
       </p:pic>
+      <p:sp>
+        <p:nvSpPr>
+          <p:cNvPr id="2" name="Footer Placeholder 1">
+            <a:extLst>
+              <a:ext uri="{FF2B5EF4-FFF2-40B4-BE49-F238E27FC236}">
+                <a16:creationId xmlns:a16="http://schemas.microsoft.com/office/drawing/2014/main" id="{6FC20450-10D7-4E22-AB23-4FDA16C381E9}"/>
+              </a:ext>
+            </a:extLst>
+          </p:cNvPr>
+          <p:cNvSpPr>
+            <a:spLocks noGrp="1"/>
+          </p:cNvSpPr>
+          <p:nvPr>
+            <p:ph type="ftr" sz="quarter" idx="11"/>
+          </p:nvPr>
+        </p:nvSpPr>
+        <p:spPr/>
+        <p:txBody>
+          <a:bodyPr/>
+          <a:lstStyle/>
+          <a:p>
+            <a:r>
+              <a:rPr lang="en-US" dirty="0"/>
+              <a:t>Copyright 2021 </a:t>
+            </a:r>
+            <a:r>
+              <a:rPr lang="en-US" dirty="0" err="1"/>
+              <a:t>Diademics</a:t>
+            </a:r>
+            <a:r>
+              <a:rPr lang="en-US"/>
+              <a:t> Pty Ltd</a:t>
+            </a:r>
+          </a:p>
+          <a:p>
+            <a:endParaRPr lang="en-US"/>
+          </a:p>
+        </p:txBody>
+      </p:sp>
     </p:spTree>
     <p:extLst>
       <p:ext uri="{BB962C8B-B14F-4D97-AF65-F5344CB8AC3E}">
@@ -6925,7 +6964,7 @@
               <a:buNone/>
             </a:pPr>
             <a:r>
-              <a:rPr lang="en-US">
+              <a:rPr lang="en-US" dirty="0">
                 <a:latin typeface="Univers" panose="020B0503020202020204" pitchFamily="34" charset="0"/>
               </a:rPr>
               <a:t>You may contact me by email at david.medine@diademics.com</a:t>
